--- a/slides/L10 Decision_Table.pptx
+++ b/slides/L10 Decision_Table.pptx
@@ -3,18 +3,22 @@
 <p:presentation xmlns:a="http://schemas.openxmlformats.org/drawingml/2006/main" xmlns:r="http://schemas.openxmlformats.org/officeDocument/2006/relationships" xmlns:p="http://schemas.openxmlformats.org/presentationml/2006/main">
   <p:sldMasterIdLst>
     <p:sldMasterId id="2147483648" r:id="rId1"/>
-    <p:sldMasterId id="2147483660" r:id="rId3"/>
+    <p:sldMasterId id="2147483660" r:id="rId2"/>
   </p:sldMasterIdLst>
+  <p:notesMasterIdLst>
+    <p:notesMasterId r:id="rId13"/>
+  </p:notesMasterIdLst>
   <p:sldIdLst>
-    <p:sldId id="256" r:id="rId4"/>
-    <p:sldId id="266" r:id="rId5"/>
-    <p:sldId id="428" r:id="rId6"/>
-    <p:sldId id="289" r:id="rId7"/>
-    <p:sldId id="290" r:id="rId8"/>
-    <p:sldId id="291" r:id="rId9"/>
-    <p:sldId id="429" r:id="rId10"/>
-    <p:sldId id="430" r:id="rId11"/>
-    <p:sldId id="431" r:id="rId12"/>
+    <p:sldId id="256" r:id="rId3"/>
+    <p:sldId id="266" r:id="rId4"/>
+    <p:sldId id="428" r:id="rId5"/>
+    <p:sldId id="289" r:id="rId6"/>
+    <p:sldId id="290" r:id="rId7"/>
+    <p:sldId id="291" r:id="rId8"/>
+    <p:sldId id="429" r:id="rId9"/>
+    <p:sldId id="430" r:id="rId10"/>
+    <p:sldId id="431" r:id="rId11"/>
+    <p:sldId id="432" r:id="rId12"/>
   </p:sldIdLst>
   <p:sldSz cx="12192000" cy="6858000"/>
   <p:notesSz cx="6858000" cy="9144000"/>
@@ -113,7 +117,1058 @@
       </a:defRPr>
     </a:lvl9pPr>
   </p:defaultTextStyle>
+  <p:extLst>
+    <p:ext uri="{EFAFB233-063F-42B5-8137-9DF3F51BA10A}">
+      <p15:sldGuideLst xmlns:p15="http://schemas.microsoft.com/office/powerpoint/2012/main"/>
+    </p:ext>
+  </p:extLst>
 </p:presentation>
+</file>
+
+<file path=ppt/notesMasters/notesMaster1.xml><?xml version="1.0" encoding="utf-8"?>
+<p:notesMaster xmlns:a="http://schemas.openxmlformats.org/drawingml/2006/main" xmlns:r="http://schemas.openxmlformats.org/officeDocument/2006/relationships" xmlns:p="http://schemas.openxmlformats.org/presentationml/2006/main">
+  <p:cSld>
+    <p:bg>
+      <p:bgRef idx="1001">
+        <a:schemeClr val="bg1"/>
+      </p:bgRef>
+    </p:bg>
+    <p:spTree>
+      <p:nvGrpSpPr>
+        <p:cNvPr id="1" name=""/>
+        <p:cNvGrpSpPr/>
+        <p:nvPr/>
+      </p:nvGrpSpPr>
+      <p:grpSpPr>
+        <a:xfrm>
+          <a:off x="0" y="0"/>
+          <a:ext cx="0" cy="0"/>
+          <a:chOff x="0" y="0"/>
+          <a:chExt cx="0" cy="0"/>
+        </a:xfrm>
+      </p:grpSpPr>
+      <p:sp>
+        <p:nvSpPr>
+          <p:cNvPr id="2" name="Header Placeholder 1"/>
+          <p:cNvSpPr>
+            <a:spLocks noGrp="1"/>
+          </p:cNvSpPr>
+          <p:nvPr>
+            <p:ph type="hdr" sz="quarter"/>
+          </p:nvPr>
+        </p:nvSpPr>
+        <p:spPr>
+          <a:xfrm>
+            <a:off x="0" y="0"/>
+            <a:ext cx="2971800" cy="458788"/>
+          </a:xfrm>
+          <a:prstGeom prst="rect">
+            <a:avLst/>
+          </a:prstGeom>
+        </p:spPr>
+        <p:txBody>
+          <a:bodyPr vert="horz" lIns="91440" tIns="45720" rIns="91440" bIns="45720" rtlCol="0"/>
+          <a:lstStyle>
+            <a:lvl1pPr algn="l">
+              <a:defRPr sz="1200"/>
+            </a:lvl1pPr>
+          </a:lstStyle>
+          <a:p>
+            <a:endParaRPr lang="en-US"/>
+          </a:p>
+        </p:txBody>
+      </p:sp>
+      <p:sp>
+        <p:nvSpPr>
+          <p:cNvPr id="3" name="Date Placeholder 2"/>
+          <p:cNvSpPr>
+            <a:spLocks noGrp="1"/>
+          </p:cNvSpPr>
+          <p:nvPr>
+            <p:ph type="dt" idx="1"/>
+          </p:nvPr>
+        </p:nvSpPr>
+        <p:spPr>
+          <a:xfrm>
+            <a:off x="3884613" y="0"/>
+            <a:ext cx="2971800" cy="458788"/>
+          </a:xfrm>
+          <a:prstGeom prst="rect">
+            <a:avLst/>
+          </a:prstGeom>
+        </p:spPr>
+        <p:txBody>
+          <a:bodyPr vert="horz" lIns="91440" tIns="45720" rIns="91440" bIns="45720" rtlCol="0"/>
+          <a:lstStyle>
+            <a:lvl1pPr algn="r">
+              <a:defRPr sz="1200"/>
+            </a:lvl1pPr>
+          </a:lstStyle>
+          <a:p>
+            <a:fld id="{5339FDEF-668F-45A9-A9F8-B68CE527E227}" type="datetimeFigureOut">
+              <a:rPr lang="en-US" smtClean="0"/>
+              <a:t>3/23/2024</a:t>
+            </a:fld>
+            <a:endParaRPr lang="en-US"/>
+          </a:p>
+        </p:txBody>
+      </p:sp>
+      <p:sp>
+        <p:nvSpPr>
+          <p:cNvPr id="4" name="Slide Image Placeholder 3"/>
+          <p:cNvSpPr>
+            <a:spLocks noGrp="1" noRot="1" noChangeAspect="1"/>
+          </p:cNvSpPr>
+          <p:nvPr>
+            <p:ph type="sldImg" idx="2"/>
+          </p:nvPr>
+        </p:nvSpPr>
+        <p:spPr>
+          <a:xfrm>
+            <a:off x="685800" y="1143000"/>
+            <a:ext cx="5486400" cy="3086100"/>
+          </a:xfrm>
+          <a:prstGeom prst="rect">
+            <a:avLst/>
+          </a:prstGeom>
+          <a:noFill/>
+          <a:ln w="12700">
+            <a:solidFill>
+              <a:prstClr val="black"/>
+            </a:solidFill>
+          </a:ln>
+        </p:spPr>
+        <p:txBody>
+          <a:bodyPr vert="horz" lIns="91440" tIns="45720" rIns="91440" bIns="45720" rtlCol="0" anchor="ctr"/>
+          <a:lstStyle/>
+          <a:p>
+            <a:endParaRPr lang="en-US"/>
+          </a:p>
+        </p:txBody>
+      </p:sp>
+      <p:sp>
+        <p:nvSpPr>
+          <p:cNvPr id="5" name="Notes Placeholder 4"/>
+          <p:cNvSpPr>
+            <a:spLocks noGrp="1"/>
+          </p:cNvSpPr>
+          <p:nvPr>
+            <p:ph type="body" sz="quarter" idx="3"/>
+          </p:nvPr>
+        </p:nvSpPr>
+        <p:spPr>
+          <a:xfrm>
+            <a:off x="685800" y="4400550"/>
+            <a:ext cx="5486400" cy="3600450"/>
+          </a:xfrm>
+          <a:prstGeom prst="rect">
+            <a:avLst/>
+          </a:prstGeom>
+        </p:spPr>
+        <p:txBody>
+          <a:bodyPr vert="horz" lIns="91440" tIns="45720" rIns="91440" bIns="45720" rtlCol="0"/>
+          <a:lstStyle/>
+          <a:p>
+            <a:pPr lvl="0"/>
+            <a:r>
+              <a:rPr lang="en-US"/>
+              <a:t>Click to edit Master text styles</a:t>
+            </a:r>
+          </a:p>
+          <a:p>
+            <a:pPr lvl="1"/>
+            <a:r>
+              <a:rPr lang="en-US"/>
+              <a:t>Second level</a:t>
+            </a:r>
+          </a:p>
+          <a:p>
+            <a:pPr lvl="2"/>
+            <a:r>
+              <a:rPr lang="en-US"/>
+              <a:t>Third level</a:t>
+            </a:r>
+          </a:p>
+          <a:p>
+            <a:pPr lvl="3"/>
+            <a:r>
+              <a:rPr lang="en-US"/>
+              <a:t>Fourth level</a:t>
+            </a:r>
+          </a:p>
+          <a:p>
+            <a:pPr lvl="4"/>
+            <a:r>
+              <a:rPr lang="en-US"/>
+              <a:t>Fifth level</a:t>
+            </a:r>
+          </a:p>
+        </p:txBody>
+      </p:sp>
+      <p:sp>
+        <p:nvSpPr>
+          <p:cNvPr id="6" name="Footer Placeholder 5"/>
+          <p:cNvSpPr>
+            <a:spLocks noGrp="1"/>
+          </p:cNvSpPr>
+          <p:nvPr>
+            <p:ph type="ftr" sz="quarter" idx="4"/>
+          </p:nvPr>
+        </p:nvSpPr>
+        <p:spPr>
+          <a:xfrm>
+            <a:off x="0" y="8685213"/>
+            <a:ext cx="2971800" cy="458787"/>
+          </a:xfrm>
+          <a:prstGeom prst="rect">
+            <a:avLst/>
+          </a:prstGeom>
+        </p:spPr>
+        <p:txBody>
+          <a:bodyPr vert="horz" lIns="91440" tIns="45720" rIns="91440" bIns="45720" rtlCol="0" anchor="b"/>
+          <a:lstStyle>
+            <a:lvl1pPr algn="l">
+              <a:defRPr sz="1200"/>
+            </a:lvl1pPr>
+          </a:lstStyle>
+          <a:p>
+            <a:endParaRPr lang="en-US"/>
+          </a:p>
+        </p:txBody>
+      </p:sp>
+      <p:sp>
+        <p:nvSpPr>
+          <p:cNvPr id="7" name="Slide Number Placeholder 6"/>
+          <p:cNvSpPr>
+            <a:spLocks noGrp="1"/>
+          </p:cNvSpPr>
+          <p:nvPr>
+            <p:ph type="sldNum" sz="quarter" idx="5"/>
+          </p:nvPr>
+        </p:nvSpPr>
+        <p:spPr>
+          <a:xfrm>
+            <a:off x="3884613" y="8685213"/>
+            <a:ext cx="2971800" cy="458787"/>
+          </a:xfrm>
+          <a:prstGeom prst="rect">
+            <a:avLst/>
+          </a:prstGeom>
+        </p:spPr>
+        <p:txBody>
+          <a:bodyPr vert="horz" lIns="91440" tIns="45720" rIns="91440" bIns="45720" rtlCol="0" anchor="b"/>
+          <a:lstStyle>
+            <a:lvl1pPr algn="r">
+              <a:defRPr sz="1200"/>
+            </a:lvl1pPr>
+          </a:lstStyle>
+          <a:p>
+            <a:fld id="{9F9CBFC2-AA24-479E-BE28-4DAFA56C692E}" type="slidenum">
+              <a:rPr lang="en-US" smtClean="0"/>
+              <a:t>‹#›</a:t>
+            </a:fld>
+            <a:endParaRPr lang="en-US"/>
+          </a:p>
+        </p:txBody>
+      </p:sp>
+    </p:spTree>
+    <p:extLst>
+      <p:ext uri="{BB962C8B-B14F-4D97-AF65-F5344CB8AC3E}">
+        <p14:creationId xmlns:p14="http://schemas.microsoft.com/office/powerpoint/2010/main" val="3438659358"/>
+      </p:ext>
+    </p:extLst>
+  </p:cSld>
+  <p:clrMap bg1="lt1" tx1="dk1" bg2="lt2" tx2="dk2" accent1="accent1" accent2="accent2" accent3="accent3" accent4="accent4" accent5="accent5" accent6="accent6" hlink="hlink" folHlink="folHlink"/>
+  <p:notesStyle>
+    <a:lvl1pPr marL="0" algn="l" defTabSz="914400" rtl="0" eaLnBrk="1" latinLnBrk="0" hangingPunct="1">
+      <a:defRPr sz="1200" kern="1200">
+        <a:solidFill>
+          <a:schemeClr val="tx1"/>
+        </a:solidFill>
+        <a:latin typeface="+mn-lt"/>
+        <a:ea typeface="+mn-ea"/>
+        <a:cs typeface="+mn-cs"/>
+      </a:defRPr>
+    </a:lvl1pPr>
+    <a:lvl2pPr marL="457200" algn="l" defTabSz="914400" rtl="0" eaLnBrk="1" latinLnBrk="0" hangingPunct="1">
+      <a:defRPr sz="1200" kern="1200">
+        <a:solidFill>
+          <a:schemeClr val="tx1"/>
+        </a:solidFill>
+        <a:latin typeface="+mn-lt"/>
+        <a:ea typeface="+mn-ea"/>
+        <a:cs typeface="+mn-cs"/>
+      </a:defRPr>
+    </a:lvl2pPr>
+    <a:lvl3pPr marL="914400" algn="l" defTabSz="914400" rtl="0" eaLnBrk="1" latinLnBrk="0" hangingPunct="1">
+      <a:defRPr sz="1200" kern="1200">
+        <a:solidFill>
+          <a:schemeClr val="tx1"/>
+        </a:solidFill>
+        <a:latin typeface="+mn-lt"/>
+        <a:ea typeface="+mn-ea"/>
+        <a:cs typeface="+mn-cs"/>
+      </a:defRPr>
+    </a:lvl3pPr>
+    <a:lvl4pPr marL="1371600" algn="l" defTabSz="914400" rtl="0" eaLnBrk="1" latinLnBrk="0" hangingPunct="1">
+      <a:defRPr sz="1200" kern="1200">
+        <a:solidFill>
+          <a:schemeClr val="tx1"/>
+        </a:solidFill>
+        <a:latin typeface="+mn-lt"/>
+        <a:ea typeface="+mn-ea"/>
+        <a:cs typeface="+mn-cs"/>
+      </a:defRPr>
+    </a:lvl4pPr>
+    <a:lvl5pPr marL="1828800" algn="l" defTabSz="914400" rtl="0" eaLnBrk="1" latinLnBrk="0" hangingPunct="1">
+      <a:defRPr sz="1200" kern="1200">
+        <a:solidFill>
+          <a:schemeClr val="tx1"/>
+        </a:solidFill>
+        <a:latin typeface="+mn-lt"/>
+        <a:ea typeface="+mn-ea"/>
+        <a:cs typeface="+mn-cs"/>
+      </a:defRPr>
+    </a:lvl5pPr>
+    <a:lvl6pPr marL="2286000" algn="l" defTabSz="914400" rtl="0" eaLnBrk="1" latinLnBrk="0" hangingPunct="1">
+      <a:defRPr sz="1200" kern="1200">
+        <a:solidFill>
+          <a:schemeClr val="tx1"/>
+        </a:solidFill>
+        <a:latin typeface="+mn-lt"/>
+        <a:ea typeface="+mn-ea"/>
+        <a:cs typeface="+mn-cs"/>
+      </a:defRPr>
+    </a:lvl6pPr>
+    <a:lvl7pPr marL="2743200" algn="l" defTabSz="914400" rtl="0" eaLnBrk="1" latinLnBrk="0" hangingPunct="1">
+      <a:defRPr sz="1200" kern="1200">
+        <a:solidFill>
+          <a:schemeClr val="tx1"/>
+        </a:solidFill>
+        <a:latin typeface="+mn-lt"/>
+        <a:ea typeface="+mn-ea"/>
+        <a:cs typeface="+mn-cs"/>
+      </a:defRPr>
+    </a:lvl7pPr>
+    <a:lvl8pPr marL="3200400" algn="l" defTabSz="914400" rtl="0" eaLnBrk="1" latinLnBrk="0" hangingPunct="1">
+      <a:defRPr sz="1200" kern="1200">
+        <a:solidFill>
+          <a:schemeClr val="tx1"/>
+        </a:solidFill>
+        <a:latin typeface="+mn-lt"/>
+        <a:ea typeface="+mn-ea"/>
+        <a:cs typeface="+mn-cs"/>
+      </a:defRPr>
+    </a:lvl8pPr>
+    <a:lvl9pPr marL="3657600" algn="l" defTabSz="914400" rtl="0" eaLnBrk="1" latinLnBrk="0" hangingPunct="1">
+      <a:defRPr sz="1200" kern="1200">
+        <a:solidFill>
+          <a:schemeClr val="tx1"/>
+        </a:solidFill>
+        <a:latin typeface="+mn-lt"/>
+        <a:ea typeface="+mn-ea"/>
+        <a:cs typeface="+mn-cs"/>
+      </a:defRPr>
+    </a:lvl9pPr>
+  </p:notesStyle>
+</p:notesMaster>
+</file>
+
+<file path=ppt/notesSlides/notesSlide1.xml><?xml version="1.0" encoding="utf-8"?>
+<p:notes xmlns:a="http://schemas.openxmlformats.org/drawingml/2006/main" xmlns:r="http://schemas.openxmlformats.org/officeDocument/2006/relationships" xmlns:p="http://schemas.openxmlformats.org/presentationml/2006/main">
+  <p:cSld>
+    <p:spTree>
+      <p:nvGrpSpPr>
+        <p:cNvPr id="1" name=""/>
+        <p:cNvGrpSpPr/>
+        <p:nvPr/>
+      </p:nvGrpSpPr>
+      <p:grpSpPr>
+        <a:xfrm>
+          <a:off x="0" y="0"/>
+          <a:ext cx="0" cy="0"/>
+          <a:chOff x="0" y="0"/>
+          <a:chExt cx="0" cy="0"/>
+        </a:xfrm>
+      </p:grpSpPr>
+      <p:sp>
+        <p:nvSpPr>
+          <p:cNvPr id="2" name="Slide Image Placeholder 1"/>
+          <p:cNvSpPr>
+            <a:spLocks noGrp="1" noRot="1" noChangeAspect="1"/>
+          </p:cNvSpPr>
+          <p:nvPr>
+            <p:ph type="sldImg"/>
+          </p:nvPr>
+        </p:nvSpPr>
+        <p:spPr/>
+      </p:sp>
+      <p:sp>
+        <p:nvSpPr>
+          <p:cNvPr id="3" name="Notes Placeholder 2"/>
+          <p:cNvSpPr>
+            <a:spLocks noGrp="1"/>
+          </p:cNvSpPr>
+          <p:nvPr>
+            <p:ph type="body" idx="1"/>
+          </p:nvPr>
+        </p:nvSpPr>
+        <p:spPr/>
+        <p:txBody>
+          <a:bodyPr/>
+          <a:lstStyle/>
+          <a:p>
+            <a:r>
+              <a:rPr lang="en-US" dirty="0"/>
+              <a:t> </a:t>
+            </a:r>
+            <a:r>
+              <a:rPr lang="en-US" sz="1800" dirty="0">
+                <a:solidFill>
+                  <a:srgbClr val="000000"/>
+                </a:solidFill>
+                <a:effectLst/>
+                <a:latin typeface="BaskervilleBE"/>
+              </a:rPr>
+              <a:t>When the condition entry takes only two values</a:t>
+            </a:r>
+            <a:r>
+              <a:rPr lang="en-US" sz="1800" dirty="0">
+                <a:solidFill>
+                  <a:srgbClr val="000000"/>
+                </a:solidFill>
+                <a:effectLst/>
+                <a:latin typeface="Times New Roman" panose="02020603050405020304" pitchFamily="18" charset="0"/>
+              </a:rPr>
+              <a:t>—</a:t>
+            </a:r>
+            <a:r>
+              <a:rPr lang="en-US" sz="1800" dirty="0">
+                <a:solidFill>
+                  <a:srgbClr val="000000"/>
+                </a:solidFill>
+                <a:effectLst/>
+                <a:latin typeface="BaskervilleBE"/>
+              </a:rPr>
+              <a:t>TRUE or FALSE, </a:t>
+            </a:r>
+            <a:r>
+              <a:rPr lang="en-US" sz="1200" dirty="0">
+                <a:solidFill>
+                  <a:schemeClr val="tx1"/>
+                </a:solidFill>
+                <a:effectLst/>
+                <a:latin typeface="+mn-lt"/>
+              </a:rPr>
+              <a:t> </a:t>
+            </a:r>
+            <a:r>
+              <a:rPr lang="en-US" sz="1800" dirty="0">
+                <a:solidFill>
+                  <a:srgbClr val="000000"/>
+                </a:solidFill>
+                <a:effectLst/>
+                <a:latin typeface="BaskervilleBE"/>
+              </a:rPr>
+              <a:t>then it is called </a:t>
+            </a:r>
+            <a:r>
+              <a:rPr lang="en-US" sz="1800" i="1" dirty="0">
+                <a:solidFill>
+                  <a:srgbClr val="000000"/>
+                </a:solidFill>
+                <a:effectLst/>
+                <a:latin typeface="BaskervilleBE-Italic"/>
+              </a:rPr>
+              <a:t>Limited Entry Decision Table</a:t>
+            </a:r>
+            <a:r>
+              <a:rPr lang="en-US" sz="1800" dirty="0">
+                <a:solidFill>
+                  <a:srgbClr val="000000"/>
+                </a:solidFill>
+                <a:effectLst/>
+                <a:latin typeface="BaskervilleBE"/>
+              </a:rPr>
+              <a:t>. When the condition entry takes </a:t>
+            </a:r>
+            <a:r>
+              <a:rPr lang="en-US" sz="1200" dirty="0">
+                <a:solidFill>
+                  <a:schemeClr val="tx1"/>
+                </a:solidFill>
+                <a:effectLst/>
+                <a:latin typeface="+mn-lt"/>
+              </a:rPr>
+              <a:t> </a:t>
+            </a:r>
+            <a:r>
+              <a:rPr lang="en-US" sz="1800" dirty="0">
+                <a:solidFill>
+                  <a:srgbClr val="000000"/>
+                </a:solidFill>
+                <a:effectLst/>
+                <a:latin typeface="BaskervilleBE"/>
+              </a:rPr>
+              <a:t>several values, then it is called </a:t>
+            </a:r>
+            <a:r>
+              <a:rPr lang="en-US" sz="1800" i="1" dirty="0">
+                <a:solidFill>
+                  <a:srgbClr val="000000"/>
+                </a:solidFill>
+                <a:effectLst/>
+                <a:latin typeface="BaskervilleBE-Italic"/>
+              </a:rPr>
+              <a:t>Extended Entry Decision Table</a:t>
+            </a:r>
+            <a:r>
+              <a:rPr lang="en-US" sz="1800" dirty="0">
+                <a:solidFill>
+                  <a:srgbClr val="000000"/>
+                </a:solidFill>
+                <a:effectLst/>
+                <a:latin typeface="BaskervilleBE"/>
+              </a:rPr>
+              <a:t>. In limited entry </a:t>
+            </a:r>
+            <a:r>
+              <a:rPr lang="en-US" sz="1200" dirty="0">
+                <a:solidFill>
+                  <a:schemeClr val="tx1"/>
+                </a:solidFill>
+                <a:effectLst/>
+                <a:latin typeface="+mn-lt"/>
+              </a:rPr>
+              <a:t> </a:t>
+            </a:r>
+            <a:r>
+              <a:rPr lang="en-US" sz="1800" dirty="0">
+                <a:solidFill>
+                  <a:srgbClr val="000000"/>
+                </a:solidFill>
+                <a:effectLst/>
+                <a:latin typeface="BaskervilleBE"/>
+              </a:rPr>
+              <a:t>decision table, condition entry, which has no effect whether it is True or False, </a:t>
+            </a:r>
+            <a:r>
+              <a:rPr lang="en-US" sz="1200" dirty="0">
+                <a:solidFill>
+                  <a:schemeClr val="tx1"/>
+                </a:solidFill>
+                <a:effectLst/>
+                <a:latin typeface="+mn-lt"/>
+              </a:rPr>
+              <a:t> </a:t>
+            </a:r>
+            <a:r>
+              <a:rPr lang="en-US" sz="1800" dirty="0">
+                <a:solidFill>
+                  <a:srgbClr val="000000"/>
+                </a:solidFill>
+                <a:effectLst/>
+                <a:latin typeface="BaskervilleBE"/>
+              </a:rPr>
+              <a:t>is called a </a:t>
+            </a:r>
+            <a:r>
+              <a:rPr lang="en-US" sz="1800" i="1" dirty="0">
+                <a:solidFill>
+                  <a:srgbClr val="000000"/>
+                </a:solidFill>
+                <a:effectLst/>
+                <a:latin typeface="BaskervilleBE-Italic"/>
+              </a:rPr>
+              <a:t>Don’t-Care</a:t>
+            </a:r>
+            <a:r>
+              <a:rPr lang="en-US" sz="1800" dirty="0">
+                <a:solidFill>
+                  <a:srgbClr val="000000"/>
+                </a:solidFill>
+                <a:effectLst/>
+                <a:latin typeface="BaskervilleBE"/>
+              </a:rPr>
+              <a:t> state or </a:t>
+            </a:r>
+            <a:r>
+              <a:rPr lang="en-US" sz="1800" i="1" dirty="0">
+                <a:solidFill>
+                  <a:srgbClr val="000000"/>
+                </a:solidFill>
+                <a:effectLst/>
+                <a:latin typeface="BaskervilleBE-Italic"/>
+              </a:rPr>
+              <a:t>immaterial state</a:t>
+            </a:r>
+            <a:r>
+              <a:rPr lang="en-US" sz="1800" dirty="0">
+                <a:solidFill>
+                  <a:srgbClr val="000000"/>
+                </a:solidFill>
+                <a:effectLst/>
+                <a:latin typeface="BaskervilleBE"/>
+              </a:rPr>
+              <a:t> (represented by </a:t>
+            </a:r>
+            <a:r>
+              <a:rPr lang="en-US" sz="1800" i="1" dirty="0">
+                <a:solidFill>
+                  <a:srgbClr val="000000"/>
+                </a:solidFill>
+                <a:effectLst/>
+                <a:latin typeface="BaskervilleBE-Italic"/>
+              </a:rPr>
+              <a:t>I</a:t>
+            </a:r>
+            <a:r>
+              <a:rPr lang="en-US" sz="1800" dirty="0">
+                <a:solidFill>
+                  <a:srgbClr val="000000"/>
+                </a:solidFill>
+                <a:effectLst/>
+                <a:latin typeface="BaskervilleBE"/>
+              </a:rPr>
+              <a:t>). The state of a </a:t>
+            </a:r>
+            <a:r>
+              <a:rPr lang="en-US" sz="1200" dirty="0">
+                <a:solidFill>
+                  <a:schemeClr val="tx1"/>
+                </a:solidFill>
+                <a:effectLst/>
+                <a:latin typeface="+mn-lt"/>
+              </a:rPr>
+              <a:t> </a:t>
+            </a:r>
+            <a:r>
+              <a:rPr lang="en-US" sz="1800" dirty="0">
+                <a:solidFill>
+                  <a:srgbClr val="000000"/>
+                </a:solidFill>
+                <a:effectLst/>
+                <a:latin typeface="BaskervilleBE"/>
+              </a:rPr>
+              <a:t>don’t-care condition does not affect the resulting action. </a:t>
+            </a:r>
+            <a:endParaRPr lang="en-US" dirty="0"/>
+          </a:p>
+          <a:p>
+            <a:r>
+              <a:rPr lang="en-US" sz="1800" b="1" dirty="0">
+                <a:solidFill>
+                  <a:srgbClr val="000000"/>
+                </a:solidFill>
+                <a:effectLst/>
+                <a:latin typeface="Helvetica-Condensed-Bold"/>
+              </a:rPr>
+              <a:t>Action entry </a:t>
+            </a:r>
+            <a:r>
+              <a:rPr lang="en-US" sz="1800" dirty="0">
+                <a:solidFill>
+                  <a:srgbClr val="000000"/>
+                </a:solidFill>
+                <a:effectLst/>
+                <a:latin typeface="BaskervilleBE"/>
+              </a:rPr>
+              <a:t>It is the entry in the table for the resulting action to be performed </a:t>
+            </a:r>
+            <a:r>
+              <a:rPr lang="en-US" sz="1200" dirty="0">
+                <a:solidFill>
+                  <a:schemeClr val="tx1"/>
+                </a:solidFill>
+                <a:effectLst/>
+                <a:latin typeface="+mn-lt"/>
+              </a:rPr>
+              <a:t> </a:t>
+            </a:r>
+            <a:r>
+              <a:rPr lang="en-US" sz="1800" dirty="0">
+                <a:solidFill>
+                  <a:srgbClr val="000000"/>
+                </a:solidFill>
+                <a:effectLst/>
+                <a:latin typeface="BaskervilleBE"/>
+              </a:rPr>
+              <a:t>when one rule (which is a combination of input condition) is </a:t>
+            </a:r>
+            <a:r>
+              <a:rPr lang="en-US" sz="1800" dirty="0" err="1">
+                <a:solidFill>
+                  <a:srgbClr val="000000"/>
+                </a:solidFill>
+                <a:effectLst/>
+                <a:latin typeface="BaskervilleBE"/>
+              </a:rPr>
+              <a:t>satisfi</a:t>
+            </a:r>
+            <a:r>
+              <a:rPr lang="en-US" sz="1800" dirty="0">
+                <a:solidFill>
+                  <a:srgbClr val="000000"/>
+                </a:solidFill>
+                <a:effectLst/>
+                <a:latin typeface="BaskervilleBE"/>
+              </a:rPr>
+              <a:t> ed. ‘X’ </a:t>
+            </a:r>
+            <a:endParaRPr lang="en-US" dirty="0"/>
+          </a:p>
+          <a:p>
+            <a:r>
+              <a:rPr lang="en-US" sz="1800" dirty="0">
+                <a:solidFill>
+                  <a:srgbClr val="000000"/>
+                </a:solidFill>
+                <a:effectLst/>
+                <a:latin typeface="BaskervilleBE"/>
+              </a:rPr>
+              <a:t>denotes the action entry in the table. When the condition entry takes only two values</a:t>
+            </a:r>
+            <a:r>
+              <a:rPr lang="en-US" sz="1800" dirty="0">
+                <a:solidFill>
+                  <a:srgbClr val="000000"/>
+                </a:solidFill>
+                <a:effectLst/>
+                <a:latin typeface="Times New Roman" panose="02020603050405020304" pitchFamily="18" charset="0"/>
+              </a:rPr>
+              <a:t>—</a:t>
+            </a:r>
+            <a:r>
+              <a:rPr lang="en-US" sz="1800" dirty="0">
+                <a:solidFill>
+                  <a:srgbClr val="000000"/>
+                </a:solidFill>
+                <a:effectLst/>
+                <a:latin typeface="BaskervilleBE"/>
+              </a:rPr>
+              <a:t>TRUE or FALSE, </a:t>
+            </a:r>
+            <a:r>
+              <a:rPr lang="en-US" sz="1200" dirty="0">
+                <a:solidFill>
+                  <a:schemeClr val="tx1"/>
+                </a:solidFill>
+                <a:effectLst/>
+                <a:latin typeface="+mn-lt"/>
+              </a:rPr>
+              <a:t> </a:t>
+            </a:r>
+            <a:r>
+              <a:rPr lang="en-US" sz="1800" dirty="0">
+                <a:solidFill>
+                  <a:srgbClr val="000000"/>
+                </a:solidFill>
+                <a:effectLst/>
+                <a:latin typeface="BaskervilleBE"/>
+              </a:rPr>
+              <a:t>then it is called </a:t>
+            </a:r>
+            <a:r>
+              <a:rPr lang="en-US" sz="1800" i="1" dirty="0">
+                <a:solidFill>
+                  <a:srgbClr val="000000"/>
+                </a:solidFill>
+                <a:effectLst/>
+                <a:latin typeface="BaskervilleBE-Italic"/>
+              </a:rPr>
+              <a:t>Limited Entry Decision Table</a:t>
+            </a:r>
+            <a:r>
+              <a:rPr lang="en-US" sz="1800" dirty="0">
+                <a:solidFill>
+                  <a:srgbClr val="000000"/>
+                </a:solidFill>
+                <a:effectLst/>
+                <a:latin typeface="BaskervilleBE"/>
+              </a:rPr>
+              <a:t>. When the condition entry takes </a:t>
+            </a:r>
+            <a:r>
+              <a:rPr lang="en-US" sz="1200" dirty="0">
+                <a:solidFill>
+                  <a:schemeClr val="tx1"/>
+                </a:solidFill>
+                <a:effectLst/>
+                <a:latin typeface="+mn-lt"/>
+              </a:rPr>
+              <a:t> </a:t>
+            </a:r>
+            <a:r>
+              <a:rPr lang="en-US" sz="1800" dirty="0">
+                <a:solidFill>
+                  <a:srgbClr val="000000"/>
+                </a:solidFill>
+                <a:effectLst/>
+                <a:latin typeface="BaskervilleBE"/>
+              </a:rPr>
+              <a:t>several values, then it is called </a:t>
+            </a:r>
+            <a:r>
+              <a:rPr lang="en-US" sz="1800" i="1" dirty="0">
+                <a:solidFill>
+                  <a:srgbClr val="000000"/>
+                </a:solidFill>
+                <a:effectLst/>
+                <a:latin typeface="BaskervilleBE-Italic"/>
+              </a:rPr>
+              <a:t>Extended Entry Decision Table</a:t>
+            </a:r>
+            <a:r>
+              <a:rPr lang="en-US" sz="1800" dirty="0">
+                <a:solidFill>
+                  <a:srgbClr val="000000"/>
+                </a:solidFill>
+                <a:effectLst/>
+                <a:latin typeface="BaskervilleBE"/>
+              </a:rPr>
+              <a:t>. In limited entry </a:t>
+            </a:r>
+            <a:r>
+              <a:rPr lang="en-US" sz="1200" dirty="0">
+                <a:solidFill>
+                  <a:schemeClr val="tx1"/>
+                </a:solidFill>
+                <a:effectLst/>
+                <a:latin typeface="+mn-lt"/>
+              </a:rPr>
+              <a:t> </a:t>
+            </a:r>
+            <a:r>
+              <a:rPr lang="en-US" sz="1800" dirty="0">
+                <a:solidFill>
+                  <a:srgbClr val="000000"/>
+                </a:solidFill>
+                <a:effectLst/>
+                <a:latin typeface="BaskervilleBE"/>
+              </a:rPr>
+              <a:t>decision table, condition entry, which has no effect whether it is True or False, </a:t>
+            </a:r>
+            <a:r>
+              <a:rPr lang="en-US" sz="1200" dirty="0">
+                <a:solidFill>
+                  <a:schemeClr val="tx1"/>
+                </a:solidFill>
+                <a:effectLst/>
+                <a:latin typeface="+mn-lt"/>
+              </a:rPr>
+              <a:t> </a:t>
+            </a:r>
+            <a:r>
+              <a:rPr lang="en-US" sz="1800" dirty="0">
+                <a:solidFill>
+                  <a:srgbClr val="000000"/>
+                </a:solidFill>
+                <a:effectLst/>
+                <a:latin typeface="BaskervilleBE"/>
+              </a:rPr>
+              <a:t>is called a </a:t>
+            </a:r>
+            <a:r>
+              <a:rPr lang="en-US" sz="1800" i="1" dirty="0">
+                <a:solidFill>
+                  <a:srgbClr val="000000"/>
+                </a:solidFill>
+                <a:effectLst/>
+                <a:latin typeface="BaskervilleBE-Italic"/>
+              </a:rPr>
+              <a:t>Don’t-Care</a:t>
+            </a:r>
+            <a:r>
+              <a:rPr lang="en-US" sz="1800" dirty="0">
+                <a:solidFill>
+                  <a:srgbClr val="000000"/>
+                </a:solidFill>
+                <a:effectLst/>
+                <a:latin typeface="BaskervilleBE"/>
+              </a:rPr>
+              <a:t> state or </a:t>
+            </a:r>
+            <a:r>
+              <a:rPr lang="en-US" sz="1800" i="1" dirty="0">
+                <a:solidFill>
+                  <a:srgbClr val="000000"/>
+                </a:solidFill>
+                <a:effectLst/>
+                <a:latin typeface="BaskervilleBE-Italic"/>
+              </a:rPr>
+              <a:t>immaterial state</a:t>
+            </a:r>
+            <a:r>
+              <a:rPr lang="en-US" sz="1800" dirty="0">
+                <a:solidFill>
+                  <a:srgbClr val="000000"/>
+                </a:solidFill>
+                <a:effectLst/>
+                <a:latin typeface="BaskervilleBE"/>
+              </a:rPr>
+              <a:t> (represented by </a:t>
+            </a:r>
+            <a:r>
+              <a:rPr lang="en-US" sz="1800" i="1" dirty="0">
+                <a:solidFill>
+                  <a:srgbClr val="000000"/>
+                </a:solidFill>
+                <a:effectLst/>
+                <a:latin typeface="BaskervilleBE-Italic"/>
+              </a:rPr>
+              <a:t>I</a:t>
+            </a:r>
+            <a:r>
+              <a:rPr lang="en-US" sz="1800" dirty="0">
+                <a:solidFill>
+                  <a:srgbClr val="000000"/>
+                </a:solidFill>
+                <a:effectLst/>
+                <a:latin typeface="BaskervilleBE"/>
+              </a:rPr>
+              <a:t>). The state of a </a:t>
+            </a:r>
+            <a:r>
+              <a:rPr lang="en-US" sz="1200" dirty="0">
+                <a:solidFill>
+                  <a:schemeClr val="tx1"/>
+                </a:solidFill>
+                <a:effectLst/>
+                <a:latin typeface="+mn-lt"/>
+              </a:rPr>
+              <a:t> </a:t>
+            </a:r>
+            <a:r>
+              <a:rPr lang="en-US" sz="1800" dirty="0">
+                <a:solidFill>
+                  <a:srgbClr val="000000"/>
+                </a:solidFill>
+                <a:effectLst/>
+                <a:latin typeface="BaskervilleBE"/>
+              </a:rPr>
+              <a:t>don’t-care condition does not affect the resulting action. </a:t>
+            </a:r>
+            <a:endParaRPr lang="en-US" dirty="0"/>
+          </a:p>
+          <a:p>
+            <a:r>
+              <a:rPr lang="en-US" sz="1800" b="1" dirty="0">
+                <a:solidFill>
+                  <a:srgbClr val="000000"/>
+                </a:solidFill>
+                <a:effectLst/>
+                <a:latin typeface="Helvetica-Condensed-Bold"/>
+              </a:rPr>
+              <a:t>Action entry </a:t>
+            </a:r>
+            <a:r>
+              <a:rPr lang="en-US" sz="1800" dirty="0">
+                <a:solidFill>
+                  <a:srgbClr val="000000"/>
+                </a:solidFill>
+                <a:effectLst/>
+                <a:latin typeface="BaskervilleBE"/>
+              </a:rPr>
+              <a:t>It is the entry in the table for the resulting action to be performed </a:t>
+            </a:r>
+            <a:r>
+              <a:rPr lang="en-US" sz="1200" dirty="0">
+                <a:solidFill>
+                  <a:schemeClr val="tx1"/>
+                </a:solidFill>
+                <a:effectLst/>
+                <a:latin typeface="+mn-lt"/>
+              </a:rPr>
+              <a:t> </a:t>
+            </a:r>
+            <a:r>
+              <a:rPr lang="en-US" sz="1800" dirty="0">
+                <a:solidFill>
+                  <a:srgbClr val="000000"/>
+                </a:solidFill>
+                <a:effectLst/>
+                <a:latin typeface="BaskervilleBE"/>
+              </a:rPr>
+              <a:t>when one rule (which is a combination of input condition) is </a:t>
+            </a:r>
+            <a:r>
+              <a:rPr lang="en-US" sz="1800" dirty="0" err="1">
+                <a:solidFill>
+                  <a:srgbClr val="000000"/>
+                </a:solidFill>
+                <a:effectLst/>
+                <a:latin typeface="BaskervilleBE"/>
+              </a:rPr>
+              <a:t>satisfi</a:t>
+            </a:r>
+            <a:r>
+              <a:rPr lang="en-US" sz="1800" dirty="0">
+                <a:solidFill>
+                  <a:srgbClr val="000000"/>
+                </a:solidFill>
+                <a:effectLst/>
+                <a:latin typeface="BaskervilleBE"/>
+              </a:rPr>
+              <a:t> ed. ‘X’ </a:t>
+            </a:r>
+            <a:r>
+              <a:rPr lang="en-US" sz="1200" dirty="0">
+                <a:solidFill>
+                  <a:schemeClr val="tx1"/>
+                </a:solidFill>
+                <a:effectLst/>
+                <a:latin typeface="+mn-lt"/>
+              </a:rPr>
+              <a:t> </a:t>
+            </a:r>
+            <a:r>
+              <a:rPr lang="en-US" sz="1800" dirty="0">
+                <a:solidFill>
+                  <a:srgbClr val="000000"/>
+                </a:solidFill>
+                <a:effectLst/>
+                <a:latin typeface="BaskervilleBE"/>
+              </a:rPr>
+              <a:t>denotes the action entry in the table.</a:t>
+            </a:r>
+            <a:endParaRPr lang="en-US" dirty="0"/>
+          </a:p>
+        </p:txBody>
+      </p:sp>
+      <p:sp>
+        <p:nvSpPr>
+          <p:cNvPr id="4" name="Slide Number Placeholder 3"/>
+          <p:cNvSpPr>
+            <a:spLocks noGrp="1"/>
+          </p:cNvSpPr>
+          <p:nvPr>
+            <p:ph type="sldNum" sz="quarter" idx="5"/>
+          </p:nvPr>
+        </p:nvSpPr>
+        <p:spPr/>
+        <p:txBody>
+          <a:bodyPr/>
+          <a:lstStyle/>
+          <a:p>
+            <a:fld id="{9F9CBFC2-AA24-479E-BE28-4DAFA56C692E}" type="slidenum">
+              <a:rPr lang="en-US" smtClean="0"/>
+              <a:t>3</a:t>
+            </a:fld>
+            <a:endParaRPr lang="en-US"/>
+          </a:p>
+        </p:txBody>
+      </p:sp>
+    </p:spTree>
+    <p:extLst>
+      <p:ext uri="{BB962C8B-B14F-4D97-AF65-F5344CB8AC3E}">
+        <p14:creationId xmlns:p14="http://schemas.microsoft.com/office/powerpoint/2010/main" val="2822158086"/>
+      </p:ext>
+    </p:extLst>
+  </p:cSld>
+  <p:clrMapOvr>
+    <a:masterClrMapping/>
+  </p:clrMapOvr>
+</p:notes>
 </file>
 
 <file path=ppt/slideLayouts/slideLayout1.xml><?xml version="1.0" encoding="utf-8"?>
@@ -161,7 +1216,6 @@
               <a:rPr lang="en-US"/>
               <a:t>Click to edit Master title style</a:t>
             </a:r>
-            <a:endParaRPr lang="en-US"/>
           </a:p>
         </p:txBody>
       </p:sp>
@@ -226,7 +1280,6 @@
               <a:rPr lang="en-US"/>
               <a:t>Click to edit Master subtitle style</a:t>
             </a:r>
-            <a:endParaRPr lang="en-US"/>
           </a:p>
         </p:txBody>
       </p:sp>
@@ -247,6 +1300,7 @@
           <a:p>
             <a:fld id="{A031C2FA-D942-43B6-B47C-5E6BD0C357D5}" type="datetimeFigureOut">
               <a:rPr lang="en-US" smtClean="0"/>
+              <a:t>3/23/2024</a:t>
             </a:fld>
             <a:endParaRPr lang="en-US"/>
           </a:p>
@@ -288,6 +1342,7 @@
           <a:p>
             <a:fld id="{2A2D2A63-051C-40CA-B251-0B456D6FA9D3}" type="slidenum">
               <a:rPr lang="en-US" smtClean="0"/>
+              <a:t>‹#›</a:t>
             </a:fld>
             <a:endParaRPr lang="en-US"/>
           </a:p>
@@ -337,7 +1392,6 @@
               <a:rPr lang="en-US"/>
               <a:t>Click to edit Master title style</a:t>
             </a:r>
-            <a:endParaRPr lang="en-US"/>
           </a:p>
         </p:txBody>
       </p:sp>
@@ -361,7 +1415,6 @@
               <a:rPr lang="en-US"/>
               <a:t>Click to edit Master text styles</a:t>
             </a:r>
-            <a:endParaRPr lang="en-US"/>
           </a:p>
           <a:p>
             <a:pPr lvl="1"/>
@@ -369,7 +1422,6 @@
               <a:rPr lang="en-US"/>
               <a:t>Second level</a:t>
             </a:r>
-            <a:endParaRPr lang="en-US"/>
           </a:p>
           <a:p>
             <a:pPr lvl="2"/>
@@ -377,7 +1429,6 @@
               <a:rPr lang="en-US"/>
               <a:t>Third level</a:t>
             </a:r>
-            <a:endParaRPr lang="en-US"/>
           </a:p>
           <a:p>
             <a:pPr lvl="3"/>
@@ -385,7 +1436,6 @@
               <a:rPr lang="en-US"/>
               <a:t>Fourth level</a:t>
             </a:r>
-            <a:endParaRPr lang="en-US"/>
           </a:p>
           <a:p>
             <a:pPr lvl="4"/>
@@ -393,7 +1443,6 @@
               <a:rPr lang="en-US"/>
               <a:t>Fifth level</a:t>
             </a:r>
-            <a:endParaRPr lang="en-US"/>
           </a:p>
         </p:txBody>
       </p:sp>
@@ -414,6 +1463,7 @@
           <a:p>
             <a:fld id="{A031C2FA-D942-43B6-B47C-5E6BD0C357D5}" type="datetimeFigureOut">
               <a:rPr lang="en-US" smtClean="0"/>
+              <a:t>3/23/2024</a:t>
             </a:fld>
             <a:endParaRPr lang="en-US"/>
           </a:p>
@@ -455,6 +1505,7 @@
           <a:p>
             <a:fld id="{2A2D2A63-051C-40CA-B251-0B456D6FA9D3}" type="slidenum">
               <a:rPr lang="en-US" smtClean="0"/>
+              <a:t>‹#›</a:t>
             </a:fld>
             <a:endParaRPr lang="en-US"/>
           </a:p>
@@ -509,7 +1560,6 @@
               <a:rPr lang="en-US"/>
               <a:t>Click to edit Master title style</a:t>
             </a:r>
-            <a:endParaRPr lang="en-US"/>
           </a:p>
         </p:txBody>
       </p:sp>
@@ -538,7 +1588,6 @@
               <a:rPr lang="en-US"/>
               <a:t>Click to edit Master text styles</a:t>
             </a:r>
-            <a:endParaRPr lang="en-US"/>
           </a:p>
           <a:p>
             <a:pPr lvl="1"/>
@@ -546,7 +1595,6 @@
               <a:rPr lang="en-US"/>
               <a:t>Second level</a:t>
             </a:r>
-            <a:endParaRPr lang="en-US"/>
           </a:p>
           <a:p>
             <a:pPr lvl="2"/>
@@ -554,7 +1602,6 @@
               <a:rPr lang="en-US"/>
               <a:t>Third level</a:t>
             </a:r>
-            <a:endParaRPr lang="en-US"/>
           </a:p>
           <a:p>
             <a:pPr lvl="3"/>
@@ -562,7 +1609,6 @@
               <a:rPr lang="en-US"/>
               <a:t>Fourth level</a:t>
             </a:r>
-            <a:endParaRPr lang="en-US"/>
           </a:p>
           <a:p>
             <a:pPr lvl="4"/>
@@ -570,7 +1616,6 @@
               <a:rPr lang="en-US"/>
               <a:t>Fifth level</a:t>
             </a:r>
-            <a:endParaRPr lang="en-US"/>
           </a:p>
         </p:txBody>
       </p:sp>
@@ -591,6 +1636,7 @@
           <a:p>
             <a:fld id="{A031C2FA-D942-43B6-B47C-5E6BD0C357D5}" type="datetimeFigureOut">
               <a:rPr lang="en-US" smtClean="0"/>
+              <a:t>3/23/2024</a:t>
             </a:fld>
             <a:endParaRPr lang="en-US"/>
           </a:p>
@@ -632,6 +1678,7 @@
           <a:p>
             <a:fld id="{2A2D2A63-051C-40CA-B251-0B456D6FA9D3}" type="slidenum">
               <a:rPr lang="en-US" smtClean="0"/>
+              <a:t>‹#›</a:t>
             </a:fld>
             <a:endParaRPr lang="en-US"/>
           </a:p>
@@ -686,7 +1733,6 @@
               <a:rPr lang="en-US"/>
               <a:t>Click to edit Master title style</a:t>
             </a:r>
-            <a:endParaRPr lang="en-US"/>
           </a:p>
         </p:txBody>
       </p:sp>
@@ -805,7 +1851,6 @@
               <a:rPr lang="en-US"/>
               <a:t>Click to edit Master subtitle style</a:t>
             </a:r>
-            <a:endParaRPr lang="en-US"/>
           </a:p>
         </p:txBody>
       </p:sp>
@@ -829,6 +1874,7 @@
             </a:pPr>
             <a:fld id="{B42C9122-BF34-435C-A61B-D2201D289E11}" type="datetimeFigureOut">
               <a:rPr lang="en-US" smtClean="0"/>
+              <a:t>3/23/2024</a:t>
             </a:fld>
             <a:endParaRPr lang="en-US"/>
           </a:p>
@@ -876,6 +1922,7 @@
             </a:pPr>
             <a:fld id="{9A0DB2DC-4C9A-4742-B13C-FB6460FD3503}" type="slidenum">
               <a:rPr lang="en-US" dirty="0"/>
+              <a:t>‹#›</a:t>
             </a:fld>
             <a:endParaRPr lang="en-US" dirty="0">
               <a:latin typeface="Arial" panose="020B0604020202020204" pitchFamily="34" charset="0"/>
@@ -927,7 +1974,6 @@
               <a:rPr lang="en-US"/>
               <a:t>Click to edit Master title style</a:t>
             </a:r>
-            <a:endParaRPr lang="en-US"/>
           </a:p>
         </p:txBody>
       </p:sp>
@@ -951,7 +1997,6 @@
               <a:rPr lang="en-US"/>
               <a:t>Click to edit Master text styles</a:t>
             </a:r>
-            <a:endParaRPr lang="en-US"/>
           </a:p>
           <a:p>
             <a:pPr lvl="1"/>
@@ -959,7 +2004,6 @@
               <a:rPr lang="en-US"/>
               <a:t>Second level</a:t>
             </a:r>
-            <a:endParaRPr lang="en-US"/>
           </a:p>
           <a:p>
             <a:pPr lvl="2"/>
@@ -967,7 +2011,6 @@
               <a:rPr lang="en-US"/>
               <a:t>Third level</a:t>
             </a:r>
-            <a:endParaRPr lang="en-US"/>
           </a:p>
           <a:p>
             <a:pPr lvl="3"/>
@@ -975,7 +2018,6 @@
               <a:rPr lang="en-US"/>
               <a:t>Fourth level</a:t>
             </a:r>
-            <a:endParaRPr lang="en-US"/>
           </a:p>
           <a:p>
             <a:pPr lvl="4"/>
@@ -983,7 +2025,6 @@
               <a:rPr lang="en-US"/>
               <a:t>Fifth level</a:t>
             </a:r>
-            <a:endParaRPr lang="en-US"/>
           </a:p>
         </p:txBody>
       </p:sp>
@@ -1007,6 +2048,7 @@
             </a:pPr>
             <a:fld id="{B42C9122-BF34-435C-A61B-D2201D289E11}" type="datetimeFigureOut">
               <a:rPr lang="en-US" smtClean="0"/>
+              <a:t>3/23/2024</a:t>
             </a:fld>
             <a:endParaRPr lang="en-US"/>
           </a:p>
@@ -1054,6 +2096,7 @@
             </a:pPr>
             <a:fld id="{9A0DB2DC-4C9A-4742-B13C-FB6460FD3503}" type="slidenum">
               <a:rPr lang="en-US" dirty="0"/>
+              <a:t>‹#›</a:t>
             </a:fld>
             <a:endParaRPr lang="en-US" dirty="0">
               <a:latin typeface="Arial" panose="020B0604020202020204" pitchFamily="34" charset="0"/>
@@ -1114,7 +2157,6 @@
               <a:rPr lang="en-US"/>
               <a:t>Click to edit Master title style</a:t>
             </a:r>
-            <a:endParaRPr lang="en-US"/>
           </a:p>
         </p:txBody>
       </p:sp>
@@ -1234,7 +2276,6 @@
               <a:rPr lang="en-US"/>
               <a:t>Click to edit Master text styles</a:t>
             </a:r>
-            <a:endParaRPr lang="en-US"/>
           </a:p>
         </p:txBody>
       </p:sp>
@@ -1258,6 +2299,7 @@
             </a:pPr>
             <a:fld id="{B42C9122-BF34-435C-A61B-D2201D289E11}" type="datetimeFigureOut">
               <a:rPr lang="en-US" smtClean="0"/>
+              <a:t>3/23/2024</a:t>
             </a:fld>
             <a:endParaRPr lang="en-US"/>
           </a:p>
@@ -1305,6 +2347,7 @@
             </a:pPr>
             <a:fld id="{9A0DB2DC-4C9A-4742-B13C-FB6460FD3503}" type="slidenum">
               <a:rPr lang="en-US" dirty="0"/>
+              <a:t>‹#›</a:t>
             </a:fld>
             <a:endParaRPr lang="en-US" dirty="0">
               <a:latin typeface="Arial" panose="020B0604020202020204" pitchFamily="34" charset="0"/>
@@ -1356,7 +2399,6 @@
               <a:rPr lang="en-US"/>
               <a:t>Click to edit Master title style</a:t>
             </a:r>
-            <a:endParaRPr lang="en-US"/>
           </a:p>
         </p:txBody>
       </p:sp>
@@ -1413,7 +2455,6 @@
               <a:rPr lang="en-US"/>
               <a:t>Click to edit Master text styles</a:t>
             </a:r>
-            <a:endParaRPr lang="en-US"/>
           </a:p>
           <a:p>
             <a:pPr lvl="1"/>
@@ -1421,7 +2462,6 @@
               <a:rPr lang="en-US"/>
               <a:t>Second level</a:t>
             </a:r>
-            <a:endParaRPr lang="en-US"/>
           </a:p>
           <a:p>
             <a:pPr lvl="2"/>
@@ -1429,7 +2469,6 @@
               <a:rPr lang="en-US"/>
               <a:t>Third level</a:t>
             </a:r>
-            <a:endParaRPr lang="en-US"/>
           </a:p>
           <a:p>
             <a:pPr lvl="3"/>
@@ -1437,7 +2476,6 @@
               <a:rPr lang="en-US"/>
               <a:t>Fourth level</a:t>
             </a:r>
-            <a:endParaRPr lang="en-US"/>
           </a:p>
           <a:p>
             <a:pPr lvl="4"/>
@@ -1445,7 +2483,6 @@
               <a:rPr lang="en-US"/>
               <a:t>Fifth level</a:t>
             </a:r>
-            <a:endParaRPr lang="en-US"/>
           </a:p>
         </p:txBody>
       </p:sp>
@@ -1502,7 +2539,6 @@
               <a:rPr lang="en-US"/>
               <a:t>Click to edit Master text styles</a:t>
             </a:r>
-            <a:endParaRPr lang="en-US"/>
           </a:p>
           <a:p>
             <a:pPr lvl="1"/>
@@ -1510,7 +2546,6 @@
               <a:rPr lang="en-US"/>
               <a:t>Second level</a:t>
             </a:r>
-            <a:endParaRPr lang="en-US"/>
           </a:p>
           <a:p>
             <a:pPr lvl="2"/>
@@ -1518,7 +2553,6 @@
               <a:rPr lang="en-US"/>
               <a:t>Third level</a:t>
             </a:r>
-            <a:endParaRPr lang="en-US"/>
           </a:p>
           <a:p>
             <a:pPr lvl="3"/>
@@ -1526,7 +2560,6 @@
               <a:rPr lang="en-US"/>
               <a:t>Fourth level</a:t>
             </a:r>
-            <a:endParaRPr lang="en-US"/>
           </a:p>
           <a:p>
             <a:pPr lvl="4"/>
@@ -1534,7 +2567,6 @@
               <a:rPr lang="en-US"/>
               <a:t>Fifth level</a:t>
             </a:r>
-            <a:endParaRPr lang="en-US"/>
           </a:p>
         </p:txBody>
       </p:sp>
@@ -1558,6 +2590,7 @@
             </a:pPr>
             <a:fld id="{B42C9122-BF34-435C-A61B-D2201D289E11}" type="datetimeFigureOut">
               <a:rPr lang="en-US" smtClean="0"/>
+              <a:t>3/23/2024</a:t>
             </a:fld>
             <a:endParaRPr lang="en-US"/>
           </a:p>
@@ -1605,6 +2638,7 @@
             </a:pPr>
             <a:fld id="{9A0DB2DC-4C9A-4742-B13C-FB6460FD3503}" type="slidenum">
               <a:rPr lang="en-US" dirty="0"/>
+              <a:t>‹#›</a:t>
             </a:fld>
             <a:endParaRPr lang="en-US" dirty="0">
               <a:latin typeface="Arial" panose="020B0604020202020204" pitchFamily="34" charset="0"/>
@@ -1660,7 +2694,6 @@
               <a:rPr lang="en-US"/>
               <a:t>Click to edit Master title style</a:t>
             </a:r>
-            <a:endParaRPr lang="en-US"/>
           </a:p>
         </p:txBody>
       </p:sp>
@@ -1726,7 +2759,6 @@
               <a:rPr lang="en-US"/>
               <a:t>Click to edit Master text styles</a:t>
             </a:r>
-            <a:endParaRPr lang="en-US"/>
           </a:p>
         </p:txBody>
       </p:sp>
@@ -1783,7 +2815,6 @@
               <a:rPr lang="en-US"/>
               <a:t>Click to edit Master text styles</a:t>
             </a:r>
-            <a:endParaRPr lang="en-US"/>
           </a:p>
           <a:p>
             <a:pPr lvl="1"/>
@@ -1791,7 +2822,6 @@
               <a:rPr lang="en-US"/>
               <a:t>Second level</a:t>
             </a:r>
-            <a:endParaRPr lang="en-US"/>
           </a:p>
           <a:p>
             <a:pPr lvl="2"/>
@@ -1799,7 +2829,6 @@
               <a:rPr lang="en-US"/>
               <a:t>Third level</a:t>
             </a:r>
-            <a:endParaRPr lang="en-US"/>
           </a:p>
           <a:p>
             <a:pPr lvl="3"/>
@@ -1807,7 +2836,6 @@
               <a:rPr lang="en-US"/>
               <a:t>Fourth level</a:t>
             </a:r>
-            <a:endParaRPr lang="en-US"/>
           </a:p>
           <a:p>
             <a:pPr lvl="4"/>
@@ -1815,7 +2843,6 @@
               <a:rPr lang="en-US"/>
               <a:t>Fifth level</a:t>
             </a:r>
-            <a:endParaRPr lang="en-US"/>
           </a:p>
         </p:txBody>
       </p:sp>
@@ -1881,7 +2908,6 @@
               <a:rPr lang="en-US"/>
               <a:t>Click to edit Master text styles</a:t>
             </a:r>
-            <a:endParaRPr lang="en-US"/>
           </a:p>
         </p:txBody>
       </p:sp>
@@ -1938,7 +2964,6 @@
               <a:rPr lang="en-US"/>
               <a:t>Click to edit Master text styles</a:t>
             </a:r>
-            <a:endParaRPr lang="en-US"/>
           </a:p>
           <a:p>
             <a:pPr lvl="1"/>
@@ -1946,7 +2971,6 @@
               <a:rPr lang="en-US"/>
               <a:t>Second level</a:t>
             </a:r>
-            <a:endParaRPr lang="en-US"/>
           </a:p>
           <a:p>
             <a:pPr lvl="2"/>
@@ -1954,7 +2978,6 @@
               <a:rPr lang="en-US"/>
               <a:t>Third level</a:t>
             </a:r>
-            <a:endParaRPr lang="en-US"/>
           </a:p>
           <a:p>
             <a:pPr lvl="3"/>
@@ -1962,7 +2985,6 @@
               <a:rPr lang="en-US"/>
               <a:t>Fourth level</a:t>
             </a:r>
-            <a:endParaRPr lang="en-US"/>
           </a:p>
           <a:p>
             <a:pPr lvl="4"/>
@@ -1970,7 +2992,6 @@
               <a:rPr lang="en-US"/>
               <a:t>Fifth level</a:t>
             </a:r>
-            <a:endParaRPr lang="en-US"/>
           </a:p>
         </p:txBody>
       </p:sp>
@@ -1994,6 +3015,7 @@
             </a:pPr>
             <a:fld id="{B42C9122-BF34-435C-A61B-D2201D289E11}" type="datetimeFigureOut">
               <a:rPr lang="en-US" smtClean="0"/>
+              <a:t>3/23/2024</a:t>
             </a:fld>
             <a:endParaRPr lang="en-US"/>
           </a:p>
@@ -2041,6 +3063,7 @@
             </a:pPr>
             <a:fld id="{9A0DB2DC-4C9A-4742-B13C-FB6460FD3503}" type="slidenum">
               <a:rPr lang="en-US" dirty="0"/>
+              <a:t>‹#›</a:t>
             </a:fld>
             <a:endParaRPr lang="en-US" dirty="0">
               <a:latin typeface="Arial" panose="020B0604020202020204" pitchFamily="34" charset="0"/>
@@ -2092,7 +3115,6 @@
               <a:rPr lang="en-US"/>
               <a:t>Click to edit Master title style</a:t>
             </a:r>
-            <a:endParaRPr lang="en-US"/>
           </a:p>
         </p:txBody>
       </p:sp>
@@ -2116,6 +3138,7 @@
             </a:pPr>
             <a:fld id="{B42C9122-BF34-435C-A61B-D2201D289E11}" type="datetimeFigureOut">
               <a:rPr lang="en-US" smtClean="0"/>
+              <a:t>3/23/2024</a:t>
             </a:fld>
             <a:endParaRPr lang="en-US"/>
           </a:p>
@@ -2163,6 +3186,7 @@
             </a:pPr>
             <a:fld id="{9A0DB2DC-4C9A-4742-B13C-FB6460FD3503}" type="slidenum">
               <a:rPr lang="en-US" dirty="0"/>
+              <a:t>‹#›</a:t>
             </a:fld>
             <a:endParaRPr lang="en-US" dirty="0">
               <a:latin typeface="Arial" panose="020B0604020202020204" pitchFamily="34" charset="0"/>
@@ -2215,6 +3239,7 @@
             </a:pPr>
             <a:fld id="{B42C9122-BF34-435C-A61B-D2201D289E11}" type="datetimeFigureOut">
               <a:rPr lang="en-US" smtClean="0"/>
+              <a:t>3/23/2024</a:t>
             </a:fld>
             <a:endParaRPr lang="en-US"/>
           </a:p>
@@ -2262,6 +3287,7 @@
             </a:pPr>
             <a:fld id="{9A0DB2DC-4C9A-4742-B13C-FB6460FD3503}" type="slidenum">
               <a:rPr lang="en-US" dirty="0"/>
+              <a:t>‹#›</a:t>
             </a:fld>
             <a:endParaRPr lang="en-US" dirty="0">
               <a:latin typeface="Arial" panose="020B0604020202020204" pitchFamily="34" charset="0"/>
@@ -2322,7 +3348,6 @@
               <a:rPr lang="en-US"/>
               <a:t>Click to edit Master title style</a:t>
             </a:r>
-            <a:endParaRPr lang="en-US"/>
           </a:p>
         </p:txBody>
       </p:sp>
@@ -2379,7 +3404,6 @@
               <a:rPr lang="en-US"/>
               <a:t>Click to edit Master text styles</a:t>
             </a:r>
-            <a:endParaRPr lang="en-US"/>
           </a:p>
           <a:p>
             <a:pPr lvl="1"/>
@@ -2387,7 +3411,6 @@
               <a:rPr lang="en-US"/>
               <a:t>Second level</a:t>
             </a:r>
-            <a:endParaRPr lang="en-US"/>
           </a:p>
           <a:p>
             <a:pPr lvl="2"/>
@@ -2395,7 +3418,6 @@
               <a:rPr lang="en-US"/>
               <a:t>Third level</a:t>
             </a:r>
-            <a:endParaRPr lang="en-US"/>
           </a:p>
           <a:p>
             <a:pPr lvl="3"/>
@@ -2403,7 +3425,6 @@
               <a:rPr lang="en-US"/>
               <a:t>Fourth level</a:t>
             </a:r>
-            <a:endParaRPr lang="en-US"/>
           </a:p>
           <a:p>
             <a:pPr lvl="4"/>
@@ -2411,7 +3432,6 @@
               <a:rPr lang="en-US"/>
               <a:t>Fifth level</a:t>
             </a:r>
-            <a:endParaRPr lang="en-US"/>
           </a:p>
         </p:txBody>
       </p:sp>
@@ -2477,7 +3497,6 @@
               <a:rPr lang="en-US"/>
               <a:t>Click to edit Master text styles</a:t>
             </a:r>
-            <a:endParaRPr lang="en-US"/>
           </a:p>
         </p:txBody>
       </p:sp>
@@ -2501,6 +3520,7 @@
             </a:pPr>
             <a:fld id="{B42C9122-BF34-435C-A61B-D2201D289E11}" type="datetimeFigureOut">
               <a:rPr lang="en-US" smtClean="0"/>
+              <a:t>3/23/2024</a:t>
             </a:fld>
             <a:endParaRPr lang="en-US"/>
           </a:p>
@@ -2548,6 +3568,7 @@
             </a:pPr>
             <a:fld id="{9A0DB2DC-4C9A-4742-B13C-FB6460FD3503}" type="slidenum">
               <a:rPr lang="en-US" dirty="0"/>
+              <a:t>‹#›</a:t>
             </a:fld>
             <a:endParaRPr lang="en-US" dirty="0">
               <a:latin typeface="Arial" panose="020B0604020202020204" pitchFamily="34" charset="0"/>
@@ -2599,7 +3620,6 @@
               <a:rPr lang="en-US"/>
               <a:t>Click to edit Master title style</a:t>
             </a:r>
-            <a:endParaRPr lang="en-US"/>
           </a:p>
         </p:txBody>
       </p:sp>
@@ -2623,7 +3643,6 @@
               <a:rPr lang="en-US"/>
               <a:t>Click to edit Master text styles</a:t>
             </a:r>
-            <a:endParaRPr lang="en-US"/>
           </a:p>
           <a:p>
             <a:pPr lvl="1"/>
@@ -2631,7 +3650,6 @@
               <a:rPr lang="en-US"/>
               <a:t>Second level</a:t>
             </a:r>
-            <a:endParaRPr lang="en-US"/>
           </a:p>
           <a:p>
             <a:pPr lvl="2"/>
@@ -2639,7 +3657,6 @@
               <a:rPr lang="en-US"/>
               <a:t>Third level</a:t>
             </a:r>
-            <a:endParaRPr lang="en-US"/>
           </a:p>
           <a:p>
             <a:pPr lvl="3"/>
@@ -2647,7 +3664,6 @@
               <a:rPr lang="en-US"/>
               <a:t>Fourth level</a:t>
             </a:r>
-            <a:endParaRPr lang="en-US"/>
           </a:p>
           <a:p>
             <a:pPr lvl="4"/>
@@ -2655,7 +3671,6 @@
               <a:rPr lang="en-US"/>
               <a:t>Fifth level</a:t>
             </a:r>
-            <a:endParaRPr lang="en-US"/>
           </a:p>
         </p:txBody>
       </p:sp>
@@ -2676,6 +3691,7 @@
           <a:p>
             <a:fld id="{A031C2FA-D942-43B6-B47C-5E6BD0C357D5}" type="datetimeFigureOut">
               <a:rPr lang="en-US" smtClean="0"/>
+              <a:t>3/23/2024</a:t>
             </a:fld>
             <a:endParaRPr lang="en-US"/>
           </a:p>
@@ -2717,6 +3733,7 @@
           <a:p>
             <a:fld id="{2A2D2A63-051C-40CA-B251-0B456D6FA9D3}" type="slidenum">
               <a:rPr lang="en-US" smtClean="0"/>
+              <a:t>‹#›</a:t>
             </a:fld>
             <a:endParaRPr lang="en-US"/>
           </a:p>
@@ -2775,7 +3792,6 @@
               <a:rPr lang="en-US"/>
               <a:t>Click to edit Master title style</a:t>
             </a:r>
-            <a:endParaRPr lang="en-US"/>
           </a:p>
         </p:txBody>
       </p:sp>
@@ -2933,7 +3949,6 @@
               <a:rPr lang="en-US"/>
               <a:t>Click to edit Master text styles</a:t>
             </a:r>
-            <a:endParaRPr lang="en-US"/>
           </a:p>
         </p:txBody>
       </p:sp>
@@ -2957,6 +3972,7 @@
             </a:pPr>
             <a:fld id="{B42C9122-BF34-435C-A61B-D2201D289E11}" type="datetimeFigureOut">
               <a:rPr lang="en-US" smtClean="0"/>
+              <a:t>3/23/2024</a:t>
             </a:fld>
             <a:endParaRPr lang="en-US"/>
           </a:p>
@@ -3004,6 +4020,7 @@
             </a:pPr>
             <a:fld id="{9A0DB2DC-4C9A-4742-B13C-FB6460FD3503}" type="slidenum">
               <a:rPr lang="en-US" dirty="0"/>
+              <a:t>‹#›</a:t>
             </a:fld>
             <a:endParaRPr lang="en-US" dirty="0">
               <a:latin typeface="Arial" panose="020B0604020202020204" pitchFamily="34" charset="0"/>
@@ -3055,7 +4072,6 @@
               <a:rPr lang="en-US"/>
               <a:t>Click to edit Master title style</a:t>
             </a:r>
-            <a:endParaRPr lang="en-US"/>
           </a:p>
         </p:txBody>
       </p:sp>
@@ -3079,7 +4095,6 @@
               <a:rPr lang="en-US"/>
               <a:t>Click to edit Master text styles</a:t>
             </a:r>
-            <a:endParaRPr lang="en-US"/>
           </a:p>
           <a:p>
             <a:pPr lvl="1"/>
@@ -3087,7 +4102,6 @@
               <a:rPr lang="en-US"/>
               <a:t>Second level</a:t>
             </a:r>
-            <a:endParaRPr lang="en-US"/>
           </a:p>
           <a:p>
             <a:pPr lvl="2"/>
@@ -3095,7 +4109,6 @@
               <a:rPr lang="en-US"/>
               <a:t>Third level</a:t>
             </a:r>
-            <a:endParaRPr lang="en-US"/>
           </a:p>
           <a:p>
             <a:pPr lvl="3"/>
@@ -3103,7 +4116,6 @@
               <a:rPr lang="en-US"/>
               <a:t>Fourth level</a:t>
             </a:r>
-            <a:endParaRPr lang="en-US"/>
           </a:p>
           <a:p>
             <a:pPr lvl="4"/>
@@ -3111,7 +4123,6 @@
               <a:rPr lang="en-US"/>
               <a:t>Fifth level</a:t>
             </a:r>
-            <a:endParaRPr lang="en-US"/>
           </a:p>
         </p:txBody>
       </p:sp>
@@ -3135,6 +4146,7 @@
             </a:pPr>
             <a:fld id="{B42C9122-BF34-435C-A61B-D2201D289E11}" type="datetimeFigureOut">
               <a:rPr lang="en-US" smtClean="0"/>
+              <a:t>3/23/2024</a:t>
             </a:fld>
             <a:endParaRPr lang="en-US"/>
           </a:p>
@@ -3182,6 +4194,7 @@
             </a:pPr>
             <a:fld id="{9A0DB2DC-4C9A-4742-B13C-FB6460FD3503}" type="slidenum">
               <a:rPr lang="en-US" dirty="0"/>
+              <a:t>‹#›</a:t>
             </a:fld>
             <a:endParaRPr lang="en-US" dirty="0">
               <a:latin typeface="Arial" panose="020B0604020202020204" pitchFamily="34" charset="0"/>
@@ -3238,7 +4251,6 @@
               <a:rPr lang="en-US"/>
               <a:t>Click to edit Master title style</a:t>
             </a:r>
-            <a:endParaRPr lang="en-US"/>
           </a:p>
         </p:txBody>
       </p:sp>
@@ -3267,7 +4279,6 @@
               <a:rPr lang="en-US"/>
               <a:t>Click to edit Master text styles</a:t>
             </a:r>
-            <a:endParaRPr lang="en-US"/>
           </a:p>
           <a:p>
             <a:pPr lvl="1"/>
@@ -3275,7 +4286,6 @@
               <a:rPr lang="en-US"/>
               <a:t>Second level</a:t>
             </a:r>
-            <a:endParaRPr lang="en-US"/>
           </a:p>
           <a:p>
             <a:pPr lvl="2"/>
@@ -3283,7 +4293,6 @@
               <a:rPr lang="en-US"/>
               <a:t>Third level</a:t>
             </a:r>
-            <a:endParaRPr lang="en-US"/>
           </a:p>
           <a:p>
             <a:pPr lvl="3"/>
@@ -3291,7 +4300,6 @@
               <a:rPr lang="en-US"/>
               <a:t>Fourth level</a:t>
             </a:r>
-            <a:endParaRPr lang="en-US"/>
           </a:p>
           <a:p>
             <a:pPr lvl="4"/>
@@ -3299,7 +4307,6 @@
               <a:rPr lang="en-US"/>
               <a:t>Fifth level</a:t>
             </a:r>
-            <a:endParaRPr lang="en-US"/>
           </a:p>
         </p:txBody>
       </p:sp>
@@ -3323,6 +4330,7 @@
             </a:pPr>
             <a:fld id="{B42C9122-BF34-435C-A61B-D2201D289E11}" type="datetimeFigureOut">
               <a:rPr lang="en-US" smtClean="0"/>
+              <a:t>3/23/2024</a:t>
             </a:fld>
             <a:endParaRPr lang="en-US"/>
           </a:p>
@@ -3370,6 +4378,7 @@
             </a:pPr>
             <a:fld id="{9A0DB2DC-4C9A-4742-B13C-FB6460FD3503}" type="slidenum">
               <a:rPr lang="en-US" dirty="0"/>
+              <a:t>‹#›</a:t>
             </a:fld>
             <a:endParaRPr lang="en-US" dirty="0">
               <a:latin typeface="Arial" panose="020B0604020202020204" pitchFamily="34" charset="0"/>
@@ -3426,7 +4435,6 @@
               <a:rPr lang="en-US"/>
               <a:t>Click to edit Master title style</a:t>
             </a:r>
-            <a:endParaRPr lang="en-US"/>
           </a:p>
         </p:txBody>
       </p:sp>
@@ -3505,6 +4513,7 @@
             </a:pPr>
             <a:fld id="{7C4DD920-A025-458A-B9E0-08028F96DEC1}" type="datetime1">
               <a:rPr lang="en-US" sz="900" smtClean="0"/>
+              <a:t>3/23/2024</a:t>
             </a:fld>
             <a:endParaRPr lang="en-US" sz="900"/>
           </a:p>
@@ -3532,7 +4541,6 @@
               <a:rPr lang="en-US" sz="900"/>
               <a:t>Black Box Testing</a:t>
             </a:r>
-            <a:endParaRPr lang="en-US" sz="900"/>
           </a:p>
         </p:txBody>
       </p:sp>
@@ -3574,6 +4582,7 @@
                 </a:solidFill>
                 <a:latin typeface="+mn-lt"/>
               </a:rPr>
+              <a:t>‹#›</a:t>
             </a:fld>
             <a:endParaRPr lang="en-US" altLang="en-US" sz="900">
               <a:solidFill>
@@ -3639,7 +4648,6 @@
               <a:rPr lang="en-US"/>
               <a:t>Click to edit Master title style</a:t>
             </a:r>
-            <a:endParaRPr lang="en-US"/>
           </a:p>
         </p:txBody>
       </p:sp>
@@ -3759,7 +4767,6 @@
               <a:rPr lang="en-US"/>
               <a:t>Click to edit Master text styles</a:t>
             </a:r>
-            <a:endParaRPr lang="en-US"/>
           </a:p>
         </p:txBody>
       </p:sp>
@@ -3780,6 +4787,7 @@
           <a:p>
             <a:fld id="{A031C2FA-D942-43B6-B47C-5E6BD0C357D5}" type="datetimeFigureOut">
               <a:rPr lang="en-US" smtClean="0"/>
+              <a:t>3/23/2024</a:t>
             </a:fld>
             <a:endParaRPr lang="en-US"/>
           </a:p>
@@ -3821,6 +4829,7 @@
           <a:p>
             <a:fld id="{2A2D2A63-051C-40CA-B251-0B456D6FA9D3}" type="slidenum">
               <a:rPr lang="en-US" smtClean="0"/>
+              <a:t>‹#›</a:t>
             </a:fld>
             <a:endParaRPr lang="en-US"/>
           </a:p>
@@ -3870,7 +4879,6 @@
               <a:rPr lang="en-US"/>
               <a:t>Click to edit Master title style</a:t>
             </a:r>
-            <a:endParaRPr lang="en-US"/>
           </a:p>
         </p:txBody>
       </p:sp>
@@ -3899,7 +4907,6 @@
               <a:rPr lang="en-US"/>
               <a:t>Click to edit Master text styles</a:t>
             </a:r>
-            <a:endParaRPr lang="en-US"/>
           </a:p>
           <a:p>
             <a:pPr lvl="1"/>
@@ -3907,7 +4914,6 @@
               <a:rPr lang="en-US"/>
               <a:t>Second level</a:t>
             </a:r>
-            <a:endParaRPr lang="en-US"/>
           </a:p>
           <a:p>
             <a:pPr lvl="2"/>
@@ -3915,7 +4921,6 @@
               <a:rPr lang="en-US"/>
               <a:t>Third level</a:t>
             </a:r>
-            <a:endParaRPr lang="en-US"/>
           </a:p>
           <a:p>
             <a:pPr lvl="3"/>
@@ -3923,7 +4928,6 @@
               <a:rPr lang="en-US"/>
               <a:t>Fourth level</a:t>
             </a:r>
-            <a:endParaRPr lang="en-US"/>
           </a:p>
           <a:p>
             <a:pPr lvl="4"/>
@@ -3931,7 +4935,6 @@
               <a:rPr lang="en-US"/>
               <a:t>Fifth level</a:t>
             </a:r>
-            <a:endParaRPr lang="en-US"/>
           </a:p>
         </p:txBody>
       </p:sp>
@@ -3960,7 +4963,6 @@
               <a:rPr lang="en-US"/>
               <a:t>Click to edit Master text styles</a:t>
             </a:r>
-            <a:endParaRPr lang="en-US"/>
           </a:p>
           <a:p>
             <a:pPr lvl="1"/>
@@ -3968,7 +4970,6 @@
               <a:rPr lang="en-US"/>
               <a:t>Second level</a:t>
             </a:r>
-            <a:endParaRPr lang="en-US"/>
           </a:p>
           <a:p>
             <a:pPr lvl="2"/>
@@ -3976,7 +4977,6 @@
               <a:rPr lang="en-US"/>
               <a:t>Third level</a:t>
             </a:r>
-            <a:endParaRPr lang="en-US"/>
           </a:p>
           <a:p>
             <a:pPr lvl="3"/>
@@ -3984,7 +4984,6 @@
               <a:rPr lang="en-US"/>
               <a:t>Fourth level</a:t>
             </a:r>
-            <a:endParaRPr lang="en-US"/>
           </a:p>
           <a:p>
             <a:pPr lvl="4"/>
@@ -3992,7 +4991,6 @@
               <a:rPr lang="en-US"/>
               <a:t>Fifth level</a:t>
             </a:r>
-            <a:endParaRPr lang="en-US"/>
           </a:p>
         </p:txBody>
       </p:sp>
@@ -4013,6 +5011,7 @@
           <a:p>
             <a:fld id="{A031C2FA-D942-43B6-B47C-5E6BD0C357D5}" type="datetimeFigureOut">
               <a:rPr lang="en-US" smtClean="0"/>
+              <a:t>3/23/2024</a:t>
             </a:fld>
             <a:endParaRPr lang="en-US"/>
           </a:p>
@@ -4054,6 +5053,7 @@
           <a:p>
             <a:fld id="{2A2D2A63-051C-40CA-B251-0B456D6FA9D3}" type="slidenum">
               <a:rPr lang="en-US" smtClean="0"/>
+              <a:t>‹#›</a:t>
             </a:fld>
             <a:endParaRPr lang="en-US"/>
           </a:p>
@@ -4108,7 +5108,6 @@
               <a:rPr lang="en-US"/>
               <a:t>Click to edit Master title style</a:t>
             </a:r>
-            <a:endParaRPr lang="en-US"/>
           </a:p>
         </p:txBody>
       </p:sp>
@@ -4174,7 +5173,6 @@
               <a:rPr lang="en-US"/>
               <a:t>Click to edit Master text styles</a:t>
             </a:r>
-            <a:endParaRPr lang="en-US"/>
           </a:p>
         </p:txBody>
       </p:sp>
@@ -4203,7 +5201,6 @@
               <a:rPr lang="en-US"/>
               <a:t>Click to edit Master text styles</a:t>
             </a:r>
-            <a:endParaRPr lang="en-US"/>
           </a:p>
           <a:p>
             <a:pPr lvl="1"/>
@@ -4211,7 +5208,6 @@
               <a:rPr lang="en-US"/>
               <a:t>Second level</a:t>
             </a:r>
-            <a:endParaRPr lang="en-US"/>
           </a:p>
           <a:p>
             <a:pPr lvl="2"/>
@@ -4219,7 +5215,6 @@
               <a:rPr lang="en-US"/>
               <a:t>Third level</a:t>
             </a:r>
-            <a:endParaRPr lang="en-US"/>
           </a:p>
           <a:p>
             <a:pPr lvl="3"/>
@@ -4227,7 +5222,6 @@
               <a:rPr lang="en-US"/>
               <a:t>Fourth level</a:t>
             </a:r>
-            <a:endParaRPr lang="en-US"/>
           </a:p>
           <a:p>
             <a:pPr lvl="4"/>
@@ -4235,7 +5229,6 @@
               <a:rPr lang="en-US"/>
               <a:t>Fifth level</a:t>
             </a:r>
-            <a:endParaRPr lang="en-US"/>
           </a:p>
         </p:txBody>
       </p:sp>
@@ -4301,7 +5294,6 @@
               <a:rPr lang="en-US"/>
               <a:t>Click to edit Master text styles</a:t>
             </a:r>
-            <a:endParaRPr lang="en-US"/>
           </a:p>
         </p:txBody>
       </p:sp>
@@ -4330,7 +5322,6 @@
               <a:rPr lang="en-US"/>
               <a:t>Click to edit Master text styles</a:t>
             </a:r>
-            <a:endParaRPr lang="en-US"/>
           </a:p>
           <a:p>
             <a:pPr lvl="1"/>
@@ -4338,7 +5329,6 @@
               <a:rPr lang="en-US"/>
               <a:t>Second level</a:t>
             </a:r>
-            <a:endParaRPr lang="en-US"/>
           </a:p>
           <a:p>
             <a:pPr lvl="2"/>
@@ -4346,7 +5336,6 @@
               <a:rPr lang="en-US"/>
               <a:t>Third level</a:t>
             </a:r>
-            <a:endParaRPr lang="en-US"/>
           </a:p>
           <a:p>
             <a:pPr lvl="3"/>
@@ -4354,7 +5343,6 @@
               <a:rPr lang="en-US"/>
               <a:t>Fourth level</a:t>
             </a:r>
-            <a:endParaRPr lang="en-US"/>
           </a:p>
           <a:p>
             <a:pPr lvl="4"/>
@@ -4362,7 +5350,6 @@
               <a:rPr lang="en-US"/>
               <a:t>Fifth level</a:t>
             </a:r>
-            <a:endParaRPr lang="en-US"/>
           </a:p>
         </p:txBody>
       </p:sp>
@@ -4383,6 +5370,7 @@
           <a:p>
             <a:fld id="{A031C2FA-D942-43B6-B47C-5E6BD0C357D5}" type="datetimeFigureOut">
               <a:rPr lang="en-US" smtClean="0"/>
+              <a:t>3/23/2024</a:t>
             </a:fld>
             <a:endParaRPr lang="en-US"/>
           </a:p>
@@ -4424,6 +5412,7 @@
           <a:p>
             <a:fld id="{2A2D2A63-051C-40CA-B251-0B456D6FA9D3}" type="slidenum">
               <a:rPr lang="en-US" smtClean="0"/>
+              <a:t>‹#›</a:t>
             </a:fld>
             <a:endParaRPr lang="en-US"/>
           </a:p>
@@ -4473,7 +5462,6 @@
               <a:rPr lang="en-US"/>
               <a:t>Click to edit Master title style</a:t>
             </a:r>
-            <a:endParaRPr lang="en-US"/>
           </a:p>
         </p:txBody>
       </p:sp>
@@ -4494,6 +5482,7 @@
           <a:p>
             <a:fld id="{A031C2FA-D942-43B6-B47C-5E6BD0C357D5}" type="datetimeFigureOut">
               <a:rPr lang="en-US" smtClean="0"/>
+              <a:t>3/23/2024</a:t>
             </a:fld>
             <a:endParaRPr lang="en-US"/>
           </a:p>
@@ -4535,6 +5524,7 @@
           <a:p>
             <a:fld id="{2A2D2A63-051C-40CA-B251-0B456D6FA9D3}" type="slidenum">
               <a:rPr lang="en-US" smtClean="0"/>
+              <a:t>‹#›</a:t>
             </a:fld>
             <a:endParaRPr lang="en-US"/>
           </a:p>
@@ -4582,6 +5572,7 @@
           <a:p>
             <a:fld id="{A031C2FA-D942-43B6-B47C-5E6BD0C357D5}" type="datetimeFigureOut">
               <a:rPr lang="en-US" smtClean="0"/>
+              <a:t>3/23/2024</a:t>
             </a:fld>
             <a:endParaRPr lang="en-US"/>
           </a:p>
@@ -4623,6 +5614,7 @@
           <a:p>
             <a:fld id="{2A2D2A63-051C-40CA-B251-0B456D6FA9D3}" type="slidenum">
               <a:rPr lang="en-US" smtClean="0"/>
+              <a:t>‹#›</a:t>
             </a:fld>
             <a:endParaRPr lang="en-US"/>
           </a:p>
@@ -4681,7 +5673,6 @@
               <a:rPr lang="en-US"/>
               <a:t>Click to edit Master title style</a:t>
             </a:r>
-            <a:endParaRPr lang="en-US"/>
           </a:p>
         </p:txBody>
       </p:sp>
@@ -4738,7 +5729,6 @@
               <a:rPr lang="en-US"/>
               <a:t>Click to edit Master text styles</a:t>
             </a:r>
-            <a:endParaRPr lang="en-US"/>
           </a:p>
           <a:p>
             <a:pPr lvl="1"/>
@@ -4746,7 +5736,6 @@
               <a:rPr lang="en-US"/>
               <a:t>Second level</a:t>
             </a:r>
-            <a:endParaRPr lang="en-US"/>
           </a:p>
           <a:p>
             <a:pPr lvl="2"/>
@@ -4754,7 +5743,6 @@
               <a:rPr lang="en-US"/>
               <a:t>Third level</a:t>
             </a:r>
-            <a:endParaRPr lang="en-US"/>
           </a:p>
           <a:p>
             <a:pPr lvl="3"/>
@@ -4762,7 +5750,6 @@
               <a:rPr lang="en-US"/>
               <a:t>Fourth level</a:t>
             </a:r>
-            <a:endParaRPr lang="en-US"/>
           </a:p>
           <a:p>
             <a:pPr lvl="4"/>
@@ -4770,7 +5757,6 @@
               <a:rPr lang="en-US"/>
               <a:t>Fifth level</a:t>
             </a:r>
-            <a:endParaRPr lang="en-US"/>
           </a:p>
         </p:txBody>
       </p:sp>
@@ -4836,7 +5822,6 @@
               <a:rPr lang="en-US"/>
               <a:t>Click to edit Master text styles</a:t>
             </a:r>
-            <a:endParaRPr lang="en-US"/>
           </a:p>
         </p:txBody>
       </p:sp>
@@ -4857,6 +5842,7 @@
           <a:p>
             <a:fld id="{A031C2FA-D942-43B6-B47C-5E6BD0C357D5}" type="datetimeFigureOut">
               <a:rPr lang="en-US" smtClean="0"/>
+              <a:t>3/23/2024</a:t>
             </a:fld>
             <a:endParaRPr lang="en-US"/>
           </a:p>
@@ -4898,6 +5884,7 @@
           <a:p>
             <a:fld id="{2A2D2A63-051C-40CA-B251-0B456D6FA9D3}" type="slidenum">
               <a:rPr lang="en-US" smtClean="0"/>
+              <a:t>‹#›</a:t>
             </a:fld>
             <a:endParaRPr lang="en-US"/>
           </a:p>
@@ -4956,7 +5943,6 @@
               <a:rPr lang="en-US"/>
               <a:t>Click to edit Master title style</a:t>
             </a:r>
-            <a:endParaRPr lang="en-US"/>
           </a:p>
         </p:txBody>
       </p:sp>
@@ -5083,7 +6069,6 @@
               <a:rPr lang="en-US"/>
               <a:t>Click to edit Master text styles</a:t>
             </a:r>
-            <a:endParaRPr lang="en-US"/>
           </a:p>
         </p:txBody>
       </p:sp>
@@ -5104,6 +6089,7 @@
           <a:p>
             <a:fld id="{A031C2FA-D942-43B6-B47C-5E6BD0C357D5}" type="datetimeFigureOut">
               <a:rPr lang="en-US" smtClean="0"/>
+              <a:t>3/23/2024</a:t>
             </a:fld>
             <a:endParaRPr lang="en-US"/>
           </a:p>
@@ -5145,6 +6131,7 @@
           <a:p>
             <a:fld id="{2A2D2A63-051C-40CA-B251-0B456D6FA9D3}" type="slidenum">
               <a:rPr lang="en-US" smtClean="0"/>
+              <a:t>‹#›</a:t>
             </a:fld>
             <a:endParaRPr lang="en-US"/>
           </a:p>
@@ -5209,7 +6196,6 @@
               <a:rPr lang="en-US"/>
               <a:t>Click to edit Master title style</a:t>
             </a:r>
-            <a:endParaRPr lang="en-US"/>
           </a:p>
         </p:txBody>
       </p:sp>
@@ -5243,7 +6229,6 @@
               <a:rPr lang="en-US"/>
               <a:t>Click to edit Master text styles</a:t>
             </a:r>
-            <a:endParaRPr lang="en-US"/>
           </a:p>
           <a:p>
             <a:pPr lvl="1"/>
@@ -5251,7 +6236,6 @@
               <a:rPr lang="en-US"/>
               <a:t>Second level</a:t>
             </a:r>
-            <a:endParaRPr lang="en-US"/>
           </a:p>
           <a:p>
             <a:pPr lvl="2"/>
@@ -5259,7 +6243,6 @@
               <a:rPr lang="en-US"/>
               <a:t>Third level</a:t>
             </a:r>
-            <a:endParaRPr lang="en-US"/>
           </a:p>
           <a:p>
             <a:pPr lvl="3"/>
@@ -5267,7 +6250,6 @@
               <a:rPr lang="en-US"/>
               <a:t>Fourth level</a:t>
             </a:r>
-            <a:endParaRPr lang="en-US"/>
           </a:p>
           <a:p>
             <a:pPr lvl="4"/>
@@ -5275,7 +6257,6 @@
               <a:rPr lang="en-US"/>
               <a:t>Fifth level</a:t>
             </a:r>
-            <a:endParaRPr lang="en-US"/>
           </a:p>
         </p:txBody>
       </p:sp>
@@ -5314,6 +6295,7 @@
           <a:p>
             <a:fld id="{A031C2FA-D942-43B6-B47C-5E6BD0C357D5}" type="datetimeFigureOut">
               <a:rPr lang="en-US" smtClean="0"/>
+              <a:t>3/23/2024</a:t>
             </a:fld>
             <a:endParaRPr lang="en-US"/>
           </a:p>
@@ -5391,6 +6373,7 @@
           <a:p>
             <a:fld id="{2A2D2A63-051C-40CA-B251-0B456D6FA9D3}" type="slidenum">
               <a:rPr lang="en-US" smtClean="0"/>
+              <a:t>‹#›</a:t>
             </a:fld>
             <a:endParaRPr lang="en-US"/>
           </a:p>
@@ -5749,7 +6732,6 @@
               <a:rPr dirty="0"/>
               <a:t>Click to edit Master title style</a:t>
             </a:r>
-            <a:endParaRPr dirty="0"/>
           </a:p>
         </p:txBody>
       </p:sp>
@@ -5785,7 +6767,6 @@
               <a:rPr dirty="0"/>
               <a:t>Click to edit Master text styles</a:t>
             </a:r>
-            <a:endParaRPr dirty="0"/>
           </a:p>
           <a:p>
             <a:pPr lvl="1"/>
@@ -5793,7 +6774,6 @@
               <a:rPr dirty="0"/>
               <a:t>Second level</a:t>
             </a:r>
-            <a:endParaRPr dirty="0"/>
           </a:p>
           <a:p>
             <a:pPr lvl="2"/>
@@ -5801,7 +6781,6 @@
               <a:rPr dirty="0"/>
               <a:t>Third level</a:t>
             </a:r>
-            <a:endParaRPr dirty="0"/>
           </a:p>
           <a:p>
             <a:pPr lvl="3"/>
@@ -5809,7 +6788,6 @@
               <a:rPr dirty="0"/>
               <a:t>Fourth level</a:t>
             </a:r>
-            <a:endParaRPr dirty="0"/>
           </a:p>
           <a:p>
             <a:pPr lvl="4"/>
@@ -5817,7 +6795,6 @@
               <a:rPr dirty="0"/>
               <a:t>Fifth level</a:t>
             </a:r>
-            <a:endParaRPr dirty="0"/>
           </a:p>
         </p:txBody>
       </p:sp>
@@ -5867,6 +6844,7 @@
             </a:pPr>
             <a:fld id="{B42C9122-BF34-435C-A61B-D2201D289E11}" type="datetimeFigureOut">
               <a:rPr lang="en-US" smtClean="0"/>
+              <a:t>3/23/2024</a:t>
             </a:fld>
             <a:endParaRPr lang="en-US"/>
           </a:p>
@@ -5957,6 +6935,7 @@
             </a:pPr>
             <a:fld id="{9A0DB2DC-4C9A-4742-B13C-FB6460FD3503}" type="slidenum">
               <a:rPr lang="en-US" dirty="0"/>
+              <a:t>‹#›</a:t>
             </a:fld>
             <a:endParaRPr lang="en-US" dirty="0">
               <a:latin typeface="Arial" panose="020B0604020202020204" pitchFamily="34" charset="0"/>
@@ -6397,17 +7376,16 @@
           <a:lstStyle/>
           <a:p>
             <a:r>
-              <a:rPr lang="en-US" dirty="0"/>
+              <a:rPr lang="en-US" b="1" dirty="0"/>
               <a:t>Black Box Testing</a:t>
             </a:r>
             <a:br>
-              <a:rPr lang="en-US" dirty="0"/>
+              <a:rPr lang="en-US" b="1" dirty="0"/>
             </a:br>
             <a:r>
-              <a:rPr lang="en-US" dirty="0"/>
+              <a:rPr lang="en-US" b="1" dirty="0"/>
               <a:t>Decision Table Testing</a:t>
             </a:r>
-            <a:endParaRPr lang="en-US" dirty="0"/>
           </a:p>
         </p:txBody>
       </p:sp>
@@ -6430,11 +7408,336 @@
               <a:rPr lang="en-US" dirty="0"/>
               <a:t>Prepared by Chala Urgessa</a:t>
             </a:r>
-            <a:endParaRPr lang="en-US" dirty="0"/>
           </a:p>
         </p:txBody>
       </p:sp>
     </p:spTree>
+  </p:cSld>
+  <p:clrMapOvr>
+    <a:masterClrMapping/>
+  </p:clrMapOvr>
+</p:sld>
+</file>
+
+<file path=ppt/slides/slide10.xml><?xml version="1.0" encoding="utf-8"?>
+<p:sld xmlns:a="http://schemas.openxmlformats.org/drawingml/2006/main" xmlns:r="http://schemas.openxmlformats.org/officeDocument/2006/relationships" xmlns:p="http://schemas.openxmlformats.org/presentationml/2006/main">
+  <p:cSld>
+    <p:spTree>
+      <p:nvGrpSpPr>
+        <p:cNvPr id="1" name=""/>
+        <p:cNvGrpSpPr/>
+        <p:nvPr/>
+      </p:nvGrpSpPr>
+      <p:grpSpPr>
+        <a:xfrm>
+          <a:off x="0" y="0"/>
+          <a:ext cx="0" cy="0"/>
+          <a:chOff x="0" y="0"/>
+          <a:chExt cx="0" cy="0"/>
+        </a:xfrm>
+      </p:grpSpPr>
+      <p:sp>
+        <p:nvSpPr>
+          <p:cNvPr id="2" name="Title 1">
+            <a:extLst>
+              <a:ext uri="{FF2B5EF4-FFF2-40B4-BE49-F238E27FC236}">
+                <a16:creationId xmlns:a16="http://schemas.microsoft.com/office/drawing/2014/main" id="{87E9CAC1-ACD0-84CA-83BD-93349CA20C5E}"/>
+              </a:ext>
+            </a:extLst>
+          </p:cNvPr>
+          <p:cNvSpPr>
+            <a:spLocks noGrp="1"/>
+          </p:cNvSpPr>
+          <p:nvPr>
+            <p:ph type="title"/>
+          </p:nvPr>
+        </p:nvSpPr>
+        <p:spPr/>
+        <p:txBody>
+          <a:bodyPr/>
+          <a:lstStyle/>
+          <a:p>
+            <a:r>
+              <a:rPr lang="en-US" dirty="0"/>
+              <a:t>Example 3: Home Work</a:t>
+            </a:r>
+          </a:p>
+        </p:txBody>
+      </p:sp>
+      <p:sp>
+        <p:nvSpPr>
+          <p:cNvPr id="3" name="Content Placeholder 2">
+            <a:extLst>
+              <a:ext uri="{FF2B5EF4-FFF2-40B4-BE49-F238E27FC236}">
+                <a16:creationId xmlns:a16="http://schemas.microsoft.com/office/drawing/2014/main" id="{71A5250F-2221-7E41-264C-3EC3AAB6D3D0}"/>
+              </a:ext>
+            </a:extLst>
+          </p:cNvPr>
+          <p:cNvSpPr>
+            <a:spLocks noGrp="1"/>
+          </p:cNvSpPr>
+          <p:nvPr>
+            <p:ph idx="1"/>
+          </p:nvPr>
+        </p:nvSpPr>
+        <p:spPr>
+          <a:xfrm>
+            <a:off x="609600" y="1600201"/>
+            <a:ext cx="10972800" cy="4983161"/>
+          </a:xfrm>
+        </p:spPr>
+        <p:txBody>
+          <a:bodyPr/>
+          <a:lstStyle/>
+          <a:p>
+            <a:pPr marL="0" indent="0">
+              <a:buNone/>
+            </a:pPr>
+            <a:r>
+              <a:rPr lang="en-US" sz="2400" dirty="0">
+                <a:solidFill>
+                  <a:srgbClr val="000000"/>
+                </a:solidFill>
+                <a:effectLst/>
+                <a:latin typeface="BaskervilleBE"/>
+              </a:rPr>
+              <a:t>A university is admitting students in a professional course subject to the following conditions: </a:t>
+            </a:r>
+            <a:endParaRPr lang="en-US" sz="4000" dirty="0"/>
+          </a:p>
+          <a:p>
+            <a:pPr lvl="1">
+              <a:buFont typeface="+mj-lt"/>
+              <a:buAutoNum type="alphaLcParenR"/>
+            </a:pPr>
+            <a:r>
+              <a:rPr lang="en-US" sz="1800" dirty="0">
+                <a:solidFill>
+                  <a:srgbClr val="000000"/>
+                </a:solidFill>
+                <a:effectLst/>
+                <a:latin typeface="BaskervilleBE"/>
+              </a:rPr>
+              <a:t>Marks in Java  ≥ 70 </a:t>
+            </a:r>
+            <a:endParaRPr lang="en-US" sz="3600" dirty="0"/>
+          </a:p>
+          <a:p>
+            <a:pPr lvl="1">
+              <a:buFont typeface="+mj-lt"/>
+              <a:buAutoNum type="alphaLcParenR"/>
+            </a:pPr>
+            <a:r>
+              <a:rPr lang="en-US" sz="1800" dirty="0">
+                <a:solidFill>
+                  <a:srgbClr val="000000"/>
+                </a:solidFill>
+                <a:effectLst/>
+                <a:latin typeface="BaskervilleBE"/>
+              </a:rPr>
+              <a:t>Marks in C++ </a:t>
+            </a:r>
+            <a:r>
+              <a:rPr lang="en-US" sz="1800" dirty="0">
+                <a:solidFill>
+                  <a:srgbClr val="000000"/>
+                </a:solidFill>
+                <a:effectLst/>
+                <a:latin typeface="Times New Roman" panose="02020603050405020304" pitchFamily="18" charset="0"/>
+                <a:cs typeface="Times New Roman" panose="02020603050405020304" pitchFamily="18" charset="0"/>
+              </a:rPr>
+              <a:t>≥  60</a:t>
+            </a:r>
+            <a:endParaRPr lang="en-US" sz="3600" dirty="0"/>
+          </a:p>
+          <a:p>
+            <a:pPr lvl="1">
+              <a:buFont typeface="+mj-lt"/>
+              <a:buAutoNum type="alphaLcParenR"/>
+            </a:pPr>
+            <a:r>
+              <a:rPr lang="en-US" sz="1800" dirty="0">
+                <a:solidFill>
+                  <a:srgbClr val="000000"/>
+                </a:solidFill>
+                <a:effectLst/>
+                <a:latin typeface="BaskervilleBE"/>
+              </a:rPr>
+              <a:t>Marks in OOAD </a:t>
+            </a:r>
+            <a:r>
+              <a:rPr lang="en-US" sz="1800" dirty="0">
+                <a:solidFill>
+                  <a:srgbClr val="000000"/>
+                </a:solidFill>
+                <a:effectLst/>
+                <a:latin typeface="Times New Roman" panose="02020603050405020304" pitchFamily="18" charset="0"/>
+                <a:cs typeface="Times New Roman" panose="02020603050405020304" pitchFamily="18" charset="0"/>
+              </a:rPr>
+              <a:t>≥</a:t>
+            </a:r>
+            <a:r>
+              <a:rPr lang="en-US" sz="1800" dirty="0">
+                <a:solidFill>
+                  <a:srgbClr val="000000"/>
+                </a:solidFill>
+                <a:effectLst/>
+                <a:latin typeface="BaskervilleBE"/>
+              </a:rPr>
+              <a:t> 60 </a:t>
+            </a:r>
+            <a:endParaRPr lang="en-US" sz="3600" dirty="0"/>
+          </a:p>
+          <a:p>
+            <a:pPr lvl="1">
+              <a:buFont typeface="+mj-lt"/>
+              <a:buAutoNum type="alphaLcParenR"/>
+            </a:pPr>
+            <a:r>
+              <a:rPr lang="en-US" sz="1800" dirty="0">
+                <a:solidFill>
+                  <a:srgbClr val="000000"/>
+                </a:solidFill>
+                <a:effectLst/>
+                <a:latin typeface="BaskervilleBE"/>
+              </a:rPr>
+              <a:t>Total in all three subjects </a:t>
+            </a:r>
+            <a:r>
+              <a:rPr lang="en-US" sz="1800" dirty="0">
+                <a:solidFill>
+                  <a:srgbClr val="000000"/>
+                </a:solidFill>
+                <a:effectLst/>
+                <a:latin typeface="Times New Roman" panose="02020603050405020304" pitchFamily="18" charset="0"/>
+                <a:cs typeface="Times New Roman" panose="02020603050405020304" pitchFamily="18" charset="0"/>
+              </a:rPr>
+              <a:t>≥</a:t>
+            </a:r>
+            <a:r>
+              <a:rPr lang="en-US" sz="1800" dirty="0">
+                <a:solidFill>
+                  <a:srgbClr val="000000"/>
+                </a:solidFill>
+                <a:effectLst/>
+                <a:latin typeface="BaskervilleBE"/>
+              </a:rPr>
+              <a:t> 220 OR Total in Java and C++ </a:t>
+            </a:r>
+            <a:r>
+              <a:rPr lang="en-US" sz="1800" dirty="0">
+                <a:solidFill>
+                  <a:srgbClr val="000000"/>
+                </a:solidFill>
+                <a:effectLst/>
+                <a:latin typeface="Times New Roman" panose="02020603050405020304" pitchFamily="18" charset="0"/>
+                <a:cs typeface="Times New Roman" panose="02020603050405020304" pitchFamily="18" charset="0"/>
+              </a:rPr>
+              <a:t>≥ </a:t>
+            </a:r>
+            <a:r>
+              <a:rPr lang="en-US" sz="1800" dirty="0">
+                <a:solidFill>
+                  <a:srgbClr val="000000"/>
+                </a:solidFill>
+                <a:effectLst/>
+                <a:latin typeface="BaskervilleBE"/>
+              </a:rPr>
+              <a:t>150 </a:t>
+            </a:r>
+            <a:endParaRPr lang="en-US" sz="3600" dirty="0"/>
+          </a:p>
+          <a:p>
+            <a:pPr marL="0" indent="0">
+              <a:buNone/>
+            </a:pPr>
+            <a:r>
+              <a:rPr lang="en-US" sz="2400" dirty="0">
+                <a:solidFill>
+                  <a:srgbClr val="000000"/>
+                </a:solidFill>
+                <a:effectLst/>
+                <a:latin typeface="BaskervilleBE"/>
+              </a:rPr>
+              <a:t>If the aggregate mark of an eligible candidate is more than 240, he will be eligible for a scholarship course, otherwise, he will be eligible for the normal course. The program reads the marks in the three subjects and generates the following outputs: </a:t>
+            </a:r>
+            <a:endParaRPr lang="en-US" sz="4000" dirty="0"/>
+          </a:p>
+          <a:p>
+            <a:pPr marL="800100" lvl="1" indent="-400050">
+              <a:buFont typeface="+mj-lt"/>
+              <a:buAutoNum type="romanLcPeriod"/>
+            </a:pPr>
+            <a:r>
+              <a:rPr lang="en-US" sz="1800" dirty="0">
+                <a:solidFill>
+                  <a:srgbClr val="000000"/>
+                </a:solidFill>
+                <a:effectLst/>
+                <a:latin typeface="BaskervilleBE"/>
+              </a:rPr>
+              <a:t>Not eligible </a:t>
+            </a:r>
+            <a:endParaRPr lang="en-US" sz="3600" dirty="0"/>
+          </a:p>
+          <a:p>
+            <a:pPr marL="800100" lvl="1" indent="-400050">
+              <a:buFont typeface="+mj-lt"/>
+              <a:buAutoNum type="romanLcPeriod"/>
+            </a:pPr>
+            <a:r>
+              <a:rPr lang="en-US" sz="1800" dirty="0">
+                <a:solidFill>
+                  <a:srgbClr val="000000"/>
+                </a:solidFill>
+                <a:effectLst/>
+                <a:latin typeface="BaskervilleBE"/>
+              </a:rPr>
+              <a:t>Eligible for scholarship course </a:t>
+            </a:r>
+            <a:endParaRPr lang="en-US" sz="3600" dirty="0"/>
+          </a:p>
+          <a:p>
+            <a:pPr marL="800100" lvl="1" indent="-400050">
+              <a:buFont typeface="+mj-lt"/>
+              <a:buAutoNum type="romanLcPeriod"/>
+            </a:pPr>
+            <a:r>
+              <a:rPr lang="en-US" sz="1800" dirty="0">
+                <a:solidFill>
+                  <a:srgbClr val="000000"/>
+                </a:solidFill>
+                <a:effectLst/>
+                <a:latin typeface="BaskervilleBE"/>
+              </a:rPr>
+              <a:t>Eligible for normal course </a:t>
+            </a:r>
+            <a:endParaRPr lang="en-US" sz="3600" dirty="0"/>
+          </a:p>
+          <a:p>
+            <a:pPr marL="0" indent="0">
+              <a:buNone/>
+            </a:pPr>
+            <a:r>
+              <a:rPr lang="en-US" sz="2400" dirty="0">
+                <a:solidFill>
+                  <a:srgbClr val="000000"/>
+                </a:solidFill>
+                <a:effectLst/>
+                <a:latin typeface="BaskervilleBE"/>
+              </a:rPr>
+              <a:t>Design test cases for this program using decision table testing.</a:t>
+            </a:r>
+            <a:endParaRPr lang="en-US" sz="4000" dirty="0"/>
+          </a:p>
+        </p:txBody>
+      </p:sp>
+    </p:spTree>
+    <p:extLst>
+      <p:ext uri="{BB962C8B-B14F-4D97-AF65-F5344CB8AC3E}">
+        <p14:creationId xmlns:p14="http://schemas.microsoft.com/office/powerpoint/2010/main" val="2748597120"/>
+      </p:ext>
+    </p:extLst>
   </p:cSld>
   <p:clrMapOvr>
     <a:masterClrMapping/>
@@ -6492,51 +7795,81 @@
             <p:ph idx="1"/>
           </p:nvPr>
         </p:nvSpPr>
-        <p:spPr/>
+        <p:spPr>
+          <a:xfrm>
+            <a:off x="1199071" y="1600201"/>
+            <a:ext cx="10383327" cy="5154282"/>
+          </a:xfrm>
+        </p:spPr>
         <p:txBody>
           <a:bodyPr vert="horz" wrap="square" lIns="91440" tIns="45720" rIns="91440" bIns="45720" anchor="t" anchorCtr="0"/>
           <a:lstStyle/>
           <a:p>
+            <a:pPr>
+              <a:buFont typeface="Wingdings" panose="05000000000000000000" pitchFamily="2" charset="2"/>
+              <a:buChar char="§"/>
+            </a:pPr>
+            <a:r>
+              <a:rPr lang="en-US" sz="2400" dirty="0"/>
+              <a:t>Boundary value analysis and equivalence class partitioning methods do not consider combinations of input conditions. These consider each input separately. </a:t>
+            </a:r>
+          </a:p>
+          <a:p>
+            <a:pPr>
+              <a:buFont typeface="Wingdings" panose="05000000000000000000" pitchFamily="2" charset="2"/>
+              <a:buChar char="§"/>
+            </a:pPr>
+            <a:r>
+              <a:rPr lang="en-US" sz="2400" dirty="0"/>
+              <a:t>There may be some critical behavior to be tested when some combinations of input conditions are considered. </a:t>
+            </a:r>
+          </a:p>
+          <a:p>
             <a:pPr algn="just">
-              <a:buNone/>
+              <a:buFont typeface="Wingdings" panose="05000000000000000000" pitchFamily="2" charset="2"/>
+              <a:buChar char="§"/>
             </a:pPr>
             <a:r>
-              <a:rPr sz="2800" dirty="0"/>
-              <a:t>	A decision table is a good way to deal with combinations of things (e.g. inputs). This technique is sometimes also referred to as a '</a:t>
-            </a:r>
-            <a:r>
-              <a:rPr sz="2800" b="1" dirty="0">
-                <a:solidFill>
-                  <a:schemeClr val="accent1">
-                    <a:lumMod val="75000"/>
-                  </a:schemeClr>
-                </a:solidFill>
-              </a:rPr>
-              <a:t>cause-effect</a:t>
-            </a:r>
-            <a:r>
-              <a:rPr sz="2800" dirty="0"/>
-              <a:t>' table. The reason for this is that there is an associated logic diagramming technique called '</a:t>
-            </a:r>
-            <a:r>
-              <a:rPr sz="2800" b="1" dirty="0">
-                <a:solidFill>
-                  <a:schemeClr val="accent1">
-                    <a:lumMod val="75000"/>
-                  </a:schemeClr>
-                </a:solidFill>
-              </a:rPr>
-              <a:t>cause-effect graphing</a:t>
-            </a:r>
-            <a:r>
-              <a:rPr sz="2800" dirty="0"/>
-              <a:t>' which was sometimes used to help derive the decision table</a:t>
-            </a:r>
-            <a:r>
-              <a:rPr lang="en-US" sz="2800" dirty="0"/>
+              <a:rPr sz="2400" dirty="0"/>
+              <a:t>A decision table is a good way to deal with combinations of things (e.g. Inputs). </a:t>
+            </a:r>
+            <a:endParaRPr lang="en-US" sz="2400" dirty="0"/>
+          </a:p>
+          <a:p>
+            <a:pPr algn="just">
+              <a:buFont typeface="Wingdings" panose="05000000000000000000" pitchFamily="2" charset="2"/>
+              <a:buChar char="§"/>
+            </a:pPr>
+            <a:r>
+              <a:rPr lang="en-US" sz="2400" dirty="0"/>
+              <a:t>It has the specialty of considering complex combinations of input conditions and resulting actions. Decision tables obtain their power from logical expressions. </a:t>
+            </a:r>
+          </a:p>
+          <a:p>
+            <a:pPr algn="just">
+              <a:buFont typeface="Wingdings" panose="05000000000000000000" pitchFamily="2" charset="2"/>
+              <a:buChar char="§"/>
+            </a:pPr>
+            <a:r>
+              <a:rPr lang="en-US" sz="2400" dirty="0"/>
+              <a:t>Each operand or variable in a logical expression takes on the value, </a:t>
+            </a:r>
+            <a:r>
+              <a:rPr lang="en-US" sz="2400" b="1" dirty="0"/>
+              <a:t>TRUE</a:t>
+            </a:r>
+            <a:r>
+              <a:rPr lang="en-US" sz="2400" dirty="0"/>
+              <a:t> or </a:t>
+            </a:r>
+            <a:r>
+              <a:rPr lang="en-US" sz="2400" b="1" dirty="0"/>
+              <a:t>FALSE</a:t>
+            </a:r>
+            <a:r>
+              <a:rPr lang="en-US" sz="2400" dirty="0"/>
               <a:t>.</a:t>
             </a:r>
-            <a:endParaRPr lang="en-US" sz="2800" dirty="0"/>
           </a:p>
         </p:txBody>
       </p:sp>
@@ -6584,7 +7917,6 @@
               <a:rPr lang="en-US"/>
               <a:t>Decision Table Testing</a:t>
             </a:r>
-            <a:endParaRPr lang="en-US"/>
           </a:p>
         </p:txBody>
       </p:sp>
@@ -6599,7 +7931,7 @@
           </p:nvPr>
         </p:nvPicPr>
         <p:blipFill>
-          <a:blip r:embed="rId1"/>
+          <a:blip r:embed="rId3"/>
           <a:stretch>
             <a:fillRect/>
           </a:stretch>
@@ -6662,12 +7994,6 @@
               </a:rPr>
               <a:t> It is a list of input conditions for which the complex combination is made.</a:t>
             </a:r>
-            <a:endParaRPr lang="en-US">
-              <a:solidFill>
-                <a:prstClr val="black"/>
-              </a:solidFill>
-              <a:latin typeface="Arial" panose="020B0604020202020204" pitchFamily="34" charset="0"/>
-            </a:endParaRPr>
           </a:p>
           <a:p>
             <a:pPr fontAlgn="base">
@@ -6696,12 +8022,6 @@
               </a:rPr>
               <a:t> It is a list of resulting actions which will be performed if a combination of input condition is satisfied.</a:t>
             </a:r>
-            <a:endParaRPr lang="en-US">
-              <a:solidFill>
-                <a:prstClr val="black"/>
-              </a:solidFill>
-              <a:latin typeface="Arial" panose="020B0604020202020204" pitchFamily="34" charset="0"/>
-            </a:endParaRPr>
           </a:p>
         </p:txBody>
       </p:sp>
@@ -6779,7 +8099,6 @@
               <a:rPr sz="2400" dirty="0"/>
               <a:t>. The first task is to identify a suitable function or subsystem that has a behavior which reacts according to a combination of inputs or events. It is better to deal with large numbers of conditions by dividing them into subsets and dealing with the subsets one at a time.</a:t>
             </a:r>
-            <a:endParaRPr sz="2400" dirty="0"/>
           </a:p>
           <a:p>
             <a:pPr algn="just">
@@ -6793,7 +8112,6 @@
               <a:rPr sz="2400" dirty="0"/>
               <a:t>. Once you have identified the aspects that need to be combined, then you put them into a table listing all the combinations of True and False for each of the aspects.</a:t>
             </a:r>
-            <a:endParaRPr sz="2400" dirty="0"/>
           </a:p>
           <a:p>
             <a:pPr algn="just">
@@ -6807,7 +8125,6 @@
               <a:rPr sz="2400" dirty="0"/>
               <a:t>The next step is to identify the correct outcome for each combination.</a:t>
             </a:r>
-            <a:endParaRPr sz="2400" dirty="0"/>
           </a:p>
         </p:txBody>
       </p:sp>
@@ -6852,6 +8169,10 @@
           <a:lstStyle/>
           <a:p>
             <a:r>
+              <a:rPr lang="en-US" b="1" dirty="0"/>
+              <a:t>Example 1: </a:t>
+            </a:r>
+            <a:r>
               <a:rPr b="1" dirty="0"/>
               <a:t>Decision Table Testing</a:t>
             </a:r>
@@ -6881,7 +8202,6 @@
               <a:rPr sz="2400" b="1" dirty="0"/>
               <a:t>	Credit card worked example</a:t>
             </a:r>
-            <a:endParaRPr sz="2400" b="1" dirty="0"/>
           </a:p>
           <a:p>
             <a:pPr algn="just">
@@ -6891,6 +8211,27 @@
               <a:rPr sz="2400" dirty="0"/>
               <a:t>		If you are a new customer opening a credit card account, you will get a 15% discount on all your purchases today. If you are an existing customer and you hold a loyalty card, you get a 10% discount. If you have a coupon, you can get 20% off today (but it can't be used with the 'new customer' discount). Discount amounts are added, if applicable.</a:t>
             </a:r>
+            <a:endParaRPr lang="en-US" sz="2400" dirty="0"/>
+          </a:p>
+          <a:p>
+            <a:pPr algn="just">
+              <a:buNone/>
+            </a:pPr>
+            <a:endParaRPr lang="en-US" sz="2400" dirty="0"/>
+          </a:p>
+          <a:p>
+            <a:pPr algn="just">
+              <a:buNone/>
+            </a:pPr>
+            <a:r>
+              <a:rPr lang="en-US" sz="2400" dirty="0"/>
+              <a:t>	Draw the Decision table and design the test cases.</a:t>
+            </a:r>
+          </a:p>
+          <a:p>
+            <a:pPr algn="just">
+              <a:buNone/>
+            </a:pPr>
             <a:endParaRPr sz="2400" dirty="0"/>
           </a:p>
         </p:txBody>
@@ -6954,7 +8295,7 @@
           </p:nvPr>
         </p:nvPicPr>
         <p:blipFill>
-          <a:blip r:embed="rId1"/>
+          <a:blip r:embed="rId2"/>
           <a:srcRect/>
           <a:stretch>
             <a:fillRect/>
@@ -7009,8 +8350,8 @@
           <a:p>
             <a:pPr eaLnBrk="1" hangingPunct="1"/>
             <a:r>
-              <a:rPr dirty="0"/>
-              <a:t>Decision Table Testing cont…</a:t>
+              <a:rPr lang="en-US" b="1" dirty="0"/>
+              <a:t>Example 2: Class Activity</a:t>
             </a:r>
             <a:endParaRPr dirty="0"/>
           </a:p>
@@ -7044,7 +8385,6 @@
               <a:rPr lang="en-US" dirty="0"/>
               <a:t>Consider a simple program to classify a triangle. Its inputs is a triple of positive integers (say x, y, z). The program output may be one of the following words:</a:t>
             </a:r>
-            <a:endParaRPr lang="en-US" dirty="0"/>
           </a:p>
           <a:p>
             <a:pPr marL="0" indent="0" algn="just" eaLnBrk="1" fontAlgn="auto" hangingPunct="1">
@@ -7068,7 +8408,6 @@
               <a:rPr lang="en-US" dirty="0"/>
               <a:t>[Scalene; Isosceles; Equilateral; Not a triangle; Impossible]</a:t>
             </a:r>
-            <a:endParaRPr lang="en-US" dirty="0"/>
           </a:p>
           <a:p>
             <a:pPr marL="0" indent="0" algn="just" eaLnBrk="1" fontAlgn="auto" hangingPunct="1">
@@ -7092,7 +8431,6 @@
               <a:rPr lang="en-US" dirty="0"/>
               <a:t>Draw the Decision table and design the test cases.</a:t>
             </a:r>
-            <a:endParaRPr lang="en-US" dirty="0"/>
           </a:p>
         </p:txBody>
       </p:sp>
@@ -7141,7 +8479,6 @@
               <a:rPr dirty="0"/>
               <a:t>Decision Table Testing cont…</a:t>
             </a:r>
-            <a:endParaRPr dirty="0"/>
           </a:p>
         </p:txBody>
       </p:sp>
@@ -7167,7 +8504,6 @@
               <a:rPr dirty="0"/>
               <a:t>a. Decision Table</a:t>
             </a:r>
-            <a:endParaRPr dirty="0"/>
           </a:p>
         </p:txBody>
       </p:sp>
@@ -7180,7 +8516,7 @@
           <p:nvPr/>
         </p:nvPicPr>
         <p:blipFill>
-          <a:blip r:embed="rId1"/>
+          <a:blip r:embed="rId2"/>
           <a:stretch>
             <a:fillRect/>
           </a:stretch>
@@ -7244,7 +8580,6 @@
               <a:rPr dirty="0"/>
               <a:t>Decision Table Testing cont…</a:t>
             </a:r>
-            <a:endParaRPr dirty="0"/>
           </a:p>
         </p:txBody>
       </p:sp>
@@ -7270,7 +8605,6 @@
               <a:rPr dirty="0"/>
               <a:t>b. Test Cases</a:t>
             </a:r>
-            <a:endParaRPr dirty="0"/>
           </a:p>
         </p:txBody>
       </p:sp>
@@ -7293,11 +8627,41 @@
                 <a:tableStyleId>{5C22544A-7EE6-4342-B048-85BDC9FD1C3A}</a:tableStyleId>
               </a:tblPr>
               <a:tblGrid>
-                <a:gridCol w="1257300"/>
-                <a:gridCol w="1257300"/>
-                <a:gridCol w="1257300"/>
-                <a:gridCol w="1257300"/>
-                <a:gridCol w="2514600"/>
+                <a:gridCol w="1257300">
+                  <a:extLst>
+                    <a:ext uri="{9D8B030D-6E8A-4147-A177-3AD203B41FA5}">
+                      <a16:colId xmlns:a16="http://schemas.microsoft.com/office/drawing/2014/main" val="20000"/>
+                    </a:ext>
+                  </a:extLst>
+                </a:gridCol>
+                <a:gridCol w="1257300">
+                  <a:extLst>
+                    <a:ext uri="{9D8B030D-6E8A-4147-A177-3AD203B41FA5}">
+                      <a16:colId xmlns:a16="http://schemas.microsoft.com/office/drawing/2014/main" val="20001"/>
+                    </a:ext>
+                  </a:extLst>
+                </a:gridCol>
+                <a:gridCol w="1257300">
+                  <a:extLst>
+                    <a:ext uri="{9D8B030D-6E8A-4147-A177-3AD203B41FA5}">
+                      <a16:colId xmlns:a16="http://schemas.microsoft.com/office/drawing/2014/main" val="20002"/>
+                    </a:ext>
+                  </a:extLst>
+                </a:gridCol>
+                <a:gridCol w="1257300">
+                  <a:extLst>
+                    <a:ext uri="{9D8B030D-6E8A-4147-A177-3AD203B41FA5}">
+                      <a16:colId xmlns:a16="http://schemas.microsoft.com/office/drawing/2014/main" val="20003"/>
+                    </a:ext>
+                  </a:extLst>
+                </a:gridCol>
+                <a:gridCol w="2514600">
+                  <a:extLst>
+                    <a:ext uri="{9D8B030D-6E8A-4147-A177-3AD203B41FA5}">
+                      <a16:colId xmlns:a16="http://schemas.microsoft.com/office/drawing/2014/main" val="20004"/>
+                    </a:ext>
+                  </a:extLst>
+                </a:gridCol>
               </a:tblGrid>
               <a:tr h="381000">
                 <a:tc>
@@ -7310,7 +8674,6 @@
                         <a:rPr lang="en-US" dirty="0"/>
                         <a:t>Test Case</a:t>
                       </a:r>
-                      <a:endParaRPr lang="en-US" dirty="0"/>
                     </a:p>
                   </a:txBody>
                   <a:tcPr/>
@@ -7325,7 +8688,6 @@
                         <a:rPr lang="en-US" dirty="0"/>
                         <a:t>x</a:t>
                       </a:r>
-                      <a:endParaRPr lang="en-US" dirty="0"/>
                     </a:p>
                   </a:txBody>
                   <a:tcPr/>
@@ -7340,7 +8702,6 @@
                         <a:rPr lang="en-US" dirty="0"/>
                         <a:t>Y</a:t>
                       </a:r>
-                      <a:endParaRPr lang="en-US" dirty="0"/>
                     </a:p>
                   </a:txBody>
                   <a:tcPr/>
@@ -7355,7 +8716,6 @@
                         <a:rPr lang="en-US" dirty="0"/>
                         <a:t>z</a:t>
                       </a:r>
-                      <a:endParaRPr lang="en-US" dirty="0"/>
                     </a:p>
                   </a:txBody>
                   <a:tcPr/>
@@ -7369,11 +8729,15 @@
                         <a:rPr lang="en-US" dirty="0"/>
                         <a:t>Output</a:t>
                       </a:r>
-                      <a:endParaRPr lang="en-US" dirty="0"/>
                     </a:p>
                   </a:txBody>
                   <a:tcPr/>
                 </a:tc>
+                <a:extLst>
+                  <a:ext uri="{0D108BD9-81ED-4DB2-BD59-A6C34878D82A}">
+                    <a16:rowId xmlns:a16="http://schemas.microsoft.com/office/drawing/2014/main" val="10000"/>
+                  </a:ext>
+                </a:extLst>
               </a:tr>
               <a:tr h="381000">
                 <a:tc>
@@ -7386,7 +8750,6 @@
                         <a:rPr lang="en-US" dirty="0"/>
                         <a:t>1</a:t>
                       </a:r>
-                      <a:endParaRPr lang="en-US" dirty="0"/>
                     </a:p>
                   </a:txBody>
                   <a:tcPr/>
@@ -7401,7 +8764,6 @@
                         <a:rPr lang="en-US" dirty="0"/>
                         <a:t>-</a:t>
                       </a:r>
-                      <a:endParaRPr lang="en-US" dirty="0"/>
                     </a:p>
                   </a:txBody>
                   <a:tcPr/>
@@ -7416,7 +8778,6 @@
                         <a:rPr lang="en-US" dirty="0"/>
                         <a:t>-</a:t>
                       </a:r>
-                      <a:endParaRPr lang="en-US" dirty="0"/>
                     </a:p>
                   </a:txBody>
                   <a:tcPr/>
@@ -7431,7 +8792,6 @@
                         <a:rPr lang="en-US" dirty="0"/>
                         <a:t>-</a:t>
                       </a:r>
-                      <a:endParaRPr lang="en-US" dirty="0"/>
                     </a:p>
                   </a:txBody>
                   <a:tcPr/>
@@ -7445,11 +8805,15 @@
                         <a:rPr lang="en-US" dirty="0"/>
                         <a:t>Not a Triangle</a:t>
                       </a:r>
-                      <a:endParaRPr lang="en-US" dirty="0"/>
                     </a:p>
                   </a:txBody>
                   <a:tcPr/>
                 </a:tc>
+                <a:extLst>
+                  <a:ext uri="{0D108BD9-81ED-4DB2-BD59-A6C34878D82A}">
+                    <a16:rowId xmlns:a16="http://schemas.microsoft.com/office/drawing/2014/main" val="10001"/>
+                  </a:ext>
+                </a:extLst>
               </a:tr>
               <a:tr h="381000">
                 <a:tc>
@@ -7462,7 +8826,6 @@
                         <a:rPr lang="en-US" dirty="0"/>
                         <a:t>2</a:t>
                       </a:r>
-                      <a:endParaRPr lang="en-US" dirty="0"/>
                     </a:p>
                   </a:txBody>
                   <a:tcPr/>
@@ -7477,7 +8840,6 @@
                         <a:rPr lang="en-US" dirty="0"/>
                         <a:t>2</a:t>
                       </a:r>
-                      <a:endParaRPr lang="en-US" dirty="0"/>
                     </a:p>
                   </a:txBody>
                   <a:tcPr/>
@@ -7492,7 +8854,6 @@
                         <a:rPr lang="en-US" dirty="0"/>
                         <a:t>2</a:t>
                       </a:r>
-                      <a:endParaRPr lang="en-US" dirty="0"/>
                     </a:p>
                   </a:txBody>
                   <a:tcPr/>
@@ -7507,7 +8868,6 @@
                         <a:rPr lang="en-US" dirty="0"/>
                         <a:t>2</a:t>
                       </a:r>
-                      <a:endParaRPr lang="en-US" dirty="0"/>
                     </a:p>
                   </a:txBody>
                   <a:tcPr/>
@@ -7521,11 +8881,15 @@
                         <a:rPr lang="en-US" dirty="0"/>
                         <a:t>Equilateral</a:t>
                       </a:r>
-                      <a:endParaRPr lang="en-US" dirty="0"/>
                     </a:p>
                   </a:txBody>
                   <a:tcPr/>
                 </a:tc>
+                <a:extLst>
+                  <a:ext uri="{0D108BD9-81ED-4DB2-BD59-A6C34878D82A}">
+                    <a16:rowId xmlns:a16="http://schemas.microsoft.com/office/drawing/2014/main" val="10002"/>
+                  </a:ext>
+                </a:extLst>
               </a:tr>
               <a:tr h="381000">
                 <a:tc>
@@ -7538,7 +8902,6 @@
                         <a:rPr lang="en-US" dirty="0"/>
                         <a:t>3</a:t>
                       </a:r>
-                      <a:endParaRPr lang="en-US" dirty="0"/>
                     </a:p>
                   </a:txBody>
                   <a:tcPr/>
@@ -7553,7 +8916,6 @@
                         <a:rPr lang="en-US" dirty="0"/>
                         <a:t>-</a:t>
                       </a:r>
-                      <a:endParaRPr lang="en-US" dirty="0"/>
                     </a:p>
                   </a:txBody>
                   <a:tcPr/>
@@ -7568,7 +8930,6 @@
                         <a:rPr lang="en-US" dirty="0"/>
                         <a:t>-</a:t>
                       </a:r>
-                      <a:endParaRPr lang="en-US" dirty="0"/>
                     </a:p>
                   </a:txBody>
                   <a:tcPr/>
@@ -7583,7 +8944,6 @@
                         <a:rPr lang="en-US" dirty="0"/>
                         <a:t>-</a:t>
                       </a:r>
-                      <a:endParaRPr lang="en-US" dirty="0"/>
                     </a:p>
                   </a:txBody>
                   <a:tcPr/>
@@ -7597,11 +8957,15 @@
                         <a:rPr lang="en-US" dirty="0"/>
                         <a:t>Impossible</a:t>
                       </a:r>
-                      <a:endParaRPr lang="en-US" dirty="0"/>
                     </a:p>
                   </a:txBody>
                   <a:tcPr/>
                 </a:tc>
+                <a:extLst>
+                  <a:ext uri="{0D108BD9-81ED-4DB2-BD59-A6C34878D82A}">
+                    <a16:rowId xmlns:a16="http://schemas.microsoft.com/office/drawing/2014/main" val="10003"/>
+                  </a:ext>
+                </a:extLst>
               </a:tr>
               <a:tr h="381000">
                 <a:tc>
@@ -7614,7 +8978,6 @@
                         <a:rPr lang="en-US" dirty="0"/>
                         <a:t>4</a:t>
                       </a:r>
-                      <a:endParaRPr lang="en-US" dirty="0"/>
                     </a:p>
                   </a:txBody>
                   <a:tcPr/>
@@ -7629,7 +8992,6 @@
                         <a:rPr lang="en-US" dirty="0"/>
                         <a:t>-</a:t>
                       </a:r>
-                      <a:endParaRPr lang="en-US" dirty="0"/>
                     </a:p>
                   </a:txBody>
                   <a:tcPr/>
@@ -7644,7 +9006,6 @@
                         <a:rPr lang="en-US"/>
                         <a:t>-</a:t>
                       </a:r>
-                      <a:endParaRPr lang="en-US"/>
                     </a:p>
                   </a:txBody>
                   <a:tcPr/>
@@ -7659,7 +9020,6 @@
                         <a:rPr lang="en-US" dirty="0"/>
                         <a:t>-</a:t>
                       </a:r>
-                      <a:endParaRPr lang="en-US" dirty="0"/>
                     </a:p>
                   </a:txBody>
                   <a:tcPr/>
@@ -7673,11 +9033,15 @@
                         <a:rPr lang="en-US" dirty="0"/>
                         <a:t>Impossible</a:t>
                       </a:r>
-                      <a:endParaRPr lang="en-US" dirty="0"/>
                     </a:p>
                   </a:txBody>
                   <a:tcPr/>
                 </a:tc>
+                <a:extLst>
+                  <a:ext uri="{0D108BD9-81ED-4DB2-BD59-A6C34878D82A}">
+                    <a16:rowId xmlns:a16="http://schemas.microsoft.com/office/drawing/2014/main" val="10004"/>
+                  </a:ext>
+                </a:extLst>
               </a:tr>
               <a:tr h="381000">
                 <a:tc>
@@ -7690,7 +9054,6 @@
                         <a:rPr lang="en-US" dirty="0"/>
                         <a:t>5</a:t>
                       </a:r>
-                      <a:endParaRPr lang="en-US" dirty="0"/>
                     </a:p>
                   </a:txBody>
                   <a:tcPr/>
@@ -7705,7 +9068,6 @@
                         <a:rPr lang="en-US" dirty="0"/>
                         <a:t>2</a:t>
                       </a:r>
-                      <a:endParaRPr lang="en-US" dirty="0"/>
                     </a:p>
                   </a:txBody>
                   <a:tcPr/>
@@ -7720,7 +9082,6 @@
                         <a:rPr lang="en-US" dirty="0"/>
                         <a:t>2</a:t>
                       </a:r>
-                      <a:endParaRPr lang="en-US" dirty="0"/>
                     </a:p>
                   </a:txBody>
                   <a:tcPr/>
@@ -7735,7 +9096,6 @@
                         <a:rPr lang="en-US" dirty="0"/>
                         <a:t>1</a:t>
                       </a:r>
-                      <a:endParaRPr lang="en-US" dirty="0"/>
                     </a:p>
                   </a:txBody>
                   <a:tcPr/>
@@ -7749,11 +9109,15 @@
                         <a:rPr lang="en-US" dirty="0"/>
                         <a:t>Isosceles</a:t>
                       </a:r>
-                      <a:endParaRPr lang="en-US" dirty="0"/>
                     </a:p>
                   </a:txBody>
                   <a:tcPr/>
                 </a:tc>
+                <a:extLst>
+                  <a:ext uri="{0D108BD9-81ED-4DB2-BD59-A6C34878D82A}">
+                    <a16:rowId xmlns:a16="http://schemas.microsoft.com/office/drawing/2014/main" val="10005"/>
+                  </a:ext>
+                </a:extLst>
               </a:tr>
               <a:tr h="381000">
                 <a:tc>
@@ -7766,7 +9130,6 @@
                         <a:rPr lang="en-US" dirty="0"/>
                         <a:t>6</a:t>
                       </a:r>
-                      <a:endParaRPr lang="en-US" dirty="0"/>
                     </a:p>
                   </a:txBody>
                   <a:tcPr/>
@@ -7781,7 +9144,6 @@
                         <a:rPr lang="en-US" dirty="0"/>
                         <a:t>-</a:t>
                       </a:r>
-                      <a:endParaRPr lang="en-US" dirty="0"/>
                     </a:p>
                   </a:txBody>
                   <a:tcPr/>
@@ -7796,7 +9158,6 @@
                         <a:rPr lang="en-US" dirty="0"/>
                         <a:t>-</a:t>
                       </a:r>
-                      <a:endParaRPr lang="en-US" dirty="0"/>
                     </a:p>
                   </a:txBody>
                   <a:tcPr/>
@@ -7811,7 +9172,6 @@
                         <a:rPr lang="en-US" dirty="0"/>
                         <a:t>-</a:t>
                       </a:r>
-                      <a:endParaRPr lang="en-US" dirty="0"/>
                     </a:p>
                   </a:txBody>
                   <a:tcPr/>
@@ -7825,11 +9185,15 @@
                         <a:rPr lang="en-US" dirty="0"/>
                         <a:t>Impossible</a:t>
                       </a:r>
-                      <a:endParaRPr lang="en-US" dirty="0"/>
                     </a:p>
                   </a:txBody>
                   <a:tcPr/>
                 </a:tc>
+                <a:extLst>
+                  <a:ext uri="{0D108BD9-81ED-4DB2-BD59-A6C34878D82A}">
+                    <a16:rowId xmlns:a16="http://schemas.microsoft.com/office/drawing/2014/main" val="10006"/>
+                  </a:ext>
+                </a:extLst>
               </a:tr>
               <a:tr h="381000">
                 <a:tc>
@@ -7842,7 +9206,6 @@
                         <a:rPr lang="en-US" dirty="0"/>
                         <a:t>7</a:t>
                       </a:r>
-                      <a:endParaRPr lang="en-US" dirty="0"/>
                     </a:p>
                   </a:txBody>
                   <a:tcPr/>
@@ -7857,7 +9220,6 @@
                         <a:rPr lang="en-US" dirty="0"/>
                         <a:t>2</a:t>
                       </a:r>
-                      <a:endParaRPr lang="en-US" dirty="0"/>
                     </a:p>
                   </a:txBody>
                   <a:tcPr/>
@@ -7872,7 +9234,6 @@
                         <a:rPr lang="en-US" dirty="0"/>
                         <a:t>1</a:t>
                       </a:r>
-                      <a:endParaRPr lang="en-US" dirty="0"/>
                     </a:p>
                   </a:txBody>
                   <a:tcPr/>
@@ -7887,7 +9248,6 @@
                         <a:rPr lang="en-US" dirty="0"/>
                         <a:t>2</a:t>
                       </a:r>
-                      <a:endParaRPr lang="en-US" dirty="0"/>
                     </a:p>
                   </a:txBody>
                   <a:tcPr/>
@@ -7901,11 +9261,15 @@
                         <a:rPr lang="en-US" dirty="0"/>
                         <a:t>Isosceles</a:t>
                       </a:r>
-                      <a:endParaRPr lang="en-US" dirty="0"/>
                     </a:p>
                   </a:txBody>
                   <a:tcPr/>
                 </a:tc>
+                <a:extLst>
+                  <a:ext uri="{0D108BD9-81ED-4DB2-BD59-A6C34878D82A}">
+                    <a16:rowId xmlns:a16="http://schemas.microsoft.com/office/drawing/2014/main" val="10007"/>
+                  </a:ext>
+                </a:extLst>
               </a:tr>
               <a:tr h="381000">
                 <a:tc>
@@ -7918,7 +9282,6 @@
                         <a:rPr lang="en-US" dirty="0"/>
                         <a:t>8</a:t>
                       </a:r>
-                      <a:endParaRPr lang="en-US" dirty="0"/>
                     </a:p>
                   </a:txBody>
                   <a:tcPr/>
@@ -7933,7 +9296,6 @@
                         <a:rPr lang="en-US" dirty="0"/>
                         <a:t>1</a:t>
                       </a:r>
-                      <a:endParaRPr lang="en-US" dirty="0"/>
                     </a:p>
                   </a:txBody>
                   <a:tcPr/>
@@ -7948,7 +9310,6 @@
                         <a:rPr lang="en-US" dirty="0"/>
                         <a:t>2</a:t>
                       </a:r>
-                      <a:endParaRPr lang="en-US" dirty="0"/>
                     </a:p>
                   </a:txBody>
                   <a:tcPr/>
@@ -7963,7 +9324,6 @@
                         <a:rPr lang="en-US" dirty="0"/>
                         <a:t>2</a:t>
                       </a:r>
-                      <a:endParaRPr lang="en-US" dirty="0"/>
                     </a:p>
                   </a:txBody>
                   <a:tcPr/>
@@ -7977,11 +9337,15 @@
                         <a:rPr lang="en-US" dirty="0"/>
                         <a:t>Isosceles</a:t>
                       </a:r>
-                      <a:endParaRPr lang="en-US" dirty="0"/>
                     </a:p>
                   </a:txBody>
                   <a:tcPr/>
                 </a:tc>
+                <a:extLst>
+                  <a:ext uri="{0D108BD9-81ED-4DB2-BD59-A6C34878D82A}">
+                    <a16:rowId xmlns:a16="http://schemas.microsoft.com/office/drawing/2014/main" val="10008"/>
+                  </a:ext>
+                </a:extLst>
               </a:tr>
               <a:tr h="381000">
                 <a:tc>
@@ -7994,7 +9358,6 @@
                         <a:rPr lang="en-US" dirty="0"/>
                         <a:t>9</a:t>
                       </a:r>
-                      <a:endParaRPr lang="en-US" dirty="0"/>
                     </a:p>
                   </a:txBody>
                   <a:tcPr/>
@@ -8009,7 +9372,6 @@
                         <a:rPr lang="en-US" dirty="0"/>
                         <a:t>3</a:t>
                       </a:r>
-                      <a:endParaRPr lang="en-US" dirty="0"/>
                     </a:p>
                   </a:txBody>
                   <a:tcPr/>
@@ -8024,7 +9386,6 @@
                         <a:rPr lang="en-US" dirty="0"/>
                         <a:t>4</a:t>
                       </a:r>
-                      <a:endParaRPr lang="en-US" dirty="0"/>
                     </a:p>
                   </a:txBody>
                   <a:tcPr/>
@@ -8039,7 +9400,6 @@
                         <a:rPr lang="en-US" dirty="0"/>
                         <a:t>5</a:t>
                       </a:r>
-                      <a:endParaRPr lang="en-US" dirty="0"/>
                     </a:p>
                   </a:txBody>
                   <a:tcPr/>
@@ -8053,11 +9413,15 @@
                         <a:rPr lang="en-US" dirty="0"/>
                         <a:t>Scalene</a:t>
                       </a:r>
-                      <a:endParaRPr lang="en-US" dirty="0"/>
                     </a:p>
                   </a:txBody>
                   <a:tcPr/>
                 </a:tc>
+                <a:extLst>
+                  <a:ext uri="{0D108BD9-81ED-4DB2-BD59-A6C34878D82A}">
+                    <a16:rowId xmlns:a16="http://schemas.microsoft.com/office/drawing/2014/main" val="10009"/>
+                  </a:ext>
+                </a:extLst>
               </a:tr>
             </a:tbl>
           </a:graphicData>
@@ -8322,6 +9686,8 @@
       </a:bgFillStyleLst>
     </a:fmtScheme>
   </a:themeElements>
+  <a:objectDefaults/>
+  <a:extraClrSchemeLst/>
   <a:extLst>
     <a:ext uri="{05A4C25C-085E-4340-85A3-A5531E510DB2}">
       <thm15:themeFamily xmlns:thm15="http://schemas.microsoft.com/office/thememl/2012/main" name="Office Theme" id="{62F939B6-93AF-4DB8-9C6B-D6C7DFDC589F}" vid="{4A3C46E8-61CC-4603-A589-7422A47A8E4A}"/>
@@ -8608,6 +9974,303 @@
       </a:bgFillStyleLst>
     </a:fmtScheme>
   </a:themeElements>
+  <a:objectDefaults/>
+  <a:extraClrSchemeLst/>
+  <a:extLst>
+    <a:ext uri="{05A4C25C-085E-4340-85A3-A5531E510DB2}">
+      <thm15:themeFamily xmlns:thm15="http://schemas.microsoft.com/office/thememl/2012/main" name="Office Theme" id="{62F939B6-93AF-4DB8-9C6B-D6C7DFDC589F}" vid="{4A3C46E8-61CC-4603-A589-7422A47A8E4A}"/>
+    </a:ext>
+  </a:extLst>
+</a:theme>
+</file>
+
+<file path=ppt/theme/theme3.xml><?xml version="1.0" encoding="utf-8"?>
+<a:theme xmlns:a="http://schemas.openxmlformats.org/drawingml/2006/main" name="Office Theme">
+  <a:themeElements>
+    <a:clrScheme name="Office">
+      <a:dk1>
+        <a:sysClr val="windowText" lastClr="000000"/>
+      </a:dk1>
+      <a:lt1>
+        <a:sysClr val="window" lastClr="FFFFFF"/>
+      </a:lt1>
+      <a:dk2>
+        <a:srgbClr val="44546A"/>
+      </a:dk2>
+      <a:lt2>
+        <a:srgbClr val="E7E6E6"/>
+      </a:lt2>
+      <a:accent1>
+        <a:srgbClr val="4472C4"/>
+      </a:accent1>
+      <a:accent2>
+        <a:srgbClr val="ED7D31"/>
+      </a:accent2>
+      <a:accent3>
+        <a:srgbClr val="A5A5A5"/>
+      </a:accent3>
+      <a:accent4>
+        <a:srgbClr val="FFC000"/>
+      </a:accent4>
+      <a:accent5>
+        <a:srgbClr val="5B9BD5"/>
+      </a:accent5>
+      <a:accent6>
+        <a:srgbClr val="70AD47"/>
+      </a:accent6>
+      <a:hlink>
+        <a:srgbClr val="0563C1"/>
+      </a:hlink>
+      <a:folHlink>
+        <a:srgbClr val="954F72"/>
+      </a:folHlink>
+    </a:clrScheme>
+    <a:fontScheme name="Office">
+      <a:majorFont>
+        <a:latin typeface="Calibri Light" panose="020F0302020204030204"/>
+        <a:ea typeface=""/>
+        <a:cs typeface=""/>
+        <a:font script="Jpan" typeface="游ゴシック Light"/>
+        <a:font script="Hang" typeface="맑은 고딕"/>
+        <a:font script="Hans" typeface="等线 Light"/>
+        <a:font script="Hant" typeface="新細明體"/>
+        <a:font script="Arab" typeface="Times New Roman"/>
+        <a:font script="Hebr" typeface="Times New Roman"/>
+        <a:font script="Thai" typeface="Angsana New"/>
+        <a:font script="Ethi" typeface="Nyala"/>
+        <a:font script="Beng" typeface="Vrinda"/>
+        <a:font script="Gujr" typeface="Shruti"/>
+        <a:font script="Khmr" typeface="MoolBoran"/>
+        <a:font script="Knda" typeface="Tunga"/>
+        <a:font script="Guru" typeface="Raavi"/>
+        <a:font script="Cans" typeface="Euphemia"/>
+        <a:font script="Cher" typeface="Plantagenet Cherokee"/>
+        <a:font script="Yiii" typeface="Microsoft Yi Baiti"/>
+        <a:font script="Tibt" typeface="Microsoft Himalaya"/>
+        <a:font script="Thaa" typeface="MV Boli"/>
+        <a:font script="Deva" typeface="Mangal"/>
+        <a:font script="Telu" typeface="Gautami"/>
+        <a:font script="Taml" typeface="Latha"/>
+        <a:font script="Syrc" typeface="Estrangelo Edessa"/>
+        <a:font script="Orya" typeface="Kalinga"/>
+        <a:font script="Mlym" typeface="Kartika"/>
+        <a:font script="Laoo" typeface="DokChampa"/>
+        <a:font script="Sinh" typeface="Iskoola Pota"/>
+        <a:font script="Mong" typeface="Mongolian Baiti"/>
+        <a:font script="Viet" typeface="Times New Roman"/>
+        <a:font script="Uigh" typeface="Microsoft Uighur"/>
+        <a:font script="Geor" typeface="Sylfaen"/>
+        <a:font script="Armn" typeface="Arial"/>
+        <a:font script="Bugi" typeface="Leelawadee UI"/>
+        <a:font script="Bopo" typeface="Microsoft JhengHei"/>
+        <a:font script="Java" typeface="Javanese Text"/>
+        <a:font script="Lisu" typeface="Segoe UI"/>
+        <a:font script="Mymr" typeface="Myanmar Text"/>
+        <a:font script="Nkoo" typeface="Ebrima"/>
+        <a:font script="Olck" typeface="Nirmala UI"/>
+        <a:font script="Osma" typeface="Ebrima"/>
+        <a:font script="Phag" typeface="Phagspa"/>
+        <a:font script="Syrn" typeface="Estrangelo Edessa"/>
+        <a:font script="Syrj" typeface="Estrangelo Edessa"/>
+        <a:font script="Syre" typeface="Estrangelo Edessa"/>
+        <a:font script="Sora" typeface="Nirmala UI"/>
+        <a:font script="Tale" typeface="Microsoft Tai Le"/>
+        <a:font script="Talu" typeface="Microsoft New Tai Lue"/>
+        <a:font script="Tfng" typeface="Ebrima"/>
+      </a:majorFont>
+      <a:minorFont>
+        <a:latin typeface="Calibri" panose="020F0502020204030204"/>
+        <a:ea typeface=""/>
+        <a:cs typeface=""/>
+        <a:font script="Jpan" typeface="游ゴシック"/>
+        <a:font script="Hang" typeface="맑은 고딕"/>
+        <a:font script="Hans" typeface="等线"/>
+        <a:font script="Hant" typeface="新細明體"/>
+        <a:font script="Arab" typeface="Arial"/>
+        <a:font script="Hebr" typeface="Arial"/>
+        <a:font script="Thai" typeface="Cordia New"/>
+        <a:font script="Ethi" typeface="Nyala"/>
+        <a:font script="Beng" typeface="Vrinda"/>
+        <a:font script="Gujr" typeface="Shruti"/>
+        <a:font script="Khmr" typeface="DaunPenh"/>
+        <a:font script="Knda" typeface="Tunga"/>
+        <a:font script="Guru" typeface="Raavi"/>
+        <a:font script="Cans" typeface="Euphemia"/>
+        <a:font script="Cher" typeface="Plantagenet Cherokee"/>
+        <a:font script="Yiii" typeface="Microsoft Yi Baiti"/>
+        <a:font script="Tibt" typeface="Microsoft Himalaya"/>
+        <a:font script="Thaa" typeface="MV Boli"/>
+        <a:font script="Deva" typeface="Mangal"/>
+        <a:font script="Telu" typeface="Gautami"/>
+        <a:font script="Taml" typeface="Latha"/>
+        <a:font script="Syrc" typeface="Estrangelo Edessa"/>
+        <a:font script="Orya" typeface="Kalinga"/>
+        <a:font script="Mlym" typeface="Kartika"/>
+        <a:font script="Laoo" typeface="DokChampa"/>
+        <a:font script="Sinh" typeface="Iskoola Pota"/>
+        <a:font script="Mong" typeface="Mongolian Baiti"/>
+        <a:font script="Viet" typeface="Arial"/>
+        <a:font script="Uigh" typeface="Microsoft Uighur"/>
+        <a:font script="Geor" typeface="Sylfaen"/>
+        <a:font script="Armn" typeface="Arial"/>
+        <a:font script="Bugi" typeface="Leelawadee UI"/>
+        <a:font script="Bopo" typeface="Microsoft JhengHei"/>
+        <a:font script="Java" typeface="Javanese Text"/>
+        <a:font script="Lisu" typeface="Segoe UI"/>
+        <a:font script="Mymr" typeface="Myanmar Text"/>
+        <a:font script="Nkoo" typeface="Ebrima"/>
+        <a:font script="Olck" typeface="Nirmala UI"/>
+        <a:font script="Osma" typeface="Ebrima"/>
+        <a:font script="Phag" typeface="Phagspa"/>
+        <a:font script="Syrn" typeface="Estrangelo Edessa"/>
+        <a:font script="Syrj" typeface="Estrangelo Edessa"/>
+        <a:font script="Syre" typeface="Estrangelo Edessa"/>
+        <a:font script="Sora" typeface="Nirmala UI"/>
+        <a:font script="Tale" typeface="Microsoft Tai Le"/>
+        <a:font script="Talu" typeface="Microsoft New Tai Lue"/>
+        <a:font script="Tfng" typeface="Ebrima"/>
+      </a:minorFont>
+    </a:fontScheme>
+    <a:fmtScheme name="Office">
+      <a:fillStyleLst>
+        <a:solidFill>
+          <a:schemeClr val="phClr"/>
+        </a:solidFill>
+        <a:gradFill rotWithShape="1">
+          <a:gsLst>
+            <a:gs pos="0">
+              <a:schemeClr val="phClr">
+                <a:lumMod val="110000"/>
+                <a:satMod val="105000"/>
+                <a:tint val="67000"/>
+              </a:schemeClr>
+            </a:gs>
+            <a:gs pos="50000">
+              <a:schemeClr val="phClr">
+                <a:lumMod val="105000"/>
+                <a:satMod val="103000"/>
+                <a:tint val="73000"/>
+              </a:schemeClr>
+            </a:gs>
+            <a:gs pos="100000">
+              <a:schemeClr val="phClr">
+                <a:lumMod val="105000"/>
+                <a:satMod val="109000"/>
+                <a:tint val="81000"/>
+              </a:schemeClr>
+            </a:gs>
+          </a:gsLst>
+          <a:lin ang="5400000" scaled="0"/>
+        </a:gradFill>
+        <a:gradFill rotWithShape="1">
+          <a:gsLst>
+            <a:gs pos="0">
+              <a:schemeClr val="phClr">
+                <a:satMod val="103000"/>
+                <a:lumMod val="102000"/>
+                <a:tint val="94000"/>
+              </a:schemeClr>
+            </a:gs>
+            <a:gs pos="50000">
+              <a:schemeClr val="phClr">
+                <a:satMod val="110000"/>
+                <a:lumMod val="100000"/>
+                <a:shade val="100000"/>
+              </a:schemeClr>
+            </a:gs>
+            <a:gs pos="100000">
+              <a:schemeClr val="phClr">
+                <a:lumMod val="99000"/>
+                <a:satMod val="120000"/>
+                <a:shade val="78000"/>
+              </a:schemeClr>
+            </a:gs>
+          </a:gsLst>
+          <a:lin ang="5400000" scaled="0"/>
+        </a:gradFill>
+      </a:fillStyleLst>
+      <a:lnStyleLst>
+        <a:ln w="6350" cap="flat" cmpd="sng" algn="ctr">
+          <a:solidFill>
+            <a:schemeClr val="phClr"/>
+          </a:solidFill>
+          <a:prstDash val="solid"/>
+          <a:miter lim="800000"/>
+        </a:ln>
+        <a:ln w="12700" cap="flat" cmpd="sng" algn="ctr">
+          <a:solidFill>
+            <a:schemeClr val="phClr"/>
+          </a:solidFill>
+          <a:prstDash val="solid"/>
+          <a:miter lim="800000"/>
+        </a:ln>
+        <a:ln w="19050" cap="flat" cmpd="sng" algn="ctr">
+          <a:solidFill>
+            <a:schemeClr val="phClr"/>
+          </a:solidFill>
+          <a:prstDash val="solid"/>
+          <a:miter lim="800000"/>
+        </a:ln>
+      </a:lnStyleLst>
+      <a:effectStyleLst>
+        <a:effectStyle>
+          <a:effectLst/>
+        </a:effectStyle>
+        <a:effectStyle>
+          <a:effectLst/>
+        </a:effectStyle>
+        <a:effectStyle>
+          <a:effectLst>
+            <a:outerShdw blurRad="57150" dist="19050" dir="5400000" algn="ctr" rotWithShape="0">
+              <a:srgbClr val="000000">
+                <a:alpha val="63000"/>
+              </a:srgbClr>
+            </a:outerShdw>
+          </a:effectLst>
+        </a:effectStyle>
+      </a:effectStyleLst>
+      <a:bgFillStyleLst>
+        <a:solidFill>
+          <a:schemeClr val="phClr"/>
+        </a:solidFill>
+        <a:solidFill>
+          <a:schemeClr val="phClr">
+            <a:tint val="95000"/>
+            <a:satMod val="170000"/>
+          </a:schemeClr>
+        </a:solidFill>
+        <a:gradFill rotWithShape="1">
+          <a:gsLst>
+            <a:gs pos="0">
+              <a:schemeClr val="phClr">
+                <a:tint val="93000"/>
+                <a:satMod val="150000"/>
+                <a:shade val="98000"/>
+                <a:lumMod val="102000"/>
+              </a:schemeClr>
+            </a:gs>
+            <a:gs pos="50000">
+              <a:schemeClr val="phClr">
+                <a:tint val="98000"/>
+                <a:satMod val="130000"/>
+                <a:shade val="90000"/>
+                <a:lumMod val="103000"/>
+              </a:schemeClr>
+            </a:gs>
+            <a:gs pos="100000">
+              <a:schemeClr val="phClr">
+                <a:shade val="63000"/>
+                <a:satMod val="120000"/>
+              </a:schemeClr>
+            </a:gs>
+          </a:gsLst>
+          <a:lin ang="5400000" scaled="0"/>
+        </a:gradFill>
+      </a:bgFillStyleLst>
+    </a:fmtScheme>
+  </a:themeElements>
+  <a:objectDefaults/>
+  <a:extraClrSchemeLst/>
   <a:extLst>
     <a:ext uri="{05A4C25C-085E-4340-85A3-A5531E510DB2}">
       <thm15:themeFamily xmlns:thm15="http://schemas.microsoft.com/office/thememl/2012/main" name="Office Theme" id="{62F939B6-93AF-4DB8-9C6B-D6C7DFDC589F}" vid="{4A3C46E8-61CC-4603-A589-7422A47A8E4A}"/>

--- a/slides/L10 Decision_Table.pptx
+++ b/slides/L10 Decision_Table.pptx
@@ -3,22 +3,23 @@
 <p:presentation xmlns:a="http://schemas.openxmlformats.org/drawingml/2006/main" xmlns:r="http://schemas.openxmlformats.org/officeDocument/2006/relationships" xmlns:p="http://schemas.openxmlformats.org/presentationml/2006/main">
   <p:sldMasterIdLst>
     <p:sldMasterId id="2147483648" r:id="rId1"/>
-    <p:sldMasterId id="2147483660" r:id="rId2"/>
+    <p:sldMasterId id="2147483660" r:id="rId3"/>
   </p:sldMasterIdLst>
   <p:notesMasterIdLst>
-    <p:notesMasterId r:id="rId13"/>
+    <p:notesMasterId r:id="rId7"/>
   </p:notesMasterIdLst>
   <p:sldIdLst>
-    <p:sldId id="256" r:id="rId3"/>
-    <p:sldId id="266" r:id="rId4"/>
-    <p:sldId id="428" r:id="rId5"/>
-    <p:sldId id="289" r:id="rId6"/>
-    <p:sldId id="290" r:id="rId7"/>
-    <p:sldId id="291" r:id="rId8"/>
-    <p:sldId id="429" r:id="rId9"/>
-    <p:sldId id="430" r:id="rId10"/>
-    <p:sldId id="431" r:id="rId11"/>
-    <p:sldId id="432" r:id="rId12"/>
+    <p:sldId id="256" r:id="rId4"/>
+    <p:sldId id="266" r:id="rId5"/>
+    <p:sldId id="428" r:id="rId6"/>
+    <p:sldId id="289" r:id="rId8"/>
+    <p:sldId id="290" r:id="rId9"/>
+    <p:sldId id="291" r:id="rId10"/>
+    <p:sldId id="436" r:id="rId11"/>
+    <p:sldId id="429" r:id="rId12"/>
+    <p:sldId id="430" r:id="rId13"/>
+    <p:sldId id="431" r:id="rId14"/>
+    <p:sldId id="432" r:id="rId15"/>
   </p:sldIdLst>
   <p:sldSz cx="12192000" cy="6858000"/>
   <p:notesSz cx="6858000" cy="9144000"/>
@@ -117,11 +118,6 @@
       </a:defRPr>
     </a:lvl9pPr>
   </p:defaultTextStyle>
-  <p:extLst>
-    <p:ext uri="{EFAFB233-063F-42B5-8137-9DF3F51BA10A}">
-      <p15:sldGuideLst xmlns:p15="http://schemas.microsoft.com/office/powerpoint/2012/main"/>
-    </p:ext>
-  </p:extLst>
 </p:presentation>
 </file>
 
@@ -207,7 +203,6 @@
           <a:p>
             <a:fld id="{5339FDEF-668F-45A9-A9F8-B68CE527E227}" type="datetimeFigureOut">
               <a:rPr lang="en-US" smtClean="0"/>
-              <a:t>3/23/2024</a:t>
             </a:fld>
             <a:endParaRPr lang="en-US"/>
           </a:p>
@@ -274,6 +269,7 @@
               <a:rPr lang="en-US"/>
               <a:t>Click to edit Master text styles</a:t>
             </a:r>
+            <a:endParaRPr lang="en-US"/>
           </a:p>
           <a:p>
             <a:pPr lvl="1"/>
@@ -281,6 +277,7 @@
               <a:rPr lang="en-US"/>
               <a:t>Second level</a:t>
             </a:r>
+            <a:endParaRPr lang="en-US"/>
           </a:p>
           <a:p>
             <a:pPr lvl="2"/>
@@ -288,6 +285,7 @@
               <a:rPr lang="en-US"/>
               <a:t>Third level</a:t>
             </a:r>
+            <a:endParaRPr lang="en-US"/>
           </a:p>
           <a:p>
             <a:pPr lvl="3"/>
@@ -295,6 +293,7 @@
               <a:rPr lang="en-US"/>
               <a:t>Fourth level</a:t>
             </a:r>
+            <a:endParaRPr lang="en-US"/>
           </a:p>
           <a:p>
             <a:pPr lvl="4"/>
@@ -302,6 +301,7 @@
               <a:rPr lang="en-US"/>
               <a:t>Fifth level</a:t>
             </a:r>
+            <a:endParaRPr lang="en-US"/>
           </a:p>
         </p:txBody>
       </p:sp>
@@ -365,18 +365,12 @@
           <a:p>
             <a:fld id="{9F9CBFC2-AA24-479E-BE28-4DAFA56C692E}" type="slidenum">
               <a:rPr lang="en-US" smtClean="0"/>
-              <a:t>‹#›</a:t>
             </a:fld>
             <a:endParaRPr lang="en-US"/>
           </a:p>
         </p:txBody>
       </p:sp>
     </p:spTree>
-    <p:extLst>
-      <p:ext uri="{BB962C8B-B14F-4D97-AF65-F5344CB8AC3E}">
-        <p14:creationId xmlns:p14="http://schemas.microsoft.com/office/powerpoint/2010/main" val="3438659358"/>
-      </p:ext>
-    </p:extLst>
   </p:cSld>
   <p:clrMap bg1="lt1" tx1="dk1" bg2="lt2" tx2="dk2" accent1="accent1" accent2="accent2" accent3="accent3" accent4="accent4" accent5="accent5" accent6="accent6" hlink="hlink" folHlink="folHlink"/>
   <p:notesStyle>
@@ -1152,18 +1146,12 @@
           <a:p>
             <a:fld id="{9F9CBFC2-AA24-479E-BE28-4DAFA56C692E}" type="slidenum">
               <a:rPr lang="en-US" smtClean="0"/>
-              <a:t>3</a:t>
             </a:fld>
             <a:endParaRPr lang="en-US"/>
           </a:p>
         </p:txBody>
       </p:sp>
     </p:spTree>
-    <p:extLst>
-      <p:ext uri="{BB962C8B-B14F-4D97-AF65-F5344CB8AC3E}">
-        <p14:creationId xmlns:p14="http://schemas.microsoft.com/office/powerpoint/2010/main" val="2822158086"/>
-      </p:ext>
-    </p:extLst>
   </p:cSld>
   <p:clrMapOvr>
     <a:masterClrMapping/>
@@ -1216,6 +1204,7 @@
               <a:rPr lang="en-US"/>
               <a:t>Click to edit Master title style</a:t>
             </a:r>
+            <a:endParaRPr lang="en-US"/>
           </a:p>
         </p:txBody>
       </p:sp>
@@ -1280,6 +1269,7 @@
               <a:rPr lang="en-US"/>
               <a:t>Click to edit Master subtitle style</a:t>
             </a:r>
+            <a:endParaRPr lang="en-US"/>
           </a:p>
         </p:txBody>
       </p:sp>
@@ -1300,7 +1290,6 @@
           <a:p>
             <a:fld id="{A031C2FA-D942-43B6-B47C-5E6BD0C357D5}" type="datetimeFigureOut">
               <a:rPr lang="en-US" smtClean="0"/>
-              <a:t>3/23/2024</a:t>
             </a:fld>
             <a:endParaRPr lang="en-US"/>
           </a:p>
@@ -1342,7 +1331,6 @@
           <a:p>
             <a:fld id="{2A2D2A63-051C-40CA-B251-0B456D6FA9D3}" type="slidenum">
               <a:rPr lang="en-US" smtClean="0"/>
-              <a:t>‹#›</a:t>
             </a:fld>
             <a:endParaRPr lang="en-US"/>
           </a:p>
@@ -1392,6 +1380,7 @@
               <a:rPr lang="en-US"/>
               <a:t>Click to edit Master title style</a:t>
             </a:r>
+            <a:endParaRPr lang="en-US"/>
           </a:p>
         </p:txBody>
       </p:sp>
@@ -1415,6 +1404,7 @@
               <a:rPr lang="en-US"/>
               <a:t>Click to edit Master text styles</a:t>
             </a:r>
+            <a:endParaRPr lang="en-US"/>
           </a:p>
           <a:p>
             <a:pPr lvl="1"/>
@@ -1422,6 +1412,7 @@
               <a:rPr lang="en-US"/>
               <a:t>Second level</a:t>
             </a:r>
+            <a:endParaRPr lang="en-US"/>
           </a:p>
           <a:p>
             <a:pPr lvl="2"/>
@@ -1429,6 +1420,7 @@
               <a:rPr lang="en-US"/>
               <a:t>Third level</a:t>
             </a:r>
+            <a:endParaRPr lang="en-US"/>
           </a:p>
           <a:p>
             <a:pPr lvl="3"/>
@@ -1436,6 +1428,7 @@
               <a:rPr lang="en-US"/>
               <a:t>Fourth level</a:t>
             </a:r>
+            <a:endParaRPr lang="en-US"/>
           </a:p>
           <a:p>
             <a:pPr lvl="4"/>
@@ -1443,6 +1436,7 @@
               <a:rPr lang="en-US"/>
               <a:t>Fifth level</a:t>
             </a:r>
+            <a:endParaRPr lang="en-US"/>
           </a:p>
         </p:txBody>
       </p:sp>
@@ -1463,7 +1457,6 @@
           <a:p>
             <a:fld id="{A031C2FA-D942-43B6-B47C-5E6BD0C357D5}" type="datetimeFigureOut">
               <a:rPr lang="en-US" smtClean="0"/>
-              <a:t>3/23/2024</a:t>
             </a:fld>
             <a:endParaRPr lang="en-US"/>
           </a:p>
@@ -1505,7 +1498,6 @@
           <a:p>
             <a:fld id="{2A2D2A63-051C-40CA-B251-0B456D6FA9D3}" type="slidenum">
               <a:rPr lang="en-US" smtClean="0"/>
-              <a:t>‹#›</a:t>
             </a:fld>
             <a:endParaRPr lang="en-US"/>
           </a:p>
@@ -1560,6 +1552,7 @@
               <a:rPr lang="en-US"/>
               <a:t>Click to edit Master title style</a:t>
             </a:r>
+            <a:endParaRPr lang="en-US"/>
           </a:p>
         </p:txBody>
       </p:sp>
@@ -1588,6 +1581,7 @@
               <a:rPr lang="en-US"/>
               <a:t>Click to edit Master text styles</a:t>
             </a:r>
+            <a:endParaRPr lang="en-US"/>
           </a:p>
           <a:p>
             <a:pPr lvl="1"/>
@@ -1595,6 +1589,7 @@
               <a:rPr lang="en-US"/>
               <a:t>Second level</a:t>
             </a:r>
+            <a:endParaRPr lang="en-US"/>
           </a:p>
           <a:p>
             <a:pPr lvl="2"/>
@@ -1602,6 +1597,7 @@
               <a:rPr lang="en-US"/>
               <a:t>Third level</a:t>
             </a:r>
+            <a:endParaRPr lang="en-US"/>
           </a:p>
           <a:p>
             <a:pPr lvl="3"/>
@@ -1609,6 +1605,7 @@
               <a:rPr lang="en-US"/>
               <a:t>Fourth level</a:t>
             </a:r>
+            <a:endParaRPr lang="en-US"/>
           </a:p>
           <a:p>
             <a:pPr lvl="4"/>
@@ -1616,6 +1613,7 @@
               <a:rPr lang="en-US"/>
               <a:t>Fifth level</a:t>
             </a:r>
+            <a:endParaRPr lang="en-US"/>
           </a:p>
         </p:txBody>
       </p:sp>
@@ -1636,7 +1634,6 @@
           <a:p>
             <a:fld id="{A031C2FA-D942-43B6-B47C-5E6BD0C357D5}" type="datetimeFigureOut">
               <a:rPr lang="en-US" smtClean="0"/>
-              <a:t>3/23/2024</a:t>
             </a:fld>
             <a:endParaRPr lang="en-US"/>
           </a:p>
@@ -1678,7 +1675,6 @@
           <a:p>
             <a:fld id="{2A2D2A63-051C-40CA-B251-0B456D6FA9D3}" type="slidenum">
               <a:rPr lang="en-US" smtClean="0"/>
-              <a:t>‹#›</a:t>
             </a:fld>
             <a:endParaRPr lang="en-US"/>
           </a:p>
@@ -1733,6 +1729,7 @@
               <a:rPr lang="en-US"/>
               <a:t>Click to edit Master title style</a:t>
             </a:r>
+            <a:endParaRPr lang="en-US"/>
           </a:p>
         </p:txBody>
       </p:sp>
@@ -1851,6 +1848,7 @@
               <a:rPr lang="en-US"/>
               <a:t>Click to edit Master subtitle style</a:t>
             </a:r>
+            <a:endParaRPr lang="en-US"/>
           </a:p>
         </p:txBody>
       </p:sp>
@@ -1874,7 +1872,6 @@
             </a:pPr>
             <a:fld id="{B42C9122-BF34-435C-A61B-D2201D289E11}" type="datetimeFigureOut">
               <a:rPr lang="en-US" smtClean="0"/>
-              <a:t>3/23/2024</a:t>
             </a:fld>
             <a:endParaRPr lang="en-US"/>
           </a:p>
@@ -1922,7 +1919,6 @@
             </a:pPr>
             <a:fld id="{9A0DB2DC-4C9A-4742-B13C-FB6460FD3503}" type="slidenum">
               <a:rPr lang="en-US" dirty="0"/>
-              <a:t>‹#›</a:t>
             </a:fld>
             <a:endParaRPr lang="en-US" dirty="0">
               <a:latin typeface="Arial" panose="020B0604020202020204" pitchFamily="34" charset="0"/>
@@ -1974,6 +1970,7 @@
               <a:rPr lang="en-US"/>
               <a:t>Click to edit Master title style</a:t>
             </a:r>
+            <a:endParaRPr lang="en-US"/>
           </a:p>
         </p:txBody>
       </p:sp>
@@ -1997,6 +1994,7 @@
               <a:rPr lang="en-US"/>
               <a:t>Click to edit Master text styles</a:t>
             </a:r>
+            <a:endParaRPr lang="en-US"/>
           </a:p>
           <a:p>
             <a:pPr lvl="1"/>
@@ -2004,6 +2002,7 @@
               <a:rPr lang="en-US"/>
               <a:t>Second level</a:t>
             </a:r>
+            <a:endParaRPr lang="en-US"/>
           </a:p>
           <a:p>
             <a:pPr lvl="2"/>
@@ -2011,6 +2010,7 @@
               <a:rPr lang="en-US"/>
               <a:t>Third level</a:t>
             </a:r>
+            <a:endParaRPr lang="en-US"/>
           </a:p>
           <a:p>
             <a:pPr lvl="3"/>
@@ -2018,6 +2018,7 @@
               <a:rPr lang="en-US"/>
               <a:t>Fourth level</a:t>
             </a:r>
+            <a:endParaRPr lang="en-US"/>
           </a:p>
           <a:p>
             <a:pPr lvl="4"/>
@@ -2025,6 +2026,7 @@
               <a:rPr lang="en-US"/>
               <a:t>Fifth level</a:t>
             </a:r>
+            <a:endParaRPr lang="en-US"/>
           </a:p>
         </p:txBody>
       </p:sp>
@@ -2048,7 +2050,6 @@
             </a:pPr>
             <a:fld id="{B42C9122-BF34-435C-A61B-D2201D289E11}" type="datetimeFigureOut">
               <a:rPr lang="en-US" smtClean="0"/>
-              <a:t>3/23/2024</a:t>
             </a:fld>
             <a:endParaRPr lang="en-US"/>
           </a:p>
@@ -2096,7 +2097,6 @@
             </a:pPr>
             <a:fld id="{9A0DB2DC-4C9A-4742-B13C-FB6460FD3503}" type="slidenum">
               <a:rPr lang="en-US" dirty="0"/>
-              <a:t>‹#›</a:t>
             </a:fld>
             <a:endParaRPr lang="en-US" dirty="0">
               <a:latin typeface="Arial" panose="020B0604020202020204" pitchFamily="34" charset="0"/>
@@ -2157,6 +2157,7 @@
               <a:rPr lang="en-US"/>
               <a:t>Click to edit Master title style</a:t>
             </a:r>
+            <a:endParaRPr lang="en-US"/>
           </a:p>
         </p:txBody>
       </p:sp>
@@ -2276,6 +2277,7 @@
               <a:rPr lang="en-US"/>
               <a:t>Click to edit Master text styles</a:t>
             </a:r>
+            <a:endParaRPr lang="en-US"/>
           </a:p>
         </p:txBody>
       </p:sp>
@@ -2299,7 +2301,6 @@
             </a:pPr>
             <a:fld id="{B42C9122-BF34-435C-A61B-D2201D289E11}" type="datetimeFigureOut">
               <a:rPr lang="en-US" smtClean="0"/>
-              <a:t>3/23/2024</a:t>
             </a:fld>
             <a:endParaRPr lang="en-US"/>
           </a:p>
@@ -2347,7 +2348,6 @@
             </a:pPr>
             <a:fld id="{9A0DB2DC-4C9A-4742-B13C-FB6460FD3503}" type="slidenum">
               <a:rPr lang="en-US" dirty="0"/>
-              <a:t>‹#›</a:t>
             </a:fld>
             <a:endParaRPr lang="en-US" dirty="0">
               <a:latin typeface="Arial" panose="020B0604020202020204" pitchFamily="34" charset="0"/>
@@ -2399,6 +2399,7 @@
               <a:rPr lang="en-US"/>
               <a:t>Click to edit Master title style</a:t>
             </a:r>
+            <a:endParaRPr lang="en-US"/>
           </a:p>
         </p:txBody>
       </p:sp>
@@ -2455,6 +2456,7 @@
               <a:rPr lang="en-US"/>
               <a:t>Click to edit Master text styles</a:t>
             </a:r>
+            <a:endParaRPr lang="en-US"/>
           </a:p>
           <a:p>
             <a:pPr lvl="1"/>
@@ -2462,6 +2464,7 @@
               <a:rPr lang="en-US"/>
               <a:t>Second level</a:t>
             </a:r>
+            <a:endParaRPr lang="en-US"/>
           </a:p>
           <a:p>
             <a:pPr lvl="2"/>
@@ -2469,6 +2472,7 @@
               <a:rPr lang="en-US"/>
               <a:t>Third level</a:t>
             </a:r>
+            <a:endParaRPr lang="en-US"/>
           </a:p>
           <a:p>
             <a:pPr lvl="3"/>
@@ -2476,6 +2480,7 @@
               <a:rPr lang="en-US"/>
               <a:t>Fourth level</a:t>
             </a:r>
+            <a:endParaRPr lang="en-US"/>
           </a:p>
           <a:p>
             <a:pPr lvl="4"/>
@@ -2483,6 +2488,7 @@
               <a:rPr lang="en-US"/>
               <a:t>Fifth level</a:t>
             </a:r>
+            <a:endParaRPr lang="en-US"/>
           </a:p>
         </p:txBody>
       </p:sp>
@@ -2539,6 +2545,7 @@
               <a:rPr lang="en-US"/>
               <a:t>Click to edit Master text styles</a:t>
             </a:r>
+            <a:endParaRPr lang="en-US"/>
           </a:p>
           <a:p>
             <a:pPr lvl="1"/>
@@ -2546,6 +2553,7 @@
               <a:rPr lang="en-US"/>
               <a:t>Second level</a:t>
             </a:r>
+            <a:endParaRPr lang="en-US"/>
           </a:p>
           <a:p>
             <a:pPr lvl="2"/>
@@ -2553,6 +2561,7 @@
               <a:rPr lang="en-US"/>
               <a:t>Third level</a:t>
             </a:r>
+            <a:endParaRPr lang="en-US"/>
           </a:p>
           <a:p>
             <a:pPr lvl="3"/>
@@ -2560,6 +2569,7 @@
               <a:rPr lang="en-US"/>
               <a:t>Fourth level</a:t>
             </a:r>
+            <a:endParaRPr lang="en-US"/>
           </a:p>
           <a:p>
             <a:pPr lvl="4"/>
@@ -2567,6 +2577,7 @@
               <a:rPr lang="en-US"/>
               <a:t>Fifth level</a:t>
             </a:r>
+            <a:endParaRPr lang="en-US"/>
           </a:p>
         </p:txBody>
       </p:sp>
@@ -2590,7 +2601,6 @@
             </a:pPr>
             <a:fld id="{B42C9122-BF34-435C-A61B-D2201D289E11}" type="datetimeFigureOut">
               <a:rPr lang="en-US" smtClean="0"/>
-              <a:t>3/23/2024</a:t>
             </a:fld>
             <a:endParaRPr lang="en-US"/>
           </a:p>
@@ -2638,7 +2648,6 @@
             </a:pPr>
             <a:fld id="{9A0DB2DC-4C9A-4742-B13C-FB6460FD3503}" type="slidenum">
               <a:rPr lang="en-US" dirty="0"/>
-              <a:t>‹#›</a:t>
             </a:fld>
             <a:endParaRPr lang="en-US" dirty="0">
               <a:latin typeface="Arial" panose="020B0604020202020204" pitchFamily="34" charset="0"/>
@@ -2694,6 +2703,7 @@
               <a:rPr lang="en-US"/>
               <a:t>Click to edit Master title style</a:t>
             </a:r>
+            <a:endParaRPr lang="en-US"/>
           </a:p>
         </p:txBody>
       </p:sp>
@@ -2759,6 +2769,7 @@
               <a:rPr lang="en-US"/>
               <a:t>Click to edit Master text styles</a:t>
             </a:r>
+            <a:endParaRPr lang="en-US"/>
           </a:p>
         </p:txBody>
       </p:sp>
@@ -2815,6 +2826,7 @@
               <a:rPr lang="en-US"/>
               <a:t>Click to edit Master text styles</a:t>
             </a:r>
+            <a:endParaRPr lang="en-US"/>
           </a:p>
           <a:p>
             <a:pPr lvl="1"/>
@@ -2822,6 +2834,7 @@
               <a:rPr lang="en-US"/>
               <a:t>Second level</a:t>
             </a:r>
+            <a:endParaRPr lang="en-US"/>
           </a:p>
           <a:p>
             <a:pPr lvl="2"/>
@@ -2829,6 +2842,7 @@
               <a:rPr lang="en-US"/>
               <a:t>Third level</a:t>
             </a:r>
+            <a:endParaRPr lang="en-US"/>
           </a:p>
           <a:p>
             <a:pPr lvl="3"/>
@@ -2836,6 +2850,7 @@
               <a:rPr lang="en-US"/>
               <a:t>Fourth level</a:t>
             </a:r>
+            <a:endParaRPr lang="en-US"/>
           </a:p>
           <a:p>
             <a:pPr lvl="4"/>
@@ -2843,6 +2858,7 @@
               <a:rPr lang="en-US"/>
               <a:t>Fifth level</a:t>
             </a:r>
+            <a:endParaRPr lang="en-US"/>
           </a:p>
         </p:txBody>
       </p:sp>
@@ -2908,6 +2924,7 @@
               <a:rPr lang="en-US"/>
               <a:t>Click to edit Master text styles</a:t>
             </a:r>
+            <a:endParaRPr lang="en-US"/>
           </a:p>
         </p:txBody>
       </p:sp>
@@ -2964,6 +2981,7 @@
               <a:rPr lang="en-US"/>
               <a:t>Click to edit Master text styles</a:t>
             </a:r>
+            <a:endParaRPr lang="en-US"/>
           </a:p>
           <a:p>
             <a:pPr lvl="1"/>
@@ -2971,6 +2989,7 @@
               <a:rPr lang="en-US"/>
               <a:t>Second level</a:t>
             </a:r>
+            <a:endParaRPr lang="en-US"/>
           </a:p>
           <a:p>
             <a:pPr lvl="2"/>
@@ -2978,6 +2997,7 @@
               <a:rPr lang="en-US"/>
               <a:t>Third level</a:t>
             </a:r>
+            <a:endParaRPr lang="en-US"/>
           </a:p>
           <a:p>
             <a:pPr lvl="3"/>
@@ -2985,6 +3005,7 @@
               <a:rPr lang="en-US"/>
               <a:t>Fourth level</a:t>
             </a:r>
+            <a:endParaRPr lang="en-US"/>
           </a:p>
           <a:p>
             <a:pPr lvl="4"/>
@@ -2992,6 +3013,7 @@
               <a:rPr lang="en-US"/>
               <a:t>Fifth level</a:t>
             </a:r>
+            <a:endParaRPr lang="en-US"/>
           </a:p>
         </p:txBody>
       </p:sp>
@@ -3015,7 +3037,6 @@
             </a:pPr>
             <a:fld id="{B42C9122-BF34-435C-A61B-D2201D289E11}" type="datetimeFigureOut">
               <a:rPr lang="en-US" smtClean="0"/>
-              <a:t>3/23/2024</a:t>
             </a:fld>
             <a:endParaRPr lang="en-US"/>
           </a:p>
@@ -3063,7 +3084,6 @@
             </a:pPr>
             <a:fld id="{9A0DB2DC-4C9A-4742-B13C-FB6460FD3503}" type="slidenum">
               <a:rPr lang="en-US" dirty="0"/>
-              <a:t>‹#›</a:t>
             </a:fld>
             <a:endParaRPr lang="en-US" dirty="0">
               <a:latin typeface="Arial" panose="020B0604020202020204" pitchFamily="34" charset="0"/>
@@ -3115,6 +3135,7 @@
               <a:rPr lang="en-US"/>
               <a:t>Click to edit Master title style</a:t>
             </a:r>
+            <a:endParaRPr lang="en-US"/>
           </a:p>
         </p:txBody>
       </p:sp>
@@ -3138,7 +3159,6 @@
             </a:pPr>
             <a:fld id="{B42C9122-BF34-435C-A61B-D2201D289E11}" type="datetimeFigureOut">
               <a:rPr lang="en-US" smtClean="0"/>
-              <a:t>3/23/2024</a:t>
             </a:fld>
             <a:endParaRPr lang="en-US"/>
           </a:p>
@@ -3186,7 +3206,6 @@
             </a:pPr>
             <a:fld id="{9A0DB2DC-4C9A-4742-B13C-FB6460FD3503}" type="slidenum">
               <a:rPr lang="en-US" dirty="0"/>
-              <a:t>‹#›</a:t>
             </a:fld>
             <a:endParaRPr lang="en-US" dirty="0">
               <a:latin typeface="Arial" panose="020B0604020202020204" pitchFamily="34" charset="0"/>
@@ -3239,7 +3258,6 @@
             </a:pPr>
             <a:fld id="{B42C9122-BF34-435C-A61B-D2201D289E11}" type="datetimeFigureOut">
               <a:rPr lang="en-US" smtClean="0"/>
-              <a:t>3/23/2024</a:t>
             </a:fld>
             <a:endParaRPr lang="en-US"/>
           </a:p>
@@ -3287,7 +3305,6 @@
             </a:pPr>
             <a:fld id="{9A0DB2DC-4C9A-4742-B13C-FB6460FD3503}" type="slidenum">
               <a:rPr lang="en-US" dirty="0"/>
-              <a:t>‹#›</a:t>
             </a:fld>
             <a:endParaRPr lang="en-US" dirty="0">
               <a:latin typeface="Arial" panose="020B0604020202020204" pitchFamily="34" charset="0"/>
@@ -3348,6 +3365,7 @@
               <a:rPr lang="en-US"/>
               <a:t>Click to edit Master title style</a:t>
             </a:r>
+            <a:endParaRPr lang="en-US"/>
           </a:p>
         </p:txBody>
       </p:sp>
@@ -3404,6 +3422,7 @@
               <a:rPr lang="en-US"/>
               <a:t>Click to edit Master text styles</a:t>
             </a:r>
+            <a:endParaRPr lang="en-US"/>
           </a:p>
           <a:p>
             <a:pPr lvl="1"/>
@@ -3411,6 +3430,7 @@
               <a:rPr lang="en-US"/>
               <a:t>Second level</a:t>
             </a:r>
+            <a:endParaRPr lang="en-US"/>
           </a:p>
           <a:p>
             <a:pPr lvl="2"/>
@@ -3418,6 +3438,7 @@
               <a:rPr lang="en-US"/>
               <a:t>Third level</a:t>
             </a:r>
+            <a:endParaRPr lang="en-US"/>
           </a:p>
           <a:p>
             <a:pPr lvl="3"/>
@@ -3425,6 +3446,7 @@
               <a:rPr lang="en-US"/>
               <a:t>Fourth level</a:t>
             </a:r>
+            <a:endParaRPr lang="en-US"/>
           </a:p>
           <a:p>
             <a:pPr lvl="4"/>
@@ -3432,6 +3454,7 @@
               <a:rPr lang="en-US"/>
               <a:t>Fifth level</a:t>
             </a:r>
+            <a:endParaRPr lang="en-US"/>
           </a:p>
         </p:txBody>
       </p:sp>
@@ -3497,6 +3520,7 @@
               <a:rPr lang="en-US"/>
               <a:t>Click to edit Master text styles</a:t>
             </a:r>
+            <a:endParaRPr lang="en-US"/>
           </a:p>
         </p:txBody>
       </p:sp>
@@ -3520,7 +3544,6 @@
             </a:pPr>
             <a:fld id="{B42C9122-BF34-435C-A61B-D2201D289E11}" type="datetimeFigureOut">
               <a:rPr lang="en-US" smtClean="0"/>
-              <a:t>3/23/2024</a:t>
             </a:fld>
             <a:endParaRPr lang="en-US"/>
           </a:p>
@@ -3568,7 +3591,6 @@
             </a:pPr>
             <a:fld id="{9A0DB2DC-4C9A-4742-B13C-FB6460FD3503}" type="slidenum">
               <a:rPr lang="en-US" dirty="0"/>
-              <a:t>‹#›</a:t>
             </a:fld>
             <a:endParaRPr lang="en-US" dirty="0">
               <a:latin typeface="Arial" panose="020B0604020202020204" pitchFamily="34" charset="0"/>
@@ -3620,6 +3642,7 @@
               <a:rPr lang="en-US"/>
               <a:t>Click to edit Master title style</a:t>
             </a:r>
+            <a:endParaRPr lang="en-US"/>
           </a:p>
         </p:txBody>
       </p:sp>
@@ -3643,6 +3666,7 @@
               <a:rPr lang="en-US"/>
               <a:t>Click to edit Master text styles</a:t>
             </a:r>
+            <a:endParaRPr lang="en-US"/>
           </a:p>
           <a:p>
             <a:pPr lvl="1"/>
@@ -3650,6 +3674,7 @@
               <a:rPr lang="en-US"/>
               <a:t>Second level</a:t>
             </a:r>
+            <a:endParaRPr lang="en-US"/>
           </a:p>
           <a:p>
             <a:pPr lvl="2"/>
@@ -3657,6 +3682,7 @@
               <a:rPr lang="en-US"/>
               <a:t>Third level</a:t>
             </a:r>
+            <a:endParaRPr lang="en-US"/>
           </a:p>
           <a:p>
             <a:pPr lvl="3"/>
@@ -3664,6 +3690,7 @@
               <a:rPr lang="en-US"/>
               <a:t>Fourth level</a:t>
             </a:r>
+            <a:endParaRPr lang="en-US"/>
           </a:p>
           <a:p>
             <a:pPr lvl="4"/>
@@ -3671,6 +3698,7 @@
               <a:rPr lang="en-US"/>
               <a:t>Fifth level</a:t>
             </a:r>
+            <a:endParaRPr lang="en-US"/>
           </a:p>
         </p:txBody>
       </p:sp>
@@ -3691,7 +3719,6 @@
           <a:p>
             <a:fld id="{A031C2FA-D942-43B6-B47C-5E6BD0C357D5}" type="datetimeFigureOut">
               <a:rPr lang="en-US" smtClean="0"/>
-              <a:t>3/23/2024</a:t>
             </a:fld>
             <a:endParaRPr lang="en-US"/>
           </a:p>
@@ -3733,7 +3760,6 @@
           <a:p>
             <a:fld id="{2A2D2A63-051C-40CA-B251-0B456D6FA9D3}" type="slidenum">
               <a:rPr lang="en-US" smtClean="0"/>
-              <a:t>‹#›</a:t>
             </a:fld>
             <a:endParaRPr lang="en-US"/>
           </a:p>
@@ -3792,6 +3818,7 @@
               <a:rPr lang="en-US"/>
               <a:t>Click to edit Master title style</a:t>
             </a:r>
+            <a:endParaRPr lang="en-US"/>
           </a:p>
         </p:txBody>
       </p:sp>
@@ -3949,6 +3976,7 @@
               <a:rPr lang="en-US"/>
               <a:t>Click to edit Master text styles</a:t>
             </a:r>
+            <a:endParaRPr lang="en-US"/>
           </a:p>
         </p:txBody>
       </p:sp>
@@ -3972,7 +4000,6 @@
             </a:pPr>
             <a:fld id="{B42C9122-BF34-435C-A61B-D2201D289E11}" type="datetimeFigureOut">
               <a:rPr lang="en-US" smtClean="0"/>
-              <a:t>3/23/2024</a:t>
             </a:fld>
             <a:endParaRPr lang="en-US"/>
           </a:p>
@@ -4020,7 +4047,6 @@
             </a:pPr>
             <a:fld id="{9A0DB2DC-4C9A-4742-B13C-FB6460FD3503}" type="slidenum">
               <a:rPr lang="en-US" dirty="0"/>
-              <a:t>‹#›</a:t>
             </a:fld>
             <a:endParaRPr lang="en-US" dirty="0">
               <a:latin typeface="Arial" panose="020B0604020202020204" pitchFamily="34" charset="0"/>
@@ -4072,6 +4098,7 @@
               <a:rPr lang="en-US"/>
               <a:t>Click to edit Master title style</a:t>
             </a:r>
+            <a:endParaRPr lang="en-US"/>
           </a:p>
         </p:txBody>
       </p:sp>
@@ -4095,6 +4122,7 @@
               <a:rPr lang="en-US"/>
               <a:t>Click to edit Master text styles</a:t>
             </a:r>
+            <a:endParaRPr lang="en-US"/>
           </a:p>
           <a:p>
             <a:pPr lvl="1"/>
@@ -4102,6 +4130,7 @@
               <a:rPr lang="en-US"/>
               <a:t>Second level</a:t>
             </a:r>
+            <a:endParaRPr lang="en-US"/>
           </a:p>
           <a:p>
             <a:pPr lvl="2"/>
@@ -4109,6 +4138,7 @@
               <a:rPr lang="en-US"/>
               <a:t>Third level</a:t>
             </a:r>
+            <a:endParaRPr lang="en-US"/>
           </a:p>
           <a:p>
             <a:pPr lvl="3"/>
@@ -4116,6 +4146,7 @@
               <a:rPr lang="en-US"/>
               <a:t>Fourth level</a:t>
             </a:r>
+            <a:endParaRPr lang="en-US"/>
           </a:p>
           <a:p>
             <a:pPr lvl="4"/>
@@ -4123,6 +4154,7 @@
               <a:rPr lang="en-US"/>
               <a:t>Fifth level</a:t>
             </a:r>
+            <a:endParaRPr lang="en-US"/>
           </a:p>
         </p:txBody>
       </p:sp>
@@ -4146,7 +4178,6 @@
             </a:pPr>
             <a:fld id="{B42C9122-BF34-435C-A61B-D2201D289E11}" type="datetimeFigureOut">
               <a:rPr lang="en-US" smtClean="0"/>
-              <a:t>3/23/2024</a:t>
             </a:fld>
             <a:endParaRPr lang="en-US"/>
           </a:p>
@@ -4194,7 +4225,6 @@
             </a:pPr>
             <a:fld id="{9A0DB2DC-4C9A-4742-B13C-FB6460FD3503}" type="slidenum">
               <a:rPr lang="en-US" dirty="0"/>
-              <a:t>‹#›</a:t>
             </a:fld>
             <a:endParaRPr lang="en-US" dirty="0">
               <a:latin typeface="Arial" panose="020B0604020202020204" pitchFamily="34" charset="0"/>
@@ -4251,6 +4281,7 @@
               <a:rPr lang="en-US"/>
               <a:t>Click to edit Master title style</a:t>
             </a:r>
+            <a:endParaRPr lang="en-US"/>
           </a:p>
         </p:txBody>
       </p:sp>
@@ -4279,6 +4310,7 @@
               <a:rPr lang="en-US"/>
               <a:t>Click to edit Master text styles</a:t>
             </a:r>
+            <a:endParaRPr lang="en-US"/>
           </a:p>
           <a:p>
             <a:pPr lvl="1"/>
@@ -4286,6 +4318,7 @@
               <a:rPr lang="en-US"/>
               <a:t>Second level</a:t>
             </a:r>
+            <a:endParaRPr lang="en-US"/>
           </a:p>
           <a:p>
             <a:pPr lvl="2"/>
@@ -4293,6 +4326,7 @@
               <a:rPr lang="en-US"/>
               <a:t>Third level</a:t>
             </a:r>
+            <a:endParaRPr lang="en-US"/>
           </a:p>
           <a:p>
             <a:pPr lvl="3"/>
@@ -4300,6 +4334,7 @@
               <a:rPr lang="en-US"/>
               <a:t>Fourth level</a:t>
             </a:r>
+            <a:endParaRPr lang="en-US"/>
           </a:p>
           <a:p>
             <a:pPr lvl="4"/>
@@ -4307,6 +4342,7 @@
               <a:rPr lang="en-US"/>
               <a:t>Fifth level</a:t>
             </a:r>
+            <a:endParaRPr lang="en-US"/>
           </a:p>
         </p:txBody>
       </p:sp>
@@ -4330,7 +4366,6 @@
             </a:pPr>
             <a:fld id="{B42C9122-BF34-435C-A61B-D2201D289E11}" type="datetimeFigureOut">
               <a:rPr lang="en-US" smtClean="0"/>
-              <a:t>3/23/2024</a:t>
             </a:fld>
             <a:endParaRPr lang="en-US"/>
           </a:p>
@@ -4378,7 +4413,6 @@
             </a:pPr>
             <a:fld id="{9A0DB2DC-4C9A-4742-B13C-FB6460FD3503}" type="slidenum">
               <a:rPr lang="en-US" dirty="0"/>
-              <a:t>‹#›</a:t>
             </a:fld>
             <a:endParaRPr lang="en-US" dirty="0">
               <a:latin typeface="Arial" panose="020B0604020202020204" pitchFamily="34" charset="0"/>
@@ -4435,6 +4469,7 @@
               <a:rPr lang="en-US"/>
               <a:t>Click to edit Master title style</a:t>
             </a:r>
+            <a:endParaRPr lang="en-US"/>
           </a:p>
         </p:txBody>
       </p:sp>
@@ -4513,7 +4548,6 @@
             </a:pPr>
             <a:fld id="{7C4DD920-A025-458A-B9E0-08028F96DEC1}" type="datetime1">
               <a:rPr lang="en-US" sz="900" smtClean="0"/>
-              <a:t>3/23/2024</a:t>
             </a:fld>
             <a:endParaRPr lang="en-US" sz="900"/>
           </a:p>
@@ -4541,6 +4575,7 @@
               <a:rPr lang="en-US" sz="900"/>
               <a:t>Black Box Testing</a:t>
             </a:r>
+            <a:endParaRPr lang="en-US" sz="900"/>
           </a:p>
         </p:txBody>
       </p:sp>
@@ -4582,7 +4617,6 @@
                 </a:solidFill>
                 <a:latin typeface="+mn-lt"/>
               </a:rPr>
-              <a:t>‹#›</a:t>
             </a:fld>
             <a:endParaRPr lang="en-US" altLang="en-US" sz="900">
               <a:solidFill>
@@ -4648,6 +4682,7 @@
               <a:rPr lang="en-US"/>
               <a:t>Click to edit Master title style</a:t>
             </a:r>
+            <a:endParaRPr lang="en-US"/>
           </a:p>
         </p:txBody>
       </p:sp>
@@ -4767,6 +4802,7 @@
               <a:rPr lang="en-US"/>
               <a:t>Click to edit Master text styles</a:t>
             </a:r>
+            <a:endParaRPr lang="en-US"/>
           </a:p>
         </p:txBody>
       </p:sp>
@@ -4787,7 +4823,6 @@
           <a:p>
             <a:fld id="{A031C2FA-D942-43B6-B47C-5E6BD0C357D5}" type="datetimeFigureOut">
               <a:rPr lang="en-US" smtClean="0"/>
-              <a:t>3/23/2024</a:t>
             </a:fld>
             <a:endParaRPr lang="en-US"/>
           </a:p>
@@ -4829,7 +4864,6 @@
           <a:p>
             <a:fld id="{2A2D2A63-051C-40CA-B251-0B456D6FA9D3}" type="slidenum">
               <a:rPr lang="en-US" smtClean="0"/>
-              <a:t>‹#›</a:t>
             </a:fld>
             <a:endParaRPr lang="en-US"/>
           </a:p>
@@ -4879,6 +4913,7 @@
               <a:rPr lang="en-US"/>
               <a:t>Click to edit Master title style</a:t>
             </a:r>
+            <a:endParaRPr lang="en-US"/>
           </a:p>
         </p:txBody>
       </p:sp>
@@ -4907,6 +4942,7 @@
               <a:rPr lang="en-US"/>
               <a:t>Click to edit Master text styles</a:t>
             </a:r>
+            <a:endParaRPr lang="en-US"/>
           </a:p>
           <a:p>
             <a:pPr lvl="1"/>
@@ -4914,6 +4950,7 @@
               <a:rPr lang="en-US"/>
               <a:t>Second level</a:t>
             </a:r>
+            <a:endParaRPr lang="en-US"/>
           </a:p>
           <a:p>
             <a:pPr lvl="2"/>
@@ -4921,6 +4958,7 @@
               <a:rPr lang="en-US"/>
               <a:t>Third level</a:t>
             </a:r>
+            <a:endParaRPr lang="en-US"/>
           </a:p>
           <a:p>
             <a:pPr lvl="3"/>
@@ -4928,6 +4966,7 @@
               <a:rPr lang="en-US"/>
               <a:t>Fourth level</a:t>
             </a:r>
+            <a:endParaRPr lang="en-US"/>
           </a:p>
           <a:p>
             <a:pPr lvl="4"/>
@@ -4935,6 +4974,7 @@
               <a:rPr lang="en-US"/>
               <a:t>Fifth level</a:t>
             </a:r>
+            <a:endParaRPr lang="en-US"/>
           </a:p>
         </p:txBody>
       </p:sp>
@@ -4963,6 +5003,7 @@
               <a:rPr lang="en-US"/>
               <a:t>Click to edit Master text styles</a:t>
             </a:r>
+            <a:endParaRPr lang="en-US"/>
           </a:p>
           <a:p>
             <a:pPr lvl="1"/>
@@ -4970,6 +5011,7 @@
               <a:rPr lang="en-US"/>
               <a:t>Second level</a:t>
             </a:r>
+            <a:endParaRPr lang="en-US"/>
           </a:p>
           <a:p>
             <a:pPr lvl="2"/>
@@ -4977,6 +5019,7 @@
               <a:rPr lang="en-US"/>
               <a:t>Third level</a:t>
             </a:r>
+            <a:endParaRPr lang="en-US"/>
           </a:p>
           <a:p>
             <a:pPr lvl="3"/>
@@ -4984,6 +5027,7 @@
               <a:rPr lang="en-US"/>
               <a:t>Fourth level</a:t>
             </a:r>
+            <a:endParaRPr lang="en-US"/>
           </a:p>
           <a:p>
             <a:pPr lvl="4"/>
@@ -4991,6 +5035,7 @@
               <a:rPr lang="en-US"/>
               <a:t>Fifth level</a:t>
             </a:r>
+            <a:endParaRPr lang="en-US"/>
           </a:p>
         </p:txBody>
       </p:sp>
@@ -5011,7 +5056,6 @@
           <a:p>
             <a:fld id="{A031C2FA-D942-43B6-B47C-5E6BD0C357D5}" type="datetimeFigureOut">
               <a:rPr lang="en-US" smtClean="0"/>
-              <a:t>3/23/2024</a:t>
             </a:fld>
             <a:endParaRPr lang="en-US"/>
           </a:p>
@@ -5053,7 +5097,6 @@
           <a:p>
             <a:fld id="{2A2D2A63-051C-40CA-B251-0B456D6FA9D3}" type="slidenum">
               <a:rPr lang="en-US" smtClean="0"/>
-              <a:t>‹#›</a:t>
             </a:fld>
             <a:endParaRPr lang="en-US"/>
           </a:p>
@@ -5108,6 +5151,7 @@
               <a:rPr lang="en-US"/>
               <a:t>Click to edit Master title style</a:t>
             </a:r>
+            <a:endParaRPr lang="en-US"/>
           </a:p>
         </p:txBody>
       </p:sp>
@@ -5173,6 +5217,7 @@
               <a:rPr lang="en-US"/>
               <a:t>Click to edit Master text styles</a:t>
             </a:r>
+            <a:endParaRPr lang="en-US"/>
           </a:p>
         </p:txBody>
       </p:sp>
@@ -5201,6 +5246,7 @@
               <a:rPr lang="en-US"/>
               <a:t>Click to edit Master text styles</a:t>
             </a:r>
+            <a:endParaRPr lang="en-US"/>
           </a:p>
           <a:p>
             <a:pPr lvl="1"/>
@@ -5208,6 +5254,7 @@
               <a:rPr lang="en-US"/>
               <a:t>Second level</a:t>
             </a:r>
+            <a:endParaRPr lang="en-US"/>
           </a:p>
           <a:p>
             <a:pPr lvl="2"/>
@@ -5215,6 +5262,7 @@
               <a:rPr lang="en-US"/>
               <a:t>Third level</a:t>
             </a:r>
+            <a:endParaRPr lang="en-US"/>
           </a:p>
           <a:p>
             <a:pPr lvl="3"/>
@@ -5222,6 +5270,7 @@
               <a:rPr lang="en-US"/>
               <a:t>Fourth level</a:t>
             </a:r>
+            <a:endParaRPr lang="en-US"/>
           </a:p>
           <a:p>
             <a:pPr lvl="4"/>
@@ -5229,6 +5278,7 @@
               <a:rPr lang="en-US"/>
               <a:t>Fifth level</a:t>
             </a:r>
+            <a:endParaRPr lang="en-US"/>
           </a:p>
         </p:txBody>
       </p:sp>
@@ -5294,6 +5344,7 @@
               <a:rPr lang="en-US"/>
               <a:t>Click to edit Master text styles</a:t>
             </a:r>
+            <a:endParaRPr lang="en-US"/>
           </a:p>
         </p:txBody>
       </p:sp>
@@ -5322,6 +5373,7 @@
               <a:rPr lang="en-US"/>
               <a:t>Click to edit Master text styles</a:t>
             </a:r>
+            <a:endParaRPr lang="en-US"/>
           </a:p>
           <a:p>
             <a:pPr lvl="1"/>
@@ -5329,6 +5381,7 @@
               <a:rPr lang="en-US"/>
               <a:t>Second level</a:t>
             </a:r>
+            <a:endParaRPr lang="en-US"/>
           </a:p>
           <a:p>
             <a:pPr lvl="2"/>
@@ -5336,6 +5389,7 @@
               <a:rPr lang="en-US"/>
               <a:t>Third level</a:t>
             </a:r>
+            <a:endParaRPr lang="en-US"/>
           </a:p>
           <a:p>
             <a:pPr lvl="3"/>
@@ -5343,6 +5397,7 @@
               <a:rPr lang="en-US"/>
               <a:t>Fourth level</a:t>
             </a:r>
+            <a:endParaRPr lang="en-US"/>
           </a:p>
           <a:p>
             <a:pPr lvl="4"/>
@@ -5350,6 +5405,7 @@
               <a:rPr lang="en-US"/>
               <a:t>Fifth level</a:t>
             </a:r>
+            <a:endParaRPr lang="en-US"/>
           </a:p>
         </p:txBody>
       </p:sp>
@@ -5370,7 +5426,6 @@
           <a:p>
             <a:fld id="{A031C2FA-D942-43B6-B47C-5E6BD0C357D5}" type="datetimeFigureOut">
               <a:rPr lang="en-US" smtClean="0"/>
-              <a:t>3/23/2024</a:t>
             </a:fld>
             <a:endParaRPr lang="en-US"/>
           </a:p>
@@ -5412,7 +5467,6 @@
           <a:p>
             <a:fld id="{2A2D2A63-051C-40CA-B251-0B456D6FA9D3}" type="slidenum">
               <a:rPr lang="en-US" smtClean="0"/>
-              <a:t>‹#›</a:t>
             </a:fld>
             <a:endParaRPr lang="en-US"/>
           </a:p>
@@ -5462,6 +5516,7 @@
               <a:rPr lang="en-US"/>
               <a:t>Click to edit Master title style</a:t>
             </a:r>
+            <a:endParaRPr lang="en-US"/>
           </a:p>
         </p:txBody>
       </p:sp>
@@ -5482,7 +5537,6 @@
           <a:p>
             <a:fld id="{A031C2FA-D942-43B6-B47C-5E6BD0C357D5}" type="datetimeFigureOut">
               <a:rPr lang="en-US" smtClean="0"/>
-              <a:t>3/23/2024</a:t>
             </a:fld>
             <a:endParaRPr lang="en-US"/>
           </a:p>
@@ -5524,7 +5578,6 @@
           <a:p>
             <a:fld id="{2A2D2A63-051C-40CA-B251-0B456D6FA9D3}" type="slidenum">
               <a:rPr lang="en-US" smtClean="0"/>
-              <a:t>‹#›</a:t>
             </a:fld>
             <a:endParaRPr lang="en-US"/>
           </a:p>
@@ -5572,7 +5625,6 @@
           <a:p>
             <a:fld id="{A031C2FA-D942-43B6-B47C-5E6BD0C357D5}" type="datetimeFigureOut">
               <a:rPr lang="en-US" smtClean="0"/>
-              <a:t>3/23/2024</a:t>
             </a:fld>
             <a:endParaRPr lang="en-US"/>
           </a:p>
@@ -5614,7 +5666,6 @@
           <a:p>
             <a:fld id="{2A2D2A63-051C-40CA-B251-0B456D6FA9D3}" type="slidenum">
               <a:rPr lang="en-US" smtClean="0"/>
-              <a:t>‹#›</a:t>
             </a:fld>
             <a:endParaRPr lang="en-US"/>
           </a:p>
@@ -5673,6 +5724,7 @@
               <a:rPr lang="en-US"/>
               <a:t>Click to edit Master title style</a:t>
             </a:r>
+            <a:endParaRPr lang="en-US"/>
           </a:p>
         </p:txBody>
       </p:sp>
@@ -5729,6 +5781,7 @@
               <a:rPr lang="en-US"/>
               <a:t>Click to edit Master text styles</a:t>
             </a:r>
+            <a:endParaRPr lang="en-US"/>
           </a:p>
           <a:p>
             <a:pPr lvl="1"/>
@@ -5736,6 +5789,7 @@
               <a:rPr lang="en-US"/>
               <a:t>Second level</a:t>
             </a:r>
+            <a:endParaRPr lang="en-US"/>
           </a:p>
           <a:p>
             <a:pPr lvl="2"/>
@@ -5743,6 +5797,7 @@
               <a:rPr lang="en-US"/>
               <a:t>Third level</a:t>
             </a:r>
+            <a:endParaRPr lang="en-US"/>
           </a:p>
           <a:p>
             <a:pPr lvl="3"/>
@@ -5750,6 +5805,7 @@
               <a:rPr lang="en-US"/>
               <a:t>Fourth level</a:t>
             </a:r>
+            <a:endParaRPr lang="en-US"/>
           </a:p>
           <a:p>
             <a:pPr lvl="4"/>
@@ -5757,6 +5813,7 @@
               <a:rPr lang="en-US"/>
               <a:t>Fifth level</a:t>
             </a:r>
+            <a:endParaRPr lang="en-US"/>
           </a:p>
         </p:txBody>
       </p:sp>
@@ -5822,6 +5879,7 @@
               <a:rPr lang="en-US"/>
               <a:t>Click to edit Master text styles</a:t>
             </a:r>
+            <a:endParaRPr lang="en-US"/>
           </a:p>
         </p:txBody>
       </p:sp>
@@ -5842,7 +5900,6 @@
           <a:p>
             <a:fld id="{A031C2FA-D942-43B6-B47C-5E6BD0C357D5}" type="datetimeFigureOut">
               <a:rPr lang="en-US" smtClean="0"/>
-              <a:t>3/23/2024</a:t>
             </a:fld>
             <a:endParaRPr lang="en-US"/>
           </a:p>
@@ -5884,7 +5941,6 @@
           <a:p>
             <a:fld id="{2A2D2A63-051C-40CA-B251-0B456D6FA9D3}" type="slidenum">
               <a:rPr lang="en-US" smtClean="0"/>
-              <a:t>‹#›</a:t>
             </a:fld>
             <a:endParaRPr lang="en-US"/>
           </a:p>
@@ -5943,6 +5999,7 @@
               <a:rPr lang="en-US"/>
               <a:t>Click to edit Master title style</a:t>
             </a:r>
+            <a:endParaRPr lang="en-US"/>
           </a:p>
         </p:txBody>
       </p:sp>
@@ -6069,6 +6126,7 @@
               <a:rPr lang="en-US"/>
               <a:t>Click to edit Master text styles</a:t>
             </a:r>
+            <a:endParaRPr lang="en-US"/>
           </a:p>
         </p:txBody>
       </p:sp>
@@ -6089,7 +6147,6 @@
           <a:p>
             <a:fld id="{A031C2FA-D942-43B6-B47C-5E6BD0C357D5}" type="datetimeFigureOut">
               <a:rPr lang="en-US" smtClean="0"/>
-              <a:t>3/23/2024</a:t>
             </a:fld>
             <a:endParaRPr lang="en-US"/>
           </a:p>
@@ -6131,7 +6188,6 @@
           <a:p>
             <a:fld id="{2A2D2A63-051C-40CA-B251-0B456D6FA9D3}" type="slidenum">
               <a:rPr lang="en-US" smtClean="0"/>
-              <a:t>‹#›</a:t>
             </a:fld>
             <a:endParaRPr lang="en-US"/>
           </a:p>
@@ -6196,6 +6252,7 @@
               <a:rPr lang="en-US"/>
               <a:t>Click to edit Master title style</a:t>
             </a:r>
+            <a:endParaRPr lang="en-US"/>
           </a:p>
         </p:txBody>
       </p:sp>
@@ -6229,6 +6286,7 @@
               <a:rPr lang="en-US"/>
               <a:t>Click to edit Master text styles</a:t>
             </a:r>
+            <a:endParaRPr lang="en-US"/>
           </a:p>
           <a:p>
             <a:pPr lvl="1"/>
@@ -6236,6 +6294,7 @@
               <a:rPr lang="en-US"/>
               <a:t>Second level</a:t>
             </a:r>
+            <a:endParaRPr lang="en-US"/>
           </a:p>
           <a:p>
             <a:pPr lvl="2"/>
@@ -6243,6 +6302,7 @@
               <a:rPr lang="en-US"/>
               <a:t>Third level</a:t>
             </a:r>
+            <a:endParaRPr lang="en-US"/>
           </a:p>
           <a:p>
             <a:pPr lvl="3"/>
@@ -6250,6 +6310,7 @@
               <a:rPr lang="en-US"/>
               <a:t>Fourth level</a:t>
             </a:r>
+            <a:endParaRPr lang="en-US"/>
           </a:p>
           <a:p>
             <a:pPr lvl="4"/>
@@ -6257,6 +6318,7 @@
               <a:rPr lang="en-US"/>
               <a:t>Fifth level</a:t>
             </a:r>
+            <a:endParaRPr lang="en-US"/>
           </a:p>
         </p:txBody>
       </p:sp>
@@ -6295,7 +6357,6 @@
           <a:p>
             <a:fld id="{A031C2FA-D942-43B6-B47C-5E6BD0C357D5}" type="datetimeFigureOut">
               <a:rPr lang="en-US" smtClean="0"/>
-              <a:t>3/23/2024</a:t>
             </a:fld>
             <a:endParaRPr lang="en-US"/>
           </a:p>
@@ -6373,7 +6434,6 @@
           <a:p>
             <a:fld id="{2A2D2A63-051C-40CA-B251-0B456D6FA9D3}" type="slidenum">
               <a:rPr lang="en-US" smtClean="0"/>
-              <a:t>‹#›</a:t>
             </a:fld>
             <a:endParaRPr lang="en-US"/>
           </a:p>
@@ -6732,6 +6792,7 @@
               <a:rPr dirty="0"/>
               <a:t>Click to edit Master title style</a:t>
             </a:r>
+            <a:endParaRPr dirty="0"/>
           </a:p>
         </p:txBody>
       </p:sp>
@@ -6767,6 +6828,7 @@
               <a:rPr dirty="0"/>
               <a:t>Click to edit Master text styles</a:t>
             </a:r>
+            <a:endParaRPr dirty="0"/>
           </a:p>
           <a:p>
             <a:pPr lvl="1"/>
@@ -6774,6 +6836,7 @@
               <a:rPr dirty="0"/>
               <a:t>Second level</a:t>
             </a:r>
+            <a:endParaRPr dirty="0"/>
           </a:p>
           <a:p>
             <a:pPr lvl="2"/>
@@ -6781,6 +6844,7 @@
               <a:rPr dirty="0"/>
               <a:t>Third level</a:t>
             </a:r>
+            <a:endParaRPr dirty="0"/>
           </a:p>
           <a:p>
             <a:pPr lvl="3"/>
@@ -6788,6 +6852,7 @@
               <a:rPr dirty="0"/>
               <a:t>Fourth level</a:t>
             </a:r>
+            <a:endParaRPr dirty="0"/>
           </a:p>
           <a:p>
             <a:pPr lvl="4"/>
@@ -6795,6 +6860,7 @@
               <a:rPr dirty="0"/>
               <a:t>Fifth level</a:t>
             </a:r>
+            <a:endParaRPr dirty="0"/>
           </a:p>
         </p:txBody>
       </p:sp>
@@ -6844,7 +6910,6 @@
             </a:pPr>
             <a:fld id="{B42C9122-BF34-435C-A61B-D2201D289E11}" type="datetimeFigureOut">
               <a:rPr lang="en-US" smtClean="0"/>
-              <a:t>3/23/2024</a:t>
             </a:fld>
             <a:endParaRPr lang="en-US"/>
           </a:p>
@@ -6935,7 +7000,6 @@
             </a:pPr>
             <a:fld id="{9A0DB2DC-4C9A-4742-B13C-FB6460FD3503}" type="slidenum">
               <a:rPr lang="en-US" dirty="0"/>
-              <a:t>‹#›</a:t>
             </a:fld>
             <a:endParaRPr lang="en-US" dirty="0">
               <a:latin typeface="Arial" panose="020B0604020202020204" pitchFamily="34" charset="0"/>
@@ -7386,6 +7450,7 @@
               <a:rPr lang="en-US" b="1" dirty="0"/>
               <a:t>Decision Table Testing</a:t>
             </a:r>
+            <a:endParaRPr lang="en-US" b="1" dirty="0"/>
           </a:p>
         </p:txBody>
       </p:sp>
@@ -7408,6 +7473,7 @@
               <a:rPr lang="en-US" dirty="0"/>
               <a:t>Prepared by Chala Urgessa</a:t>
             </a:r>
+            <a:endParaRPr lang="en-US" dirty="0"/>
           </a:p>
         </p:txBody>
       </p:sp>
@@ -7438,13 +7504,7 @@
       </p:grpSpPr>
       <p:sp>
         <p:nvSpPr>
-          <p:cNvPr id="2" name="Title 1">
-            <a:extLst>
-              <a:ext uri="{FF2B5EF4-FFF2-40B4-BE49-F238E27FC236}">
-                <a16:creationId xmlns:a16="http://schemas.microsoft.com/office/drawing/2014/main" id="{87E9CAC1-ACD0-84CA-83BD-93349CA20C5E}"/>
-              </a:ext>
-            </a:extLst>
-          </p:cNvPr>
+          <p:cNvPr id="13314" name="Title 1"/>
           <p:cNvSpPr>
             <a:spLocks noGrp="1"/>
           </p:cNvSpPr>
@@ -7454,25 +7514,884 @@
         </p:nvSpPr>
         <p:spPr/>
         <p:txBody>
-          <a:bodyPr/>
-          <a:lstStyle/>
-          <a:p>
-            <a:r>
-              <a:rPr lang="en-US" dirty="0"/>
+          <a:bodyPr vert="horz" wrap="square" lIns="91440" tIns="45720" rIns="91440" bIns="45720" anchor="ctr" anchorCtr="0"/>
+          <a:lstStyle/>
+          <a:p>
+            <a:pPr eaLnBrk="1" hangingPunct="1"/>
+            <a:r>
+              <a:rPr b="1" dirty="0"/>
+              <a:t>Decision Table Testing cont…</a:t>
+            </a:r>
+            <a:endParaRPr b="1" dirty="0"/>
+          </a:p>
+        </p:txBody>
+      </p:sp>
+      <p:sp>
+        <p:nvSpPr>
+          <p:cNvPr id="13315" name="Content Placeholder 2"/>
+          <p:cNvSpPr>
+            <a:spLocks noGrp="1"/>
+          </p:cNvSpPr>
+          <p:nvPr>
+            <p:ph idx="1"/>
+          </p:nvPr>
+        </p:nvSpPr>
+        <p:spPr/>
+        <p:txBody>
+          <a:bodyPr vert="horz" wrap="square" lIns="91440" tIns="45720" rIns="91440" bIns="45720" anchor="t" anchorCtr="0"/>
+          <a:lstStyle/>
+          <a:p>
+            <a:pPr eaLnBrk="1" hangingPunct="1">
+              <a:buNone/>
+            </a:pPr>
+            <a:r>
+              <a:rPr dirty="0"/>
+              <a:t>b. Test Cases</a:t>
+            </a:r>
+            <a:endParaRPr dirty="0"/>
+          </a:p>
+        </p:txBody>
+      </p:sp>
+      <p:graphicFrame>
+        <p:nvGraphicFramePr>
+          <p:cNvPr id="4" name="Table 3"/>
+          <p:cNvGraphicFramePr>
+            <a:graphicFrameLocks noGrp="1"/>
+          </p:cNvGraphicFramePr>
+          <p:nvPr/>
+        </p:nvGraphicFramePr>
+        <p:xfrm>
+          <a:off x="2286000" y="2362200"/>
+          <a:ext cx="7543800" cy="3810000"/>
+        </p:xfrm>
+        <a:graphic>
+          <a:graphicData uri="http://schemas.openxmlformats.org/drawingml/2006/table">
+            <a:tbl>
+              <a:tblPr firstRow="1" bandRow="1">
+                <a:tableStyleId>{5C22544A-7EE6-4342-B048-85BDC9FD1C3A}</a:tableStyleId>
+              </a:tblPr>
+              <a:tblGrid>
+                <a:gridCol w="1257300"/>
+                <a:gridCol w="1257300"/>
+                <a:gridCol w="1257300"/>
+                <a:gridCol w="1257300"/>
+                <a:gridCol w="2514600"/>
+              </a:tblGrid>
+              <a:tr h="381000">
+                <a:tc>
+                  <a:txBody>
+                    <a:bodyPr/>
+                    <a:lstStyle/>
+                    <a:p>
+                      <a:pPr algn="ctr"/>
+                      <a:r>
+                        <a:rPr lang="en-US" dirty="0"/>
+                        <a:t>Test Case</a:t>
+                      </a:r>
+                      <a:endParaRPr lang="en-US" dirty="0"/>
+                    </a:p>
+                  </a:txBody>
+                  <a:tcPr/>
+                </a:tc>
+                <a:tc>
+                  <a:txBody>
+                    <a:bodyPr/>
+                    <a:lstStyle/>
+                    <a:p>
+                      <a:pPr algn="ctr"/>
+                      <a:r>
+                        <a:rPr lang="en-US" dirty="0"/>
+                        <a:t>x</a:t>
+                      </a:r>
+                      <a:endParaRPr lang="en-US" dirty="0"/>
+                    </a:p>
+                  </a:txBody>
+                  <a:tcPr/>
+                </a:tc>
+                <a:tc>
+                  <a:txBody>
+                    <a:bodyPr/>
+                    <a:lstStyle/>
+                    <a:p>
+                      <a:pPr algn="ctr"/>
+                      <a:r>
+                        <a:rPr lang="en-US" dirty="0"/>
+                        <a:t>Y</a:t>
+                      </a:r>
+                      <a:endParaRPr lang="en-US" dirty="0"/>
+                    </a:p>
+                  </a:txBody>
+                  <a:tcPr/>
+                </a:tc>
+                <a:tc>
+                  <a:txBody>
+                    <a:bodyPr/>
+                    <a:lstStyle/>
+                    <a:p>
+                      <a:pPr algn="ctr"/>
+                      <a:r>
+                        <a:rPr lang="en-US" dirty="0"/>
+                        <a:t>z</a:t>
+                      </a:r>
+                      <a:endParaRPr lang="en-US" dirty="0"/>
+                    </a:p>
+                  </a:txBody>
+                  <a:tcPr/>
+                </a:tc>
+                <a:tc>
+                  <a:txBody>
+                    <a:bodyPr/>
+                    <a:lstStyle/>
+                    <a:p>
+                      <a:r>
+                        <a:rPr lang="en-US" dirty="0"/>
+                        <a:t>Output</a:t>
+                      </a:r>
+                      <a:endParaRPr lang="en-US" dirty="0"/>
+                    </a:p>
+                  </a:txBody>
+                  <a:tcPr/>
+                </a:tc>
+              </a:tr>
+              <a:tr h="381000">
+                <a:tc>
+                  <a:txBody>
+                    <a:bodyPr/>
+                    <a:lstStyle/>
+                    <a:p>
+                      <a:pPr algn="ctr"/>
+                      <a:r>
+                        <a:rPr lang="en-US" dirty="0"/>
+                        <a:t>1</a:t>
+                      </a:r>
+                      <a:endParaRPr lang="en-US" dirty="0"/>
+                    </a:p>
+                  </a:txBody>
+                  <a:tcPr/>
+                </a:tc>
+                <a:tc>
+                  <a:txBody>
+                    <a:bodyPr/>
+                    <a:lstStyle/>
+                    <a:p>
+                      <a:pPr algn="ctr"/>
+                      <a:r>
+                        <a:rPr lang="en-US" dirty="0"/>
+                        <a:t>-</a:t>
+                      </a:r>
+                      <a:endParaRPr lang="en-US" dirty="0"/>
+                    </a:p>
+                  </a:txBody>
+                  <a:tcPr/>
+                </a:tc>
+                <a:tc>
+                  <a:txBody>
+                    <a:bodyPr/>
+                    <a:lstStyle/>
+                    <a:p>
+                      <a:pPr algn="ctr"/>
+                      <a:r>
+                        <a:rPr lang="en-US" dirty="0"/>
+                        <a:t>-</a:t>
+                      </a:r>
+                      <a:endParaRPr lang="en-US" dirty="0"/>
+                    </a:p>
+                  </a:txBody>
+                  <a:tcPr/>
+                </a:tc>
+                <a:tc>
+                  <a:txBody>
+                    <a:bodyPr/>
+                    <a:lstStyle/>
+                    <a:p>
+                      <a:pPr algn="ctr"/>
+                      <a:r>
+                        <a:rPr lang="en-US" dirty="0"/>
+                        <a:t>-</a:t>
+                      </a:r>
+                      <a:endParaRPr lang="en-US" dirty="0"/>
+                    </a:p>
+                  </a:txBody>
+                  <a:tcPr/>
+                </a:tc>
+                <a:tc>
+                  <a:txBody>
+                    <a:bodyPr/>
+                    <a:lstStyle/>
+                    <a:p>
+                      <a:r>
+                        <a:rPr lang="en-US" dirty="0"/>
+                        <a:t>Not a Triangle</a:t>
+                      </a:r>
+                      <a:endParaRPr lang="en-US" dirty="0"/>
+                    </a:p>
+                  </a:txBody>
+                  <a:tcPr/>
+                </a:tc>
+              </a:tr>
+              <a:tr h="381000">
+                <a:tc>
+                  <a:txBody>
+                    <a:bodyPr/>
+                    <a:lstStyle/>
+                    <a:p>
+                      <a:pPr algn="ctr"/>
+                      <a:r>
+                        <a:rPr lang="en-US" dirty="0"/>
+                        <a:t>2</a:t>
+                      </a:r>
+                      <a:endParaRPr lang="en-US" dirty="0"/>
+                    </a:p>
+                  </a:txBody>
+                  <a:tcPr/>
+                </a:tc>
+                <a:tc>
+                  <a:txBody>
+                    <a:bodyPr/>
+                    <a:lstStyle/>
+                    <a:p>
+                      <a:pPr algn="ctr"/>
+                      <a:r>
+                        <a:rPr lang="en-US" dirty="0"/>
+                        <a:t>2</a:t>
+                      </a:r>
+                      <a:endParaRPr lang="en-US" dirty="0"/>
+                    </a:p>
+                  </a:txBody>
+                  <a:tcPr/>
+                </a:tc>
+                <a:tc>
+                  <a:txBody>
+                    <a:bodyPr/>
+                    <a:lstStyle/>
+                    <a:p>
+                      <a:pPr algn="ctr"/>
+                      <a:r>
+                        <a:rPr lang="en-US" dirty="0"/>
+                        <a:t>2</a:t>
+                      </a:r>
+                      <a:endParaRPr lang="en-US" dirty="0"/>
+                    </a:p>
+                  </a:txBody>
+                  <a:tcPr/>
+                </a:tc>
+                <a:tc>
+                  <a:txBody>
+                    <a:bodyPr/>
+                    <a:lstStyle/>
+                    <a:p>
+                      <a:pPr algn="ctr"/>
+                      <a:r>
+                        <a:rPr lang="en-US" dirty="0"/>
+                        <a:t>2</a:t>
+                      </a:r>
+                      <a:endParaRPr lang="en-US" dirty="0"/>
+                    </a:p>
+                  </a:txBody>
+                  <a:tcPr/>
+                </a:tc>
+                <a:tc>
+                  <a:txBody>
+                    <a:bodyPr/>
+                    <a:lstStyle/>
+                    <a:p>
+                      <a:r>
+                        <a:rPr lang="en-US" dirty="0"/>
+                        <a:t>Equilateral</a:t>
+                      </a:r>
+                      <a:endParaRPr lang="en-US" dirty="0"/>
+                    </a:p>
+                  </a:txBody>
+                  <a:tcPr/>
+                </a:tc>
+              </a:tr>
+              <a:tr h="381000">
+                <a:tc>
+                  <a:txBody>
+                    <a:bodyPr/>
+                    <a:lstStyle/>
+                    <a:p>
+                      <a:pPr algn="ctr"/>
+                      <a:r>
+                        <a:rPr lang="en-US" dirty="0"/>
+                        <a:t>3</a:t>
+                      </a:r>
+                      <a:endParaRPr lang="en-US" dirty="0"/>
+                    </a:p>
+                  </a:txBody>
+                  <a:tcPr/>
+                </a:tc>
+                <a:tc>
+                  <a:txBody>
+                    <a:bodyPr/>
+                    <a:lstStyle/>
+                    <a:p>
+                      <a:pPr algn="ctr"/>
+                      <a:r>
+                        <a:rPr lang="en-US" dirty="0"/>
+                        <a:t>-</a:t>
+                      </a:r>
+                      <a:endParaRPr lang="en-US" dirty="0"/>
+                    </a:p>
+                  </a:txBody>
+                  <a:tcPr/>
+                </a:tc>
+                <a:tc>
+                  <a:txBody>
+                    <a:bodyPr/>
+                    <a:lstStyle/>
+                    <a:p>
+                      <a:pPr algn="ctr"/>
+                      <a:r>
+                        <a:rPr lang="en-US" dirty="0"/>
+                        <a:t>-</a:t>
+                      </a:r>
+                      <a:endParaRPr lang="en-US" dirty="0"/>
+                    </a:p>
+                  </a:txBody>
+                  <a:tcPr/>
+                </a:tc>
+                <a:tc>
+                  <a:txBody>
+                    <a:bodyPr/>
+                    <a:lstStyle/>
+                    <a:p>
+                      <a:pPr algn="ctr"/>
+                      <a:r>
+                        <a:rPr lang="en-US" dirty="0"/>
+                        <a:t>-</a:t>
+                      </a:r>
+                      <a:endParaRPr lang="en-US" dirty="0"/>
+                    </a:p>
+                  </a:txBody>
+                  <a:tcPr/>
+                </a:tc>
+                <a:tc>
+                  <a:txBody>
+                    <a:bodyPr/>
+                    <a:lstStyle/>
+                    <a:p>
+                      <a:r>
+                        <a:rPr lang="en-US" dirty="0"/>
+                        <a:t>Impossible</a:t>
+                      </a:r>
+                      <a:endParaRPr lang="en-US" dirty="0"/>
+                    </a:p>
+                  </a:txBody>
+                  <a:tcPr/>
+                </a:tc>
+              </a:tr>
+              <a:tr h="381000">
+                <a:tc>
+                  <a:txBody>
+                    <a:bodyPr/>
+                    <a:lstStyle/>
+                    <a:p>
+                      <a:pPr algn="ctr"/>
+                      <a:r>
+                        <a:rPr lang="en-US" dirty="0"/>
+                        <a:t>4</a:t>
+                      </a:r>
+                      <a:endParaRPr lang="en-US" dirty="0"/>
+                    </a:p>
+                  </a:txBody>
+                  <a:tcPr/>
+                </a:tc>
+                <a:tc>
+                  <a:txBody>
+                    <a:bodyPr/>
+                    <a:lstStyle/>
+                    <a:p>
+                      <a:pPr algn="ctr"/>
+                      <a:r>
+                        <a:rPr lang="en-US" dirty="0"/>
+                        <a:t>-</a:t>
+                      </a:r>
+                      <a:endParaRPr lang="en-US" dirty="0"/>
+                    </a:p>
+                  </a:txBody>
+                  <a:tcPr/>
+                </a:tc>
+                <a:tc>
+                  <a:txBody>
+                    <a:bodyPr/>
+                    <a:lstStyle/>
+                    <a:p>
+                      <a:pPr algn="ctr"/>
+                      <a:r>
+                        <a:rPr lang="en-US"/>
+                        <a:t>-</a:t>
+                      </a:r>
+                      <a:endParaRPr lang="en-US"/>
+                    </a:p>
+                  </a:txBody>
+                  <a:tcPr/>
+                </a:tc>
+                <a:tc>
+                  <a:txBody>
+                    <a:bodyPr/>
+                    <a:lstStyle/>
+                    <a:p>
+                      <a:pPr algn="ctr"/>
+                      <a:r>
+                        <a:rPr lang="en-US" dirty="0"/>
+                        <a:t>-</a:t>
+                      </a:r>
+                      <a:endParaRPr lang="en-US" dirty="0"/>
+                    </a:p>
+                  </a:txBody>
+                  <a:tcPr/>
+                </a:tc>
+                <a:tc>
+                  <a:txBody>
+                    <a:bodyPr/>
+                    <a:lstStyle/>
+                    <a:p>
+                      <a:r>
+                        <a:rPr lang="en-US" dirty="0"/>
+                        <a:t>Impossible</a:t>
+                      </a:r>
+                      <a:endParaRPr lang="en-US" dirty="0"/>
+                    </a:p>
+                  </a:txBody>
+                  <a:tcPr/>
+                </a:tc>
+              </a:tr>
+              <a:tr h="381000">
+                <a:tc>
+                  <a:txBody>
+                    <a:bodyPr/>
+                    <a:lstStyle/>
+                    <a:p>
+                      <a:pPr algn="ctr"/>
+                      <a:r>
+                        <a:rPr lang="en-US" dirty="0"/>
+                        <a:t>5</a:t>
+                      </a:r>
+                      <a:endParaRPr lang="en-US" dirty="0"/>
+                    </a:p>
+                  </a:txBody>
+                  <a:tcPr/>
+                </a:tc>
+                <a:tc>
+                  <a:txBody>
+                    <a:bodyPr/>
+                    <a:lstStyle/>
+                    <a:p>
+                      <a:pPr algn="ctr"/>
+                      <a:r>
+                        <a:rPr lang="en-US" dirty="0"/>
+                        <a:t>2</a:t>
+                      </a:r>
+                      <a:endParaRPr lang="en-US" dirty="0"/>
+                    </a:p>
+                  </a:txBody>
+                  <a:tcPr/>
+                </a:tc>
+                <a:tc>
+                  <a:txBody>
+                    <a:bodyPr/>
+                    <a:lstStyle/>
+                    <a:p>
+                      <a:pPr algn="ctr"/>
+                      <a:r>
+                        <a:rPr lang="en-US" dirty="0"/>
+                        <a:t>2</a:t>
+                      </a:r>
+                      <a:endParaRPr lang="en-US" dirty="0"/>
+                    </a:p>
+                  </a:txBody>
+                  <a:tcPr/>
+                </a:tc>
+                <a:tc>
+                  <a:txBody>
+                    <a:bodyPr/>
+                    <a:lstStyle/>
+                    <a:p>
+                      <a:pPr algn="ctr"/>
+                      <a:r>
+                        <a:rPr lang="en-US" dirty="0"/>
+                        <a:t>1</a:t>
+                      </a:r>
+                      <a:endParaRPr lang="en-US" dirty="0"/>
+                    </a:p>
+                  </a:txBody>
+                  <a:tcPr/>
+                </a:tc>
+                <a:tc>
+                  <a:txBody>
+                    <a:bodyPr/>
+                    <a:lstStyle/>
+                    <a:p>
+                      <a:r>
+                        <a:rPr lang="en-US" dirty="0"/>
+                        <a:t>Isosceles</a:t>
+                      </a:r>
+                      <a:endParaRPr lang="en-US" dirty="0"/>
+                    </a:p>
+                  </a:txBody>
+                  <a:tcPr/>
+                </a:tc>
+              </a:tr>
+              <a:tr h="381000">
+                <a:tc>
+                  <a:txBody>
+                    <a:bodyPr/>
+                    <a:lstStyle/>
+                    <a:p>
+                      <a:pPr algn="ctr"/>
+                      <a:r>
+                        <a:rPr lang="en-US" dirty="0"/>
+                        <a:t>6</a:t>
+                      </a:r>
+                      <a:endParaRPr lang="en-US" dirty="0"/>
+                    </a:p>
+                  </a:txBody>
+                  <a:tcPr/>
+                </a:tc>
+                <a:tc>
+                  <a:txBody>
+                    <a:bodyPr/>
+                    <a:lstStyle/>
+                    <a:p>
+                      <a:pPr algn="ctr"/>
+                      <a:r>
+                        <a:rPr lang="en-US" dirty="0"/>
+                        <a:t>-</a:t>
+                      </a:r>
+                      <a:endParaRPr lang="en-US" dirty="0"/>
+                    </a:p>
+                  </a:txBody>
+                  <a:tcPr/>
+                </a:tc>
+                <a:tc>
+                  <a:txBody>
+                    <a:bodyPr/>
+                    <a:lstStyle/>
+                    <a:p>
+                      <a:pPr algn="ctr"/>
+                      <a:r>
+                        <a:rPr lang="en-US" dirty="0"/>
+                        <a:t>-</a:t>
+                      </a:r>
+                      <a:endParaRPr lang="en-US" dirty="0"/>
+                    </a:p>
+                  </a:txBody>
+                  <a:tcPr/>
+                </a:tc>
+                <a:tc>
+                  <a:txBody>
+                    <a:bodyPr/>
+                    <a:lstStyle/>
+                    <a:p>
+                      <a:pPr algn="ctr"/>
+                      <a:r>
+                        <a:rPr lang="en-US" dirty="0"/>
+                        <a:t>-</a:t>
+                      </a:r>
+                      <a:endParaRPr lang="en-US" dirty="0"/>
+                    </a:p>
+                  </a:txBody>
+                  <a:tcPr/>
+                </a:tc>
+                <a:tc>
+                  <a:txBody>
+                    <a:bodyPr/>
+                    <a:lstStyle/>
+                    <a:p>
+                      <a:r>
+                        <a:rPr lang="en-US" dirty="0"/>
+                        <a:t>Impossible</a:t>
+                      </a:r>
+                      <a:endParaRPr lang="en-US" dirty="0"/>
+                    </a:p>
+                  </a:txBody>
+                  <a:tcPr/>
+                </a:tc>
+              </a:tr>
+              <a:tr h="381000">
+                <a:tc>
+                  <a:txBody>
+                    <a:bodyPr/>
+                    <a:lstStyle/>
+                    <a:p>
+                      <a:pPr algn="ctr"/>
+                      <a:r>
+                        <a:rPr lang="en-US" dirty="0"/>
+                        <a:t>7</a:t>
+                      </a:r>
+                      <a:endParaRPr lang="en-US" dirty="0"/>
+                    </a:p>
+                  </a:txBody>
+                  <a:tcPr/>
+                </a:tc>
+                <a:tc>
+                  <a:txBody>
+                    <a:bodyPr/>
+                    <a:lstStyle/>
+                    <a:p>
+                      <a:pPr algn="ctr"/>
+                      <a:r>
+                        <a:rPr lang="en-US" dirty="0"/>
+                        <a:t>2</a:t>
+                      </a:r>
+                      <a:endParaRPr lang="en-US" dirty="0"/>
+                    </a:p>
+                  </a:txBody>
+                  <a:tcPr/>
+                </a:tc>
+                <a:tc>
+                  <a:txBody>
+                    <a:bodyPr/>
+                    <a:lstStyle/>
+                    <a:p>
+                      <a:pPr algn="ctr"/>
+                      <a:r>
+                        <a:rPr lang="en-US" dirty="0"/>
+                        <a:t>1</a:t>
+                      </a:r>
+                      <a:endParaRPr lang="en-US" dirty="0"/>
+                    </a:p>
+                  </a:txBody>
+                  <a:tcPr/>
+                </a:tc>
+                <a:tc>
+                  <a:txBody>
+                    <a:bodyPr/>
+                    <a:lstStyle/>
+                    <a:p>
+                      <a:pPr algn="ctr"/>
+                      <a:r>
+                        <a:rPr lang="en-US" dirty="0"/>
+                        <a:t>2</a:t>
+                      </a:r>
+                      <a:endParaRPr lang="en-US" dirty="0"/>
+                    </a:p>
+                  </a:txBody>
+                  <a:tcPr/>
+                </a:tc>
+                <a:tc>
+                  <a:txBody>
+                    <a:bodyPr/>
+                    <a:lstStyle/>
+                    <a:p>
+                      <a:r>
+                        <a:rPr lang="en-US" dirty="0"/>
+                        <a:t>Isosceles</a:t>
+                      </a:r>
+                      <a:endParaRPr lang="en-US" dirty="0"/>
+                    </a:p>
+                  </a:txBody>
+                  <a:tcPr/>
+                </a:tc>
+              </a:tr>
+              <a:tr h="381000">
+                <a:tc>
+                  <a:txBody>
+                    <a:bodyPr/>
+                    <a:lstStyle/>
+                    <a:p>
+                      <a:pPr algn="ctr"/>
+                      <a:r>
+                        <a:rPr lang="en-US" dirty="0"/>
+                        <a:t>8</a:t>
+                      </a:r>
+                      <a:endParaRPr lang="en-US" dirty="0"/>
+                    </a:p>
+                  </a:txBody>
+                  <a:tcPr/>
+                </a:tc>
+                <a:tc>
+                  <a:txBody>
+                    <a:bodyPr/>
+                    <a:lstStyle/>
+                    <a:p>
+                      <a:pPr algn="ctr"/>
+                      <a:r>
+                        <a:rPr lang="en-US" dirty="0"/>
+                        <a:t>1</a:t>
+                      </a:r>
+                      <a:endParaRPr lang="en-US" dirty="0"/>
+                    </a:p>
+                  </a:txBody>
+                  <a:tcPr/>
+                </a:tc>
+                <a:tc>
+                  <a:txBody>
+                    <a:bodyPr/>
+                    <a:lstStyle/>
+                    <a:p>
+                      <a:pPr algn="ctr"/>
+                      <a:r>
+                        <a:rPr lang="en-US" dirty="0"/>
+                        <a:t>2</a:t>
+                      </a:r>
+                      <a:endParaRPr lang="en-US" dirty="0"/>
+                    </a:p>
+                  </a:txBody>
+                  <a:tcPr/>
+                </a:tc>
+                <a:tc>
+                  <a:txBody>
+                    <a:bodyPr/>
+                    <a:lstStyle/>
+                    <a:p>
+                      <a:pPr algn="ctr"/>
+                      <a:r>
+                        <a:rPr lang="en-US" dirty="0"/>
+                        <a:t>2</a:t>
+                      </a:r>
+                      <a:endParaRPr lang="en-US" dirty="0"/>
+                    </a:p>
+                  </a:txBody>
+                  <a:tcPr/>
+                </a:tc>
+                <a:tc>
+                  <a:txBody>
+                    <a:bodyPr/>
+                    <a:lstStyle/>
+                    <a:p>
+                      <a:r>
+                        <a:rPr lang="en-US" dirty="0"/>
+                        <a:t>Isosceles</a:t>
+                      </a:r>
+                      <a:endParaRPr lang="en-US" dirty="0"/>
+                    </a:p>
+                  </a:txBody>
+                  <a:tcPr/>
+                </a:tc>
+              </a:tr>
+              <a:tr h="381000">
+                <a:tc>
+                  <a:txBody>
+                    <a:bodyPr/>
+                    <a:lstStyle/>
+                    <a:p>
+                      <a:pPr algn="ctr"/>
+                      <a:r>
+                        <a:rPr lang="en-US" dirty="0"/>
+                        <a:t>9</a:t>
+                      </a:r>
+                      <a:endParaRPr lang="en-US" dirty="0"/>
+                    </a:p>
+                  </a:txBody>
+                  <a:tcPr/>
+                </a:tc>
+                <a:tc>
+                  <a:txBody>
+                    <a:bodyPr/>
+                    <a:lstStyle/>
+                    <a:p>
+                      <a:pPr algn="ctr"/>
+                      <a:r>
+                        <a:rPr lang="en-US" dirty="0"/>
+                        <a:t>3</a:t>
+                      </a:r>
+                      <a:endParaRPr lang="en-US" dirty="0"/>
+                    </a:p>
+                  </a:txBody>
+                  <a:tcPr/>
+                </a:tc>
+                <a:tc>
+                  <a:txBody>
+                    <a:bodyPr/>
+                    <a:lstStyle/>
+                    <a:p>
+                      <a:pPr algn="ctr"/>
+                      <a:r>
+                        <a:rPr lang="en-US" dirty="0"/>
+                        <a:t>4</a:t>
+                      </a:r>
+                      <a:endParaRPr lang="en-US" dirty="0"/>
+                    </a:p>
+                  </a:txBody>
+                  <a:tcPr/>
+                </a:tc>
+                <a:tc>
+                  <a:txBody>
+                    <a:bodyPr/>
+                    <a:lstStyle/>
+                    <a:p>
+                      <a:pPr algn="ctr"/>
+                      <a:r>
+                        <a:rPr lang="en-US" dirty="0"/>
+                        <a:t>5</a:t>
+                      </a:r>
+                      <a:endParaRPr lang="en-US" dirty="0"/>
+                    </a:p>
+                  </a:txBody>
+                  <a:tcPr/>
+                </a:tc>
+                <a:tc>
+                  <a:txBody>
+                    <a:bodyPr/>
+                    <a:lstStyle/>
+                    <a:p>
+                      <a:r>
+                        <a:rPr lang="en-US" dirty="0"/>
+                        <a:t>Scalene</a:t>
+                      </a:r>
+                      <a:endParaRPr lang="en-US" dirty="0"/>
+                    </a:p>
+                  </a:txBody>
+                  <a:tcPr/>
+                </a:tc>
+              </a:tr>
+            </a:tbl>
+          </a:graphicData>
+        </a:graphic>
+      </p:graphicFrame>
+    </p:spTree>
+  </p:cSld>
+  <p:clrMapOvr>
+    <a:masterClrMapping/>
+  </p:clrMapOvr>
+</p:sld>
+</file>
+
+<file path=ppt/slides/slide11.xml><?xml version="1.0" encoding="utf-8"?>
+<p:sld xmlns:a="http://schemas.openxmlformats.org/drawingml/2006/main" xmlns:r="http://schemas.openxmlformats.org/officeDocument/2006/relationships" xmlns:p="http://schemas.openxmlformats.org/presentationml/2006/main">
+  <p:cSld>
+    <p:spTree>
+      <p:nvGrpSpPr>
+        <p:cNvPr id="1" name=""/>
+        <p:cNvGrpSpPr/>
+        <p:nvPr/>
+      </p:nvGrpSpPr>
+      <p:grpSpPr>
+        <a:xfrm>
+          <a:off x="0" y="0"/>
+          <a:ext cx="0" cy="0"/>
+          <a:chOff x="0" y="0"/>
+          <a:chExt cx="0" cy="0"/>
+        </a:xfrm>
+      </p:grpSpPr>
+      <p:sp>
+        <p:nvSpPr>
+          <p:cNvPr id="2" name="Title 1"/>
+          <p:cNvSpPr>
+            <a:spLocks noGrp="1"/>
+          </p:cNvSpPr>
+          <p:nvPr>
+            <p:ph type="title"/>
+          </p:nvPr>
+        </p:nvSpPr>
+        <p:spPr/>
+        <p:txBody>
+          <a:bodyPr/>
+          <a:lstStyle/>
+          <a:p>
+            <a:r>
+              <a:rPr lang="en-US" b="1" dirty="0"/>
               <a:t>Example 3: Home Work</a:t>
             </a:r>
-          </a:p>
-        </p:txBody>
-      </p:sp>
-      <p:sp>
-        <p:nvSpPr>
-          <p:cNvPr id="3" name="Content Placeholder 2">
-            <a:extLst>
-              <a:ext uri="{FF2B5EF4-FFF2-40B4-BE49-F238E27FC236}">
-                <a16:creationId xmlns:a16="http://schemas.microsoft.com/office/drawing/2014/main" id="{71A5250F-2221-7E41-264C-3EC3AAB6D3D0}"/>
-              </a:ext>
-            </a:extLst>
-          </p:cNvPr>
+            <a:endParaRPr lang="en-US" b="1" dirty="0"/>
+          </a:p>
+        </p:txBody>
+      </p:sp>
+      <p:sp>
+        <p:nvSpPr>
+          <p:cNvPr id="3" name="Content Placeholder 2"/>
           <p:cNvSpPr>
             <a:spLocks noGrp="1"/>
           </p:cNvSpPr>
@@ -7482,8 +8401,8 @@
         </p:nvSpPr>
         <p:spPr>
           <a:xfrm>
-            <a:off x="609600" y="1600201"/>
-            <a:ext cx="10972800" cy="4983161"/>
+            <a:off x="609600" y="1376680"/>
+            <a:ext cx="10972800" cy="5480685"/>
           </a:xfrm>
         </p:spPr>
         <p:txBody>
@@ -7494,16 +8413,10 @@
               <a:buNone/>
             </a:pPr>
             <a:r>
-              <a:rPr lang="en-US" sz="2400" dirty="0">
-                <a:solidFill>
-                  <a:srgbClr val="000000"/>
-                </a:solidFill>
-                <a:effectLst/>
-                <a:latin typeface="BaskervilleBE"/>
-              </a:rPr>
+              <a:rPr lang="en-US" sz="2400" dirty="0"/>
               <a:t>A university is admitting students in a professional course subject to the following conditions: </a:t>
             </a:r>
-            <a:endParaRPr lang="en-US" sz="4000" dirty="0"/>
+            <a:endParaRPr lang="en-US" sz="2400" dirty="0"/>
           </a:p>
           <a:p>
             <a:pPr lvl="1">
@@ -7511,16 +8424,10 @@
               <a:buAutoNum type="alphaLcParenR"/>
             </a:pPr>
             <a:r>
-              <a:rPr lang="en-US" sz="1800" dirty="0">
-                <a:solidFill>
-                  <a:srgbClr val="000000"/>
-                </a:solidFill>
-                <a:effectLst/>
-                <a:latin typeface="BaskervilleBE"/>
-              </a:rPr>
+              <a:rPr lang="en-US" sz="2400" dirty="0"/>
               <a:t>Marks in Java  ≥ 70 </a:t>
             </a:r>
-            <a:endParaRPr lang="en-US" sz="3600" dirty="0"/>
+            <a:endParaRPr lang="en-US" sz="2400" dirty="0"/>
           </a:p>
           <a:p>
             <a:pPr lvl="1">
@@ -7528,27 +8435,10 @@
               <a:buAutoNum type="alphaLcParenR"/>
             </a:pPr>
             <a:r>
-              <a:rPr lang="en-US" sz="1800" dirty="0">
-                <a:solidFill>
-                  <a:srgbClr val="000000"/>
-                </a:solidFill>
-                <a:effectLst/>
-                <a:latin typeface="BaskervilleBE"/>
-              </a:rPr>
-              <a:t>Marks in C++ </a:t>
-            </a:r>
-            <a:r>
-              <a:rPr lang="en-US" sz="1800" dirty="0">
-                <a:solidFill>
-                  <a:srgbClr val="000000"/>
-                </a:solidFill>
-                <a:effectLst/>
-                <a:latin typeface="Times New Roman" panose="02020603050405020304" pitchFamily="18" charset="0"/>
-                <a:cs typeface="Times New Roman" panose="02020603050405020304" pitchFamily="18" charset="0"/>
-              </a:rPr>
-              <a:t>≥  60</a:t>
-            </a:r>
-            <a:endParaRPr lang="en-US" sz="3600" dirty="0"/>
+              <a:rPr lang="en-US" sz="2400" dirty="0"/>
+              <a:t>Marks in C++ ≥  60</a:t>
+            </a:r>
+            <a:endParaRPr lang="en-US" sz="2400" dirty="0"/>
           </a:p>
           <a:p>
             <a:pPr lvl="1">
@@ -7556,37 +8446,10 @@
               <a:buAutoNum type="alphaLcParenR"/>
             </a:pPr>
             <a:r>
-              <a:rPr lang="en-US" sz="1800" dirty="0">
-                <a:solidFill>
-                  <a:srgbClr val="000000"/>
-                </a:solidFill>
-                <a:effectLst/>
-                <a:latin typeface="BaskervilleBE"/>
-              </a:rPr>
-              <a:t>Marks in OOAD </a:t>
-            </a:r>
-            <a:r>
-              <a:rPr lang="en-US" sz="1800" dirty="0">
-                <a:solidFill>
-                  <a:srgbClr val="000000"/>
-                </a:solidFill>
-                <a:effectLst/>
-                <a:latin typeface="Times New Roman" panose="02020603050405020304" pitchFamily="18" charset="0"/>
-                <a:cs typeface="Times New Roman" panose="02020603050405020304" pitchFamily="18" charset="0"/>
-              </a:rPr>
-              <a:t>≥</a:t>
-            </a:r>
-            <a:r>
-              <a:rPr lang="en-US" sz="1800" dirty="0">
-                <a:solidFill>
-                  <a:srgbClr val="000000"/>
-                </a:solidFill>
-                <a:effectLst/>
-                <a:latin typeface="BaskervilleBE"/>
-              </a:rPr>
-              <a:t> 60 </a:t>
-            </a:r>
-            <a:endParaRPr lang="en-US" sz="3600" dirty="0"/>
+              <a:rPr lang="en-US" sz="2400" dirty="0"/>
+              <a:t>Marks in OOAD ≥ 60 </a:t>
+            </a:r>
+            <a:endParaRPr lang="en-US" sz="2400" dirty="0"/>
           </a:p>
           <a:p>
             <a:pPr lvl="1">
@@ -7594,74 +8457,20 @@
               <a:buAutoNum type="alphaLcParenR"/>
             </a:pPr>
             <a:r>
-              <a:rPr lang="en-US" sz="1800" dirty="0">
-                <a:solidFill>
-                  <a:srgbClr val="000000"/>
-                </a:solidFill>
-                <a:effectLst/>
-                <a:latin typeface="BaskervilleBE"/>
-              </a:rPr>
-              <a:t>Total in all three subjects </a:t>
-            </a:r>
-            <a:r>
-              <a:rPr lang="en-US" sz="1800" dirty="0">
-                <a:solidFill>
-                  <a:srgbClr val="000000"/>
-                </a:solidFill>
-                <a:effectLst/>
-                <a:latin typeface="Times New Roman" panose="02020603050405020304" pitchFamily="18" charset="0"/>
-                <a:cs typeface="Times New Roman" panose="02020603050405020304" pitchFamily="18" charset="0"/>
-              </a:rPr>
-              <a:t>≥</a:t>
-            </a:r>
-            <a:r>
-              <a:rPr lang="en-US" sz="1800" dirty="0">
-                <a:solidFill>
-                  <a:srgbClr val="000000"/>
-                </a:solidFill>
-                <a:effectLst/>
-                <a:latin typeface="BaskervilleBE"/>
-              </a:rPr>
-              <a:t> 220 OR Total in Java and C++ </a:t>
-            </a:r>
-            <a:r>
-              <a:rPr lang="en-US" sz="1800" dirty="0">
-                <a:solidFill>
-                  <a:srgbClr val="000000"/>
-                </a:solidFill>
-                <a:effectLst/>
-                <a:latin typeface="Times New Roman" panose="02020603050405020304" pitchFamily="18" charset="0"/>
-                <a:cs typeface="Times New Roman" panose="02020603050405020304" pitchFamily="18" charset="0"/>
-              </a:rPr>
-              <a:t>≥ </a:t>
-            </a:r>
-            <a:r>
-              <a:rPr lang="en-US" sz="1800" dirty="0">
-                <a:solidFill>
-                  <a:srgbClr val="000000"/>
-                </a:solidFill>
-                <a:effectLst/>
-                <a:latin typeface="BaskervilleBE"/>
-              </a:rPr>
-              <a:t>150 </a:t>
-            </a:r>
-            <a:endParaRPr lang="en-US" sz="3600" dirty="0"/>
+              <a:rPr lang="en-US" sz="2400" dirty="0"/>
+              <a:t>Total in all three subjects ≥ 220 OR Total in Java and C++ ≥ 150 </a:t>
+            </a:r>
+            <a:endParaRPr lang="en-US" sz="2400" dirty="0"/>
           </a:p>
           <a:p>
             <a:pPr marL="0" indent="0">
               <a:buNone/>
             </a:pPr>
             <a:r>
-              <a:rPr lang="en-US" sz="2400" dirty="0">
-                <a:solidFill>
-                  <a:srgbClr val="000000"/>
-                </a:solidFill>
-                <a:effectLst/>
-                <a:latin typeface="BaskervilleBE"/>
-              </a:rPr>
+              <a:rPr lang="en-US" sz="2400" dirty="0"/>
               <a:t>If the aggregate mark of an eligible candidate is more than 240, he will be eligible for a scholarship course, otherwise, he will be eligible for the normal course. The program reads the marks in the three subjects and generates the following outputs: </a:t>
             </a:r>
-            <a:endParaRPr lang="en-US" sz="4000" dirty="0"/>
+            <a:endParaRPr lang="en-US" sz="2400" dirty="0"/>
           </a:p>
           <a:p>
             <a:pPr marL="800100" lvl="1" indent="-400050">
@@ -7669,16 +8478,10 @@
               <a:buAutoNum type="romanLcPeriod"/>
             </a:pPr>
             <a:r>
-              <a:rPr lang="en-US" sz="1800" dirty="0">
-                <a:solidFill>
-                  <a:srgbClr val="000000"/>
-                </a:solidFill>
-                <a:effectLst/>
-                <a:latin typeface="BaskervilleBE"/>
-              </a:rPr>
+              <a:rPr lang="en-US" sz="2400" dirty="0"/>
               <a:t>Not eligible </a:t>
             </a:r>
-            <a:endParaRPr lang="en-US" sz="3600" dirty="0"/>
+            <a:endParaRPr lang="en-US" sz="2400" dirty="0"/>
           </a:p>
           <a:p>
             <a:pPr marL="800100" lvl="1" indent="-400050">
@@ -7686,16 +8489,10 @@
               <a:buAutoNum type="romanLcPeriod"/>
             </a:pPr>
             <a:r>
-              <a:rPr lang="en-US" sz="1800" dirty="0">
-                <a:solidFill>
-                  <a:srgbClr val="000000"/>
-                </a:solidFill>
-                <a:effectLst/>
-                <a:latin typeface="BaskervilleBE"/>
-              </a:rPr>
+              <a:rPr lang="en-US" sz="2400" dirty="0"/>
               <a:t>Eligible for scholarship course </a:t>
             </a:r>
-            <a:endParaRPr lang="en-US" sz="3600" dirty="0"/>
+            <a:endParaRPr lang="en-US" sz="2400" dirty="0"/>
           </a:p>
           <a:p>
             <a:pPr marL="800100" lvl="1" indent="-400050">
@@ -7703,41 +8500,24 @@
               <a:buAutoNum type="romanLcPeriod"/>
             </a:pPr>
             <a:r>
-              <a:rPr lang="en-US" sz="1800" dirty="0">
-                <a:solidFill>
-                  <a:srgbClr val="000000"/>
-                </a:solidFill>
-                <a:effectLst/>
-                <a:latin typeface="BaskervilleBE"/>
-              </a:rPr>
+              <a:rPr lang="en-US" sz="2400" dirty="0"/>
               <a:t>Eligible for normal course </a:t>
             </a:r>
-            <a:endParaRPr lang="en-US" sz="3600" dirty="0"/>
+            <a:endParaRPr lang="en-US" sz="2400" dirty="0"/>
           </a:p>
           <a:p>
             <a:pPr marL="0" indent="0">
               <a:buNone/>
             </a:pPr>
             <a:r>
-              <a:rPr lang="en-US" sz="2400" dirty="0">
-                <a:solidFill>
-                  <a:srgbClr val="000000"/>
-                </a:solidFill>
-                <a:effectLst/>
-                <a:latin typeface="BaskervilleBE"/>
-              </a:rPr>
+              <a:rPr lang="en-US" sz="2400" dirty="0"/>
               <a:t>Design test cases for this program using decision table testing.</a:t>
             </a:r>
-            <a:endParaRPr lang="en-US" sz="4000" dirty="0"/>
+            <a:endParaRPr lang="en-US" sz="2400" dirty="0"/>
           </a:p>
         </p:txBody>
       </p:sp>
     </p:spTree>
-    <p:extLst>
-      <p:ext uri="{BB962C8B-B14F-4D97-AF65-F5344CB8AC3E}">
-        <p14:creationId xmlns:p14="http://schemas.microsoft.com/office/powerpoint/2010/main" val="2748597120"/>
-      </p:ext>
-    </p:extLst>
   </p:cSld>
   <p:clrMapOvr>
     <a:masterClrMapping/>
@@ -7797,8 +8577,8 @@
         </p:nvSpPr>
         <p:spPr>
           <a:xfrm>
-            <a:off x="1199071" y="1600201"/>
-            <a:ext cx="10383327" cy="5154282"/>
+            <a:off x="1198880" y="1417955"/>
+            <a:ext cx="10383520" cy="5336540"/>
           </a:xfrm>
         </p:spPr>
         <p:txBody>
@@ -7810,9 +8590,22 @@
               <a:buChar char="§"/>
             </a:pPr>
             <a:r>
+              <a:rPr lang="en-US" sz="2400" b="1" dirty="0"/>
+              <a:t>Boundary value analysis</a:t>
+            </a:r>
+            <a:r>
               <a:rPr lang="en-US" sz="2400" dirty="0"/>
-              <a:t>Boundary value analysis and equivalence class partitioning methods do not consider combinations of input conditions. These consider each input separately. </a:t>
-            </a:r>
+              <a:t> and </a:t>
+            </a:r>
+            <a:r>
+              <a:rPr lang="en-US" sz="2400" b="1" dirty="0"/>
+              <a:t>equivalence class partitioning</a:t>
+            </a:r>
+            <a:r>
+              <a:rPr lang="en-US" sz="2400" dirty="0"/>
+              <a:t> methods do not consider combinations of input conditions. These consider each input separately. </a:t>
+            </a:r>
+            <a:endParaRPr lang="en-US" sz="2400" dirty="0"/>
           </a:p>
           <a:p>
             <a:pPr>
@@ -7821,8 +8614,17 @@
             </a:pPr>
             <a:r>
               <a:rPr lang="en-US" sz="2400" dirty="0"/>
-              <a:t>There may be some critical behavior to be tested when some combinations of input conditions are considered. </a:t>
-            </a:r>
+              <a:t>There may be some critical behavior to be tested when some combinations of </a:t>
+            </a:r>
+            <a:r>
+              <a:rPr lang="en-US" sz="2400" b="1" dirty="0"/>
+              <a:t>input conditions</a:t>
+            </a:r>
+            <a:r>
+              <a:rPr lang="en-US" sz="2400" dirty="0"/>
+              <a:t> are considered. </a:t>
+            </a:r>
+            <a:endParaRPr lang="en-US" sz="2400" dirty="0"/>
           </a:p>
           <a:p>
             <a:pPr algn="just">
@@ -7842,8 +8644,17 @@
             </a:pPr>
             <a:r>
               <a:rPr lang="en-US" sz="2400" dirty="0"/>
-              <a:t>It has the specialty of considering complex combinations of input conditions and resulting actions. Decision tables obtain their power from logical expressions. </a:t>
-            </a:r>
+              <a:t>It has the specialty of considering complex combinations of input conditions and resulting actions. Decision tables obtain their power from </a:t>
+            </a:r>
+            <a:r>
+              <a:rPr lang="en-US" sz="2400" dirty="0">
+                <a:solidFill>
+                  <a:srgbClr val="FF0000"/>
+                </a:solidFill>
+              </a:rPr>
+              <a:t>logical expressions. </a:t>
+            </a:r>
+            <a:endParaRPr lang="en-US" sz="2400" dirty="0"/>
           </a:p>
           <a:p>
             <a:pPr algn="just">
@@ -7870,6 +8681,18 @@
               <a:rPr lang="en-US" sz="2400" dirty="0"/>
               <a:t>.</a:t>
             </a:r>
+            <a:endParaRPr lang="en-US" sz="2400" dirty="0"/>
+          </a:p>
+          <a:p>
+            <a:pPr algn="just">
+              <a:buFont typeface="Wingdings" panose="05000000000000000000" pitchFamily="2" charset="2"/>
+              <a:buChar char="§"/>
+            </a:pPr>
+            <a:r>
+              <a:rPr lang="en-US" sz="2400" dirty="0"/>
+              <a:t>决策表通过逻辑组合考虑复杂的输入条件，有效地揭示了不同输入组合下的行为结果，填补了边界值分析和等价类划分在处理条件组合时的空缺。</a:t>
+            </a:r>
+            <a:endParaRPr lang="en-US" sz="2400" dirty="0"/>
           </a:p>
         </p:txBody>
       </p:sp>
@@ -7917,6 +8740,7 @@
               <a:rPr lang="en-US"/>
               <a:t>Decision Table Testing</a:t>
             </a:r>
+            <a:endParaRPr lang="en-US"/>
           </a:p>
         </p:txBody>
       </p:sp>
@@ -7931,7 +8755,7 @@
           </p:nvPr>
         </p:nvPicPr>
         <p:blipFill>
-          <a:blip r:embed="rId3"/>
+          <a:blip r:embed="rId1"/>
           <a:stretch>
             <a:fillRect/>
           </a:stretch>
@@ -7994,6 +8818,12 @@
               </a:rPr>
               <a:t> It is a list of input conditions for which the complex combination is made.</a:t>
             </a:r>
+            <a:endParaRPr lang="en-US">
+              <a:solidFill>
+                <a:prstClr val="black"/>
+              </a:solidFill>
+              <a:latin typeface="Arial" panose="020B0604020202020204" pitchFamily="34" charset="0"/>
+            </a:endParaRPr>
           </a:p>
           <a:p>
             <a:pPr fontAlgn="base">
@@ -8022,6 +8852,12 @@
               </a:rPr>
               <a:t> It is a list of resulting actions which will be performed if a combination of input condition is satisfied.</a:t>
             </a:r>
+            <a:endParaRPr lang="en-US">
+              <a:solidFill>
+                <a:prstClr val="black"/>
+              </a:solidFill>
+              <a:latin typeface="Arial" panose="020B0604020202020204" pitchFamily="34" charset="0"/>
+            </a:endParaRPr>
           </a:p>
         </p:txBody>
       </p:sp>
@@ -8083,48 +8919,104 @@
             <p:ph idx="1"/>
           </p:nvPr>
         </p:nvSpPr>
-        <p:spPr/>
+        <p:spPr>
+          <a:xfrm>
+            <a:off x="609600" y="1600200"/>
+            <a:ext cx="10972800" cy="4526280"/>
+          </a:xfrm>
+        </p:spPr>
         <p:txBody>
           <a:bodyPr vert="horz" wrap="square" lIns="91440" tIns="45720" rIns="91440" bIns="45720" anchor="t" anchorCtr="0"/>
           <a:lstStyle/>
           <a:p>
+            <a:pPr algn="dist">
+              <a:buNone/>
+            </a:pPr>
+            <a:r>
+              <a:rPr lang="en-US" sz="2400" b="1" dirty="0"/>
+              <a:t>Step 1: </a:t>
+            </a:r>
+            <a:r>
+              <a:rPr sz="2400" dirty="0">
+                <a:solidFill>
+                  <a:srgbClr val="FF0000"/>
+                </a:solidFill>
+              </a:rPr>
+              <a:t>Select a Subsystem/Function (选择子系统/功能)</a:t>
+            </a:r>
+            <a:r>
+              <a:rPr sz="2400" dirty="0"/>
+              <a:t>: Identify a part that responds</a:t>
+            </a:r>
+            <a:r>
+              <a:rPr lang="en-US"/>
+              <a:t> </a:t>
+            </a:r>
+            <a:r>
+              <a:rPr sz="2400" dirty="0"/>
+              <a:t>to input combinations. Simplify complex conditions into manageable groups. (识别对输入组合有反应的部分。简化复杂条件成可管理的组。)</a:t>
+            </a:r>
+            <a:endParaRPr sz="2400" dirty="0"/>
+          </a:p>
+          <a:p>
             <a:pPr algn="just">
               <a:buNone/>
             </a:pPr>
-            <a:r>
-              <a:rPr sz="2400" b="1" dirty="0"/>
-              <a:t>Step 1</a:t>
+            <a:endParaRPr sz="2400" dirty="0"/>
+          </a:p>
+          <a:p>
+            <a:pPr algn="just">
+              <a:buNone/>
+            </a:pPr>
+            <a:r>
+              <a:rPr lang="en-US" sz="2400" b="1" dirty="0"/>
+              <a:t>Step2: </a:t>
+            </a:r>
+            <a:r>
+              <a:rPr sz="2400" dirty="0">
+                <a:solidFill>
+                  <a:srgbClr val="FF0000"/>
+                </a:solidFill>
+              </a:rPr>
+              <a:t>Build Decision Table (建立决策表)</a:t>
             </a:r>
             <a:r>
               <a:rPr sz="2400" dirty="0"/>
-              <a:t>. The first task is to identify a suitable function or subsystem that has a behavior which reacts according to a combination of inputs or events. It is better to deal with large numbers of conditions by dividing them into subsets and dealing with the subsets one at a time.</a:t>
-            </a:r>
+              <a:t>: Outline conditions with True/False states. Each row shows a distinct combination of inputs. (概述具有真/假状态的条件。每行显示输入的不同组合。)</a:t>
+            </a:r>
+            <a:endParaRPr sz="2400" dirty="0"/>
           </a:p>
           <a:p>
             <a:pPr algn="just">
               <a:buNone/>
             </a:pPr>
-            <a:r>
-              <a:rPr sz="2400" b="1" dirty="0"/>
-              <a:t>Step 2</a:t>
+            <a:endParaRPr sz="2400" dirty="0"/>
+          </a:p>
+          <a:p>
+            <a:pPr algn="just">
+              <a:buNone/>
+            </a:pPr>
+            <a:r>
+              <a:rPr lang="en-US" sz="2400" b="1" dirty="0"/>
+              <a:t>Step 3:</a:t>
+            </a:r>
+            <a:r>
+              <a:rPr lang="en-US" sz="2400" dirty="0"/>
+              <a:t> </a:t>
+            </a:r>
+            <a:r>
+              <a:rPr sz="2400" dirty="0">
+                <a:solidFill>
+                  <a:srgbClr val="FF0000"/>
+                </a:solidFill>
+              </a:rPr>
+              <a:t>Define Outcomes (定义结果)</a:t>
             </a:r>
             <a:r>
               <a:rPr sz="2400" dirty="0"/>
-              <a:t>. Once you have identified the aspects that need to be combined, then you put them into a table listing all the combinations of True and False for each of the aspects.</a:t>
-            </a:r>
-          </a:p>
-          <a:p>
-            <a:pPr algn="just">
-              <a:buNone/>
-            </a:pPr>
-            <a:r>
-              <a:rPr sz="2400" b="1" dirty="0"/>
-              <a:t>Step 3. </a:t>
-            </a:r>
-            <a:r>
-              <a:rPr sz="2400" dirty="0"/>
-              <a:t>The next step is to identify the correct outcome for each combination.</a:t>
-            </a:r>
+              <a:t>: Assign expected responses for each input set, ensuring thorough testing and pinpointing of issues. (为每组输入指定预期响应，确保彻底测试和准确发现问题。)</a:t>
+            </a:r>
+            <a:endParaRPr sz="2400" dirty="0"/>
           </a:p>
         </p:txBody>
       </p:sp>
@@ -8202,6 +9094,7 @@
               <a:rPr sz="2400" b="1" dirty="0"/>
               <a:t>	Credit card worked example</a:t>
             </a:r>
+            <a:endParaRPr sz="2400" b="1" dirty="0"/>
           </a:p>
           <a:p>
             <a:pPr algn="just">
@@ -8227,6 +9120,7 @@
               <a:rPr lang="en-US" sz="2400" dirty="0"/>
               <a:t>	Draw the Decision table and design the test cases.</a:t>
             </a:r>
+            <a:endParaRPr lang="en-US" sz="2400" dirty="0"/>
           </a:p>
           <a:p>
             <a:pPr algn="just">
@@ -8295,7 +9189,7 @@
           </p:nvPr>
         </p:nvPicPr>
         <p:blipFill>
-          <a:blip r:embed="rId2"/>
+          <a:blip r:embed="rId1"/>
           <a:srcRect/>
           <a:stretch>
             <a:fillRect/>
@@ -8325,17 +9219,10 @@
         <p:cNvGrpSpPr/>
         <p:nvPr/>
       </p:nvGrpSpPr>
-      <p:grpSpPr>
-        <a:xfrm>
-          <a:off x="0" y="0"/>
-          <a:ext cx="0" cy="0"/>
-          <a:chOff x="0" y="0"/>
-          <a:chExt cx="0" cy="0"/>
-        </a:xfrm>
-      </p:grpSpPr>
-      <p:sp>
-        <p:nvSpPr>
-          <p:cNvPr id="11266" name="Title 1"/>
+      <p:grpSpPr/>
+      <p:sp>
+        <p:nvSpPr>
+          <p:cNvPr id="2" name="Title 1"/>
           <p:cNvSpPr>
             <a:spLocks noGrp="1"/>
           </p:cNvSpPr>
@@ -8345,92 +9232,76 @@
         </p:nvSpPr>
         <p:spPr/>
         <p:txBody>
-          <a:bodyPr vert="horz" wrap="square" lIns="91440" tIns="45720" rIns="91440" bIns="45720" anchor="ctr" anchorCtr="0"/>
-          <a:lstStyle/>
-          <a:p>
-            <a:pPr eaLnBrk="1" hangingPunct="1"/>
-            <a:r>
-              <a:rPr lang="en-US" b="1" dirty="0"/>
-              <a:t>Example 2: Class Activity</a:t>
-            </a:r>
-            <a:endParaRPr dirty="0"/>
-          </a:p>
-        </p:txBody>
-      </p:sp>
-      <p:sp>
-        <p:nvSpPr>
-          <p:cNvPr id="6" name="Content Placeholder 2"/>
-          <p:cNvSpPr>
-            <a:spLocks noGrp="1"/>
-          </p:cNvSpPr>
+          <a:bodyPr/>
+          <a:p>
+            <a:r>
+              <a:rPr lang="en-US"/>
+              <a:t>Implementation</a:t>
+            </a:r>
+            <a:endParaRPr lang="en-US"/>
+          </a:p>
+        </p:txBody>
+      </p:sp>
+      <p:pic>
+        <p:nvPicPr>
+          <p:cNvPr id="4" name="Content Placeholder 3"/>
+          <p:cNvPicPr>
+            <a:picLocks noChangeAspect="1"/>
+          </p:cNvPicPr>
           <p:nvPr>
             <p:ph idx="1"/>
           </p:nvPr>
-        </p:nvSpPr>
-        <p:spPr/>
-        <p:txBody>
-          <a:bodyPr vert="horz" wrap="square" lIns="91440" tIns="45720" rIns="91440" bIns="45720" numCol="1" rtlCol="0" anchor="t" anchorCtr="0" compatLnSpc="1">
-            <a:normAutofit/>
+        </p:nvPicPr>
+        <p:blipFill>
+          <a:blip r:embed="rId1"/>
+          <a:stretch>
+            <a:fillRect/>
+          </a:stretch>
+        </p:blipFill>
+        <p:spPr>
+          <a:xfrm>
+            <a:off x="609600" y="1304290"/>
+            <a:ext cx="7474585" cy="5320030"/>
+          </a:xfrm>
+          <a:prstGeom prst="rect">
+            <a:avLst/>
+          </a:prstGeom>
+        </p:spPr>
+      </p:pic>
+      <p:sp>
+        <p:nvSpPr>
+          <p:cNvPr id="5" name="Text Box 4"/>
+          <p:cNvSpPr txBox="1"/>
+          <p:nvPr/>
+        </p:nvSpPr>
+        <p:spPr>
+          <a:xfrm>
+            <a:off x="8175625" y="6142355"/>
+            <a:ext cx="4016375" cy="706755"/>
+          </a:xfrm>
+          <a:prstGeom prst="rect">
+            <a:avLst/>
+          </a:prstGeom>
+          <a:noFill/>
+        </p:spPr>
+        <p:txBody>
+          <a:bodyPr wrap="square" rtlCol="0" anchor="t">
+            <a:spAutoFit/>
           </a:bodyPr>
-          <a:lstStyle/>
-          <a:p>
-            <a:pPr marL="0" indent="0" algn="just" eaLnBrk="1" fontAlgn="auto" hangingPunct="1">
-              <a:spcAft>
-                <a:spcPts val="0"/>
-              </a:spcAft>
-              <a:buNone/>
-              <a:defRPr/>
-            </a:pPr>
-            <a:r>
-              <a:rPr lang="en-US" dirty="0"/>
-              <a:t>Consider a simple program to classify a triangle. Its inputs is a triple of positive integers (say x, y, z). The program output may be one of the following words:</a:t>
-            </a:r>
-          </a:p>
-          <a:p>
-            <a:pPr marL="0" indent="0" algn="just" eaLnBrk="1" fontAlgn="auto" hangingPunct="1">
-              <a:spcAft>
-                <a:spcPts val="0"/>
-              </a:spcAft>
-              <a:buNone/>
-              <a:defRPr/>
-            </a:pPr>
-            <a:endParaRPr lang="en-US" dirty="0"/>
-          </a:p>
-          <a:p>
-            <a:pPr marL="0" indent="0" algn="just" eaLnBrk="1" fontAlgn="auto" hangingPunct="1">
-              <a:spcAft>
-                <a:spcPts val="0"/>
-              </a:spcAft>
-              <a:buNone/>
-              <a:defRPr/>
-            </a:pPr>
-            <a:r>
-              <a:rPr lang="en-US" dirty="0"/>
-              <a:t>[Scalene; Isosceles; Equilateral; Not a triangle; Impossible]</a:t>
-            </a:r>
-          </a:p>
-          <a:p>
-            <a:pPr marL="0" indent="0" algn="just" eaLnBrk="1" fontAlgn="auto" hangingPunct="1">
-              <a:spcAft>
-                <a:spcPts val="0"/>
-              </a:spcAft>
-              <a:buNone/>
-              <a:defRPr/>
-            </a:pPr>
-            <a:endParaRPr lang="en-US" dirty="0"/>
-          </a:p>
-          <a:p>
-            <a:pPr marL="0" indent="0" algn="just" eaLnBrk="1" fontAlgn="auto" hangingPunct="1">
-              <a:spcAft>
-                <a:spcPts val="0"/>
-              </a:spcAft>
-              <a:buNone/>
-              <a:defRPr/>
-            </a:pPr>
-            <a:r>
-              <a:rPr lang="en-US" dirty="0"/>
-              <a:t>Draw the Decision table and design the test cases.</a:t>
-            </a:r>
+          <a:p>
+            <a:r>
+              <a:rPr lang="en-US" sz="2000">
+                <a:solidFill>
+                  <a:srgbClr val="FF0000"/>
+                </a:solidFill>
+              </a:rPr>
+              <a:t>Write the junit testing implementation</a:t>
+            </a:r>
+            <a:endParaRPr lang="en-US" sz="2000">
+              <a:solidFill>
+                <a:srgbClr val="FF0000"/>
+              </a:solidFill>
+            </a:endParaRPr>
           </a:p>
         </p:txBody>
       </p:sp>
@@ -8461,7 +9332,7 @@
       </p:grpSpPr>
       <p:sp>
         <p:nvSpPr>
-          <p:cNvPr id="12290" name="Title 1"/>
+          <p:cNvPr id="11266" name="Title 1"/>
           <p:cNvSpPr>
             <a:spLocks noGrp="1"/>
           </p:cNvSpPr>
@@ -8476,15 +9347,16 @@
           <a:p>
             <a:pPr eaLnBrk="1" hangingPunct="1"/>
             <a:r>
-              <a:rPr dirty="0"/>
-              <a:t>Decision Table Testing cont…</a:t>
-            </a:r>
-          </a:p>
-        </p:txBody>
-      </p:sp>
-      <p:sp>
-        <p:nvSpPr>
-          <p:cNvPr id="12291" name="Content Placeholder 2"/>
+              <a:rPr lang="en-US" b="1" dirty="0"/>
+              <a:t>Example 2: Class Activity</a:t>
+            </a:r>
+            <a:endParaRPr dirty="0"/>
+          </a:p>
+        </p:txBody>
+      </p:sp>
+      <p:sp>
+        <p:nvSpPr>
+          <p:cNvPr id="6" name="Content Placeholder 2"/>
           <p:cNvSpPr>
             <a:spLocks noGrp="1"/>
           </p:cNvSpPr>
@@ -8494,47 +9366,74 @@
         </p:nvSpPr>
         <p:spPr/>
         <p:txBody>
-          <a:bodyPr vert="horz" wrap="square" lIns="91440" tIns="45720" rIns="91440" bIns="45720" anchor="t" anchorCtr="0"/>
-          <a:lstStyle/>
-          <a:p>
-            <a:pPr eaLnBrk="1" hangingPunct="1">
-              <a:buNone/>
+          <a:bodyPr vert="horz" wrap="square" lIns="91440" tIns="45720" rIns="91440" bIns="45720" numCol="1" rtlCol="0" anchor="t" anchorCtr="0" compatLnSpc="1">
+            <a:normAutofit/>
+          </a:bodyPr>
+          <a:lstStyle/>
+          <a:p>
+            <a:pPr marL="0" indent="0" algn="just" eaLnBrk="1" fontAlgn="auto" hangingPunct="1">
+              <a:spcAft>
+                <a:spcPts val="0"/>
+              </a:spcAft>
+              <a:buNone/>
+              <a:defRPr/>
             </a:pPr>
             <a:r>
-              <a:rPr dirty="0"/>
-              <a:t>a. Decision Table</a:t>
-            </a:r>
-          </a:p>
-        </p:txBody>
-      </p:sp>
-      <p:pic>
-        <p:nvPicPr>
-          <p:cNvPr id="12292" name="Picture 4"/>
-          <p:cNvPicPr>
-            <a:picLocks noChangeAspect="1"/>
-          </p:cNvPicPr>
-          <p:nvPr/>
-        </p:nvPicPr>
-        <p:blipFill>
-          <a:blip r:embed="rId2"/>
-          <a:stretch>
-            <a:fillRect/>
-          </a:stretch>
-        </p:blipFill>
-        <p:spPr>
-          <a:xfrm>
-            <a:off x="2057401" y="2209800"/>
-            <a:ext cx="8054975" cy="3733800"/>
-          </a:xfrm>
-          <a:prstGeom prst="rect">
-            <a:avLst/>
-          </a:prstGeom>
-          <a:noFill/>
-          <a:ln w="9525">
-            <a:noFill/>
-          </a:ln>
-        </p:spPr>
-      </p:pic>
+              <a:rPr lang="en-US" dirty="0"/>
+              <a:t>Consider a simple program to classify a triangle. Its inputs is a triple of positive integers (say x, y, z). The program output may be one of the following words:</a:t>
+            </a:r>
+            <a:endParaRPr lang="en-US" dirty="0"/>
+          </a:p>
+          <a:p>
+            <a:pPr marL="0" indent="0" algn="just" eaLnBrk="1" fontAlgn="auto" hangingPunct="1">
+              <a:spcAft>
+                <a:spcPts val="0"/>
+              </a:spcAft>
+              <a:buNone/>
+              <a:defRPr/>
+            </a:pPr>
+            <a:endParaRPr lang="en-US" dirty="0"/>
+          </a:p>
+          <a:p>
+            <a:pPr marL="0" indent="0" algn="just" eaLnBrk="1" fontAlgn="auto" hangingPunct="1">
+              <a:spcAft>
+                <a:spcPts val="0"/>
+              </a:spcAft>
+              <a:buNone/>
+              <a:defRPr/>
+            </a:pPr>
+            <a:r>
+              <a:rPr lang="en-US" dirty="0"/>
+              <a:t>[Scalene; Isosceles; Equilateral; Not a triangle; Impossible]</a:t>
+            </a:r>
+            <a:endParaRPr lang="en-US" dirty="0"/>
+          </a:p>
+          <a:p>
+            <a:pPr marL="0" indent="0" algn="just" eaLnBrk="1" fontAlgn="auto" hangingPunct="1">
+              <a:spcAft>
+                <a:spcPts val="0"/>
+              </a:spcAft>
+              <a:buNone/>
+              <a:defRPr/>
+            </a:pPr>
+            <a:endParaRPr lang="en-US" dirty="0"/>
+          </a:p>
+          <a:p>
+            <a:pPr marL="0" indent="0" algn="just" eaLnBrk="1" fontAlgn="auto" hangingPunct="1">
+              <a:spcAft>
+                <a:spcPts val="0"/>
+              </a:spcAft>
+              <a:buNone/>
+              <a:defRPr/>
+            </a:pPr>
+            <a:r>
+              <a:rPr lang="en-US" dirty="0"/>
+              <a:t>Draw the Decision table and design the test cases.</a:t>
+            </a:r>
+            <a:endParaRPr lang="en-US" dirty="0"/>
+          </a:p>
+        </p:txBody>
+      </p:sp>
     </p:spTree>
   </p:cSld>
   <p:clrMapOvr>
@@ -8562,7 +9461,7 @@
       </p:grpSpPr>
       <p:sp>
         <p:nvSpPr>
-          <p:cNvPr id="13314" name="Title 1"/>
+          <p:cNvPr id="12290" name="Title 1"/>
           <p:cNvSpPr>
             <a:spLocks noGrp="1"/>
           </p:cNvSpPr>
@@ -8577,856 +9476,67 @@
           <a:p>
             <a:pPr eaLnBrk="1" hangingPunct="1"/>
             <a:r>
+              <a:rPr b="1" dirty="0"/>
+              <a:t>Decision Table Testing cont…</a:t>
+            </a:r>
+            <a:endParaRPr b="1" dirty="0"/>
+          </a:p>
+        </p:txBody>
+      </p:sp>
+      <p:sp>
+        <p:nvSpPr>
+          <p:cNvPr id="12291" name="Content Placeholder 2"/>
+          <p:cNvSpPr>
+            <a:spLocks noGrp="1"/>
+          </p:cNvSpPr>
+          <p:nvPr>
+            <p:ph idx="1"/>
+          </p:nvPr>
+        </p:nvSpPr>
+        <p:spPr/>
+        <p:txBody>
+          <a:bodyPr vert="horz" wrap="square" lIns="91440" tIns="45720" rIns="91440" bIns="45720" anchor="t" anchorCtr="0"/>
+          <a:lstStyle/>
+          <a:p>
+            <a:pPr eaLnBrk="1" hangingPunct="1">
+              <a:buNone/>
+            </a:pPr>
+            <a:r>
               <a:rPr dirty="0"/>
-              <a:t>Decision Table Testing cont…</a:t>
-            </a:r>
-          </a:p>
-        </p:txBody>
-      </p:sp>
-      <p:sp>
-        <p:nvSpPr>
-          <p:cNvPr id="13315" name="Content Placeholder 2"/>
-          <p:cNvSpPr>
-            <a:spLocks noGrp="1"/>
-          </p:cNvSpPr>
-          <p:nvPr>
-            <p:ph idx="1"/>
-          </p:nvPr>
-        </p:nvSpPr>
-        <p:spPr/>
-        <p:txBody>
-          <a:bodyPr vert="horz" wrap="square" lIns="91440" tIns="45720" rIns="91440" bIns="45720" anchor="t" anchorCtr="0"/>
-          <a:lstStyle/>
-          <a:p>
-            <a:pPr eaLnBrk="1" hangingPunct="1">
-              <a:buNone/>
-            </a:pPr>
-            <a:r>
-              <a:rPr dirty="0"/>
-              <a:t>b. Test Cases</a:t>
-            </a:r>
-          </a:p>
-        </p:txBody>
-      </p:sp>
-      <p:graphicFrame>
-        <p:nvGraphicFramePr>
-          <p:cNvPr id="4" name="Table 3"/>
-          <p:cNvGraphicFramePr>
-            <a:graphicFrameLocks noGrp="1"/>
-          </p:cNvGraphicFramePr>
+              <a:t>a. Decision Table</a:t>
+            </a:r>
+            <a:endParaRPr dirty="0"/>
+          </a:p>
+        </p:txBody>
+      </p:sp>
+      <p:pic>
+        <p:nvPicPr>
+          <p:cNvPr id="12292" name="Picture 4"/>
+          <p:cNvPicPr>
+            <a:picLocks noChangeAspect="1"/>
+          </p:cNvPicPr>
           <p:nvPr/>
-        </p:nvGraphicFramePr>
-        <p:xfrm>
-          <a:off x="2286000" y="2362200"/>
-          <a:ext cx="7543800" cy="3810000"/>
-        </p:xfrm>
-        <a:graphic>
-          <a:graphicData uri="http://schemas.openxmlformats.org/drawingml/2006/table">
-            <a:tbl>
-              <a:tblPr firstRow="1" bandRow="1">
-                <a:tableStyleId>{5C22544A-7EE6-4342-B048-85BDC9FD1C3A}</a:tableStyleId>
-              </a:tblPr>
-              <a:tblGrid>
-                <a:gridCol w="1257300">
-                  <a:extLst>
-                    <a:ext uri="{9D8B030D-6E8A-4147-A177-3AD203B41FA5}">
-                      <a16:colId xmlns:a16="http://schemas.microsoft.com/office/drawing/2014/main" val="20000"/>
-                    </a:ext>
-                  </a:extLst>
-                </a:gridCol>
-                <a:gridCol w="1257300">
-                  <a:extLst>
-                    <a:ext uri="{9D8B030D-6E8A-4147-A177-3AD203B41FA5}">
-                      <a16:colId xmlns:a16="http://schemas.microsoft.com/office/drawing/2014/main" val="20001"/>
-                    </a:ext>
-                  </a:extLst>
-                </a:gridCol>
-                <a:gridCol w="1257300">
-                  <a:extLst>
-                    <a:ext uri="{9D8B030D-6E8A-4147-A177-3AD203B41FA5}">
-                      <a16:colId xmlns:a16="http://schemas.microsoft.com/office/drawing/2014/main" val="20002"/>
-                    </a:ext>
-                  </a:extLst>
-                </a:gridCol>
-                <a:gridCol w="1257300">
-                  <a:extLst>
-                    <a:ext uri="{9D8B030D-6E8A-4147-A177-3AD203B41FA5}">
-                      <a16:colId xmlns:a16="http://schemas.microsoft.com/office/drawing/2014/main" val="20003"/>
-                    </a:ext>
-                  </a:extLst>
-                </a:gridCol>
-                <a:gridCol w="2514600">
-                  <a:extLst>
-                    <a:ext uri="{9D8B030D-6E8A-4147-A177-3AD203B41FA5}">
-                      <a16:colId xmlns:a16="http://schemas.microsoft.com/office/drawing/2014/main" val="20004"/>
-                    </a:ext>
-                  </a:extLst>
-                </a:gridCol>
-              </a:tblGrid>
-              <a:tr h="381000">
-                <a:tc>
-                  <a:txBody>
-                    <a:bodyPr/>
-                    <a:lstStyle/>
-                    <a:p>
-                      <a:pPr algn="ctr"/>
-                      <a:r>
-                        <a:rPr lang="en-US" dirty="0"/>
-                        <a:t>Test Case</a:t>
-                      </a:r>
-                    </a:p>
-                  </a:txBody>
-                  <a:tcPr/>
-                </a:tc>
-                <a:tc>
-                  <a:txBody>
-                    <a:bodyPr/>
-                    <a:lstStyle/>
-                    <a:p>
-                      <a:pPr algn="ctr"/>
-                      <a:r>
-                        <a:rPr lang="en-US" dirty="0"/>
-                        <a:t>x</a:t>
-                      </a:r>
-                    </a:p>
-                  </a:txBody>
-                  <a:tcPr/>
-                </a:tc>
-                <a:tc>
-                  <a:txBody>
-                    <a:bodyPr/>
-                    <a:lstStyle/>
-                    <a:p>
-                      <a:pPr algn="ctr"/>
-                      <a:r>
-                        <a:rPr lang="en-US" dirty="0"/>
-                        <a:t>Y</a:t>
-                      </a:r>
-                    </a:p>
-                  </a:txBody>
-                  <a:tcPr/>
-                </a:tc>
-                <a:tc>
-                  <a:txBody>
-                    <a:bodyPr/>
-                    <a:lstStyle/>
-                    <a:p>
-                      <a:pPr algn="ctr"/>
-                      <a:r>
-                        <a:rPr lang="en-US" dirty="0"/>
-                        <a:t>z</a:t>
-                      </a:r>
-                    </a:p>
-                  </a:txBody>
-                  <a:tcPr/>
-                </a:tc>
-                <a:tc>
-                  <a:txBody>
-                    <a:bodyPr/>
-                    <a:lstStyle/>
-                    <a:p>
-                      <a:r>
-                        <a:rPr lang="en-US" dirty="0"/>
-                        <a:t>Output</a:t>
-                      </a:r>
-                    </a:p>
-                  </a:txBody>
-                  <a:tcPr/>
-                </a:tc>
-                <a:extLst>
-                  <a:ext uri="{0D108BD9-81ED-4DB2-BD59-A6C34878D82A}">
-                    <a16:rowId xmlns:a16="http://schemas.microsoft.com/office/drawing/2014/main" val="10000"/>
-                  </a:ext>
-                </a:extLst>
-              </a:tr>
-              <a:tr h="381000">
-                <a:tc>
-                  <a:txBody>
-                    <a:bodyPr/>
-                    <a:lstStyle/>
-                    <a:p>
-                      <a:pPr algn="ctr"/>
-                      <a:r>
-                        <a:rPr lang="en-US" dirty="0"/>
-                        <a:t>1</a:t>
-                      </a:r>
-                    </a:p>
-                  </a:txBody>
-                  <a:tcPr/>
-                </a:tc>
-                <a:tc>
-                  <a:txBody>
-                    <a:bodyPr/>
-                    <a:lstStyle/>
-                    <a:p>
-                      <a:pPr algn="ctr"/>
-                      <a:r>
-                        <a:rPr lang="en-US" dirty="0"/>
-                        <a:t>-</a:t>
-                      </a:r>
-                    </a:p>
-                  </a:txBody>
-                  <a:tcPr/>
-                </a:tc>
-                <a:tc>
-                  <a:txBody>
-                    <a:bodyPr/>
-                    <a:lstStyle/>
-                    <a:p>
-                      <a:pPr algn="ctr"/>
-                      <a:r>
-                        <a:rPr lang="en-US" dirty="0"/>
-                        <a:t>-</a:t>
-                      </a:r>
-                    </a:p>
-                  </a:txBody>
-                  <a:tcPr/>
-                </a:tc>
-                <a:tc>
-                  <a:txBody>
-                    <a:bodyPr/>
-                    <a:lstStyle/>
-                    <a:p>
-                      <a:pPr algn="ctr"/>
-                      <a:r>
-                        <a:rPr lang="en-US" dirty="0"/>
-                        <a:t>-</a:t>
-                      </a:r>
-                    </a:p>
-                  </a:txBody>
-                  <a:tcPr/>
-                </a:tc>
-                <a:tc>
-                  <a:txBody>
-                    <a:bodyPr/>
-                    <a:lstStyle/>
-                    <a:p>
-                      <a:r>
-                        <a:rPr lang="en-US" dirty="0"/>
-                        <a:t>Not a Triangle</a:t>
-                      </a:r>
-                    </a:p>
-                  </a:txBody>
-                  <a:tcPr/>
-                </a:tc>
-                <a:extLst>
-                  <a:ext uri="{0D108BD9-81ED-4DB2-BD59-A6C34878D82A}">
-                    <a16:rowId xmlns:a16="http://schemas.microsoft.com/office/drawing/2014/main" val="10001"/>
-                  </a:ext>
-                </a:extLst>
-              </a:tr>
-              <a:tr h="381000">
-                <a:tc>
-                  <a:txBody>
-                    <a:bodyPr/>
-                    <a:lstStyle/>
-                    <a:p>
-                      <a:pPr algn="ctr"/>
-                      <a:r>
-                        <a:rPr lang="en-US" dirty="0"/>
-                        <a:t>2</a:t>
-                      </a:r>
-                    </a:p>
-                  </a:txBody>
-                  <a:tcPr/>
-                </a:tc>
-                <a:tc>
-                  <a:txBody>
-                    <a:bodyPr/>
-                    <a:lstStyle/>
-                    <a:p>
-                      <a:pPr algn="ctr"/>
-                      <a:r>
-                        <a:rPr lang="en-US" dirty="0"/>
-                        <a:t>2</a:t>
-                      </a:r>
-                    </a:p>
-                  </a:txBody>
-                  <a:tcPr/>
-                </a:tc>
-                <a:tc>
-                  <a:txBody>
-                    <a:bodyPr/>
-                    <a:lstStyle/>
-                    <a:p>
-                      <a:pPr algn="ctr"/>
-                      <a:r>
-                        <a:rPr lang="en-US" dirty="0"/>
-                        <a:t>2</a:t>
-                      </a:r>
-                    </a:p>
-                  </a:txBody>
-                  <a:tcPr/>
-                </a:tc>
-                <a:tc>
-                  <a:txBody>
-                    <a:bodyPr/>
-                    <a:lstStyle/>
-                    <a:p>
-                      <a:pPr algn="ctr"/>
-                      <a:r>
-                        <a:rPr lang="en-US" dirty="0"/>
-                        <a:t>2</a:t>
-                      </a:r>
-                    </a:p>
-                  </a:txBody>
-                  <a:tcPr/>
-                </a:tc>
-                <a:tc>
-                  <a:txBody>
-                    <a:bodyPr/>
-                    <a:lstStyle/>
-                    <a:p>
-                      <a:r>
-                        <a:rPr lang="en-US" dirty="0"/>
-                        <a:t>Equilateral</a:t>
-                      </a:r>
-                    </a:p>
-                  </a:txBody>
-                  <a:tcPr/>
-                </a:tc>
-                <a:extLst>
-                  <a:ext uri="{0D108BD9-81ED-4DB2-BD59-A6C34878D82A}">
-                    <a16:rowId xmlns:a16="http://schemas.microsoft.com/office/drawing/2014/main" val="10002"/>
-                  </a:ext>
-                </a:extLst>
-              </a:tr>
-              <a:tr h="381000">
-                <a:tc>
-                  <a:txBody>
-                    <a:bodyPr/>
-                    <a:lstStyle/>
-                    <a:p>
-                      <a:pPr algn="ctr"/>
-                      <a:r>
-                        <a:rPr lang="en-US" dirty="0"/>
-                        <a:t>3</a:t>
-                      </a:r>
-                    </a:p>
-                  </a:txBody>
-                  <a:tcPr/>
-                </a:tc>
-                <a:tc>
-                  <a:txBody>
-                    <a:bodyPr/>
-                    <a:lstStyle/>
-                    <a:p>
-                      <a:pPr algn="ctr"/>
-                      <a:r>
-                        <a:rPr lang="en-US" dirty="0"/>
-                        <a:t>-</a:t>
-                      </a:r>
-                    </a:p>
-                  </a:txBody>
-                  <a:tcPr/>
-                </a:tc>
-                <a:tc>
-                  <a:txBody>
-                    <a:bodyPr/>
-                    <a:lstStyle/>
-                    <a:p>
-                      <a:pPr algn="ctr"/>
-                      <a:r>
-                        <a:rPr lang="en-US" dirty="0"/>
-                        <a:t>-</a:t>
-                      </a:r>
-                    </a:p>
-                  </a:txBody>
-                  <a:tcPr/>
-                </a:tc>
-                <a:tc>
-                  <a:txBody>
-                    <a:bodyPr/>
-                    <a:lstStyle/>
-                    <a:p>
-                      <a:pPr algn="ctr"/>
-                      <a:r>
-                        <a:rPr lang="en-US" dirty="0"/>
-                        <a:t>-</a:t>
-                      </a:r>
-                    </a:p>
-                  </a:txBody>
-                  <a:tcPr/>
-                </a:tc>
-                <a:tc>
-                  <a:txBody>
-                    <a:bodyPr/>
-                    <a:lstStyle/>
-                    <a:p>
-                      <a:r>
-                        <a:rPr lang="en-US" dirty="0"/>
-                        <a:t>Impossible</a:t>
-                      </a:r>
-                    </a:p>
-                  </a:txBody>
-                  <a:tcPr/>
-                </a:tc>
-                <a:extLst>
-                  <a:ext uri="{0D108BD9-81ED-4DB2-BD59-A6C34878D82A}">
-                    <a16:rowId xmlns:a16="http://schemas.microsoft.com/office/drawing/2014/main" val="10003"/>
-                  </a:ext>
-                </a:extLst>
-              </a:tr>
-              <a:tr h="381000">
-                <a:tc>
-                  <a:txBody>
-                    <a:bodyPr/>
-                    <a:lstStyle/>
-                    <a:p>
-                      <a:pPr algn="ctr"/>
-                      <a:r>
-                        <a:rPr lang="en-US" dirty="0"/>
-                        <a:t>4</a:t>
-                      </a:r>
-                    </a:p>
-                  </a:txBody>
-                  <a:tcPr/>
-                </a:tc>
-                <a:tc>
-                  <a:txBody>
-                    <a:bodyPr/>
-                    <a:lstStyle/>
-                    <a:p>
-                      <a:pPr algn="ctr"/>
-                      <a:r>
-                        <a:rPr lang="en-US" dirty="0"/>
-                        <a:t>-</a:t>
-                      </a:r>
-                    </a:p>
-                  </a:txBody>
-                  <a:tcPr/>
-                </a:tc>
-                <a:tc>
-                  <a:txBody>
-                    <a:bodyPr/>
-                    <a:lstStyle/>
-                    <a:p>
-                      <a:pPr algn="ctr"/>
-                      <a:r>
-                        <a:rPr lang="en-US"/>
-                        <a:t>-</a:t>
-                      </a:r>
-                    </a:p>
-                  </a:txBody>
-                  <a:tcPr/>
-                </a:tc>
-                <a:tc>
-                  <a:txBody>
-                    <a:bodyPr/>
-                    <a:lstStyle/>
-                    <a:p>
-                      <a:pPr algn="ctr"/>
-                      <a:r>
-                        <a:rPr lang="en-US" dirty="0"/>
-                        <a:t>-</a:t>
-                      </a:r>
-                    </a:p>
-                  </a:txBody>
-                  <a:tcPr/>
-                </a:tc>
-                <a:tc>
-                  <a:txBody>
-                    <a:bodyPr/>
-                    <a:lstStyle/>
-                    <a:p>
-                      <a:r>
-                        <a:rPr lang="en-US" dirty="0"/>
-                        <a:t>Impossible</a:t>
-                      </a:r>
-                    </a:p>
-                  </a:txBody>
-                  <a:tcPr/>
-                </a:tc>
-                <a:extLst>
-                  <a:ext uri="{0D108BD9-81ED-4DB2-BD59-A6C34878D82A}">
-                    <a16:rowId xmlns:a16="http://schemas.microsoft.com/office/drawing/2014/main" val="10004"/>
-                  </a:ext>
-                </a:extLst>
-              </a:tr>
-              <a:tr h="381000">
-                <a:tc>
-                  <a:txBody>
-                    <a:bodyPr/>
-                    <a:lstStyle/>
-                    <a:p>
-                      <a:pPr algn="ctr"/>
-                      <a:r>
-                        <a:rPr lang="en-US" dirty="0"/>
-                        <a:t>5</a:t>
-                      </a:r>
-                    </a:p>
-                  </a:txBody>
-                  <a:tcPr/>
-                </a:tc>
-                <a:tc>
-                  <a:txBody>
-                    <a:bodyPr/>
-                    <a:lstStyle/>
-                    <a:p>
-                      <a:pPr algn="ctr"/>
-                      <a:r>
-                        <a:rPr lang="en-US" dirty="0"/>
-                        <a:t>2</a:t>
-                      </a:r>
-                    </a:p>
-                  </a:txBody>
-                  <a:tcPr/>
-                </a:tc>
-                <a:tc>
-                  <a:txBody>
-                    <a:bodyPr/>
-                    <a:lstStyle/>
-                    <a:p>
-                      <a:pPr algn="ctr"/>
-                      <a:r>
-                        <a:rPr lang="en-US" dirty="0"/>
-                        <a:t>2</a:t>
-                      </a:r>
-                    </a:p>
-                  </a:txBody>
-                  <a:tcPr/>
-                </a:tc>
-                <a:tc>
-                  <a:txBody>
-                    <a:bodyPr/>
-                    <a:lstStyle/>
-                    <a:p>
-                      <a:pPr algn="ctr"/>
-                      <a:r>
-                        <a:rPr lang="en-US" dirty="0"/>
-                        <a:t>1</a:t>
-                      </a:r>
-                    </a:p>
-                  </a:txBody>
-                  <a:tcPr/>
-                </a:tc>
-                <a:tc>
-                  <a:txBody>
-                    <a:bodyPr/>
-                    <a:lstStyle/>
-                    <a:p>
-                      <a:r>
-                        <a:rPr lang="en-US" dirty="0"/>
-                        <a:t>Isosceles</a:t>
-                      </a:r>
-                    </a:p>
-                  </a:txBody>
-                  <a:tcPr/>
-                </a:tc>
-                <a:extLst>
-                  <a:ext uri="{0D108BD9-81ED-4DB2-BD59-A6C34878D82A}">
-                    <a16:rowId xmlns:a16="http://schemas.microsoft.com/office/drawing/2014/main" val="10005"/>
-                  </a:ext>
-                </a:extLst>
-              </a:tr>
-              <a:tr h="381000">
-                <a:tc>
-                  <a:txBody>
-                    <a:bodyPr/>
-                    <a:lstStyle/>
-                    <a:p>
-                      <a:pPr algn="ctr"/>
-                      <a:r>
-                        <a:rPr lang="en-US" dirty="0"/>
-                        <a:t>6</a:t>
-                      </a:r>
-                    </a:p>
-                  </a:txBody>
-                  <a:tcPr/>
-                </a:tc>
-                <a:tc>
-                  <a:txBody>
-                    <a:bodyPr/>
-                    <a:lstStyle/>
-                    <a:p>
-                      <a:pPr algn="ctr"/>
-                      <a:r>
-                        <a:rPr lang="en-US" dirty="0"/>
-                        <a:t>-</a:t>
-                      </a:r>
-                    </a:p>
-                  </a:txBody>
-                  <a:tcPr/>
-                </a:tc>
-                <a:tc>
-                  <a:txBody>
-                    <a:bodyPr/>
-                    <a:lstStyle/>
-                    <a:p>
-                      <a:pPr algn="ctr"/>
-                      <a:r>
-                        <a:rPr lang="en-US" dirty="0"/>
-                        <a:t>-</a:t>
-                      </a:r>
-                    </a:p>
-                  </a:txBody>
-                  <a:tcPr/>
-                </a:tc>
-                <a:tc>
-                  <a:txBody>
-                    <a:bodyPr/>
-                    <a:lstStyle/>
-                    <a:p>
-                      <a:pPr algn="ctr"/>
-                      <a:r>
-                        <a:rPr lang="en-US" dirty="0"/>
-                        <a:t>-</a:t>
-                      </a:r>
-                    </a:p>
-                  </a:txBody>
-                  <a:tcPr/>
-                </a:tc>
-                <a:tc>
-                  <a:txBody>
-                    <a:bodyPr/>
-                    <a:lstStyle/>
-                    <a:p>
-                      <a:r>
-                        <a:rPr lang="en-US" dirty="0"/>
-                        <a:t>Impossible</a:t>
-                      </a:r>
-                    </a:p>
-                  </a:txBody>
-                  <a:tcPr/>
-                </a:tc>
-                <a:extLst>
-                  <a:ext uri="{0D108BD9-81ED-4DB2-BD59-A6C34878D82A}">
-                    <a16:rowId xmlns:a16="http://schemas.microsoft.com/office/drawing/2014/main" val="10006"/>
-                  </a:ext>
-                </a:extLst>
-              </a:tr>
-              <a:tr h="381000">
-                <a:tc>
-                  <a:txBody>
-                    <a:bodyPr/>
-                    <a:lstStyle/>
-                    <a:p>
-                      <a:pPr algn="ctr"/>
-                      <a:r>
-                        <a:rPr lang="en-US" dirty="0"/>
-                        <a:t>7</a:t>
-                      </a:r>
-                    </a:p>
-                  </a:txBody>
-                  <a:tcPr/>
-                </a:tc>
-                <a:tc>
-                  <a:txBody>
-                    <a:bodyPr/>
-                    <a:lstStyle/>
-                    <a:p>
-                      <a:pPr algn="ctr"/>
-                      <a:r>
-                        <a:rPr lang="en-US" dirty="0"/>
-                        <a:t>2</a:t>
-                      </a:r>
-                    </a:p>
-                  </a:txBody>
-                  <a:tcPr/>
-                </a:tc>
-                <a:tc>
-                  <a:txBody>
-                    <a:bodyPr/>
-                    <a:lstStyle/>
-                    <a:p>
-                      <a:pPr algn="ctr"/>
-                      <a:r>
-                        <a:rPr lang="en-US" dirty="0"/>
-                        <a:t>1</a:t>
-                      </a:r>
-                    </a:p>
-                  </a:txBody>
-                  <a:tcPr/>
-                </a:tc>
-                <a:tc>
-                  <a:txBody>
-                    <a:bodyPr/>
-                    <a:lstStyle/>
-                    <a:p>
-                      <a:pPr algn="ctr"/>
-                      <a:r>
-                        <a:rPr lang="en-US" dirty="0"/>
-                        <a:t>2</a:t>
-                      </a:r>
-                    </a:p>
-                  </a:txBody>
-                  <a:tcPr/>
-                </a:tc>
-                <a:tc>
-                  <a:txBody>
-                    <a:bodyPr/>
-                    <a:lstStyle/>
-                    <a:p>
-                      <a:r>
-                        <a:rPr lang="en-US" dirty="0"/>
-                        <a:t>Isosceles</a:t>
-                      </a:r>
-                    </a:p>
-                  </a:txBody>
-                  <a:tcPr/>
-                </a:tc>
-                <a:extLst>
-                  <a:ext uri="{0D108BD9-81ED-4DB2-BD59-A6C34878D82A}">
-                    <a16:rowId xmlns:a16="http://schemas.microsoft.com/office/drawing/2014/main" val="10007"/>
-                  </a:ext>
-                </a:extLst>
-              </a:tr>
-              <a:tr h="381000">
-                <a:tc>
-                  <a:txBody>
-                    <a:bodyPr/>
-                    <a:lstStyle/>
-                    <a:p>
-                      <a:pPr algn="ctr"/>
-                      <a:r>
-                        <a:rPr lang="en-US" dirty="0"/>
-                        <a:t>8</a:t>
-                      </a:r>
-                    </a:p>
-                  </a:txBody>
-                  <a:tcPr/>
-                </a:tc>
-                <a:tc>
-                  <a:txBody>
-                    <a:bodyPr/>
-                    <a:lstStyle/>
-                    <a:p>
-                      <a:pPr algn="ctr"/>
-                      <a:r>
-                        <a:rPr lang="en-US" dirty="0"/>
-                        <a:t>1</a:t>
-                      </a:r>
-                    </a:p>
-                  </a:txBody>
-                  <a:tcPr/>
-                </a:tc>
-                <a:tc>
-                  <a:txBody>
-                    <a:bodyPr/>
-                    <a:lstStyle/>
-                    <a:p>
-                      <a:pPr algn="ctr"/>
-                      <a:r>
-                        <a:rPr lang="en-US" dirty="0"/>
-                        <a:t>2</a:t>
-                      </a:r>
-                    </a:p>
-                  </a:txBody>
-                  <a:tcPr/>
-                </a:tc>
-                <a:tc>
-                  <a:txBody>
-                    <a:bodyPr/>
-                    <a:lstStyle/>
-                    <a:p>
-                      <a:pPr algn="ctr"/>
-                      <a:r>
-                        <a:rPr lang="en-US" dirty="0"/>
-                        <a:t>2</a:t>
-                      </a:r>
-                    </a:p>
-                  </a:txBody>
-                  <a:tcPr/>
-                </a:tc>
-                <a:tc>
-                  <a:txBody>
-                    <a:bodyPr/>
-                    <a:lstStyle/>
-                    <a:p>
-                      <a:r>
-                        <a:rPr lang="en-US" dirty="0"/>
-                        <a:t>Isosceles</a:t>
-                      </a:r>
-                    </a:p>
-                  </a:txBody>
-                  <a:tcPr/>
-                </a:tc>
-                <a:extLst>
-                  <a:ext uri="{0D108BD9-81ED-4DB2-BD59-A6C34878D82A}">
-                    <a16:rowId xmlns:a16="http://schemas.microsoft.com/office/drawing/2014/main" val="10008"/>
-                  </a:ext>
-                </a:extLst>
-              </a:tr>
-              <a:tr h="381000">
-                <a:tc>
-                  <a:txBody>
-                    <a:bodyPr/>
-                    <a:lstStyle/>
-                    <a:p>
-                      <a:pPr algn="ctr"/>
-                      <a:r>
-                        <a:rPr lang="en-US" dirty="0"/>
-                        <a:t>9</a:t>
-                      </a:r>
-                    </a:p>
-                  </a:txBody>
-                  <a:tcPr/>
-                </a:tc>
-                <a:tc>
-                  <a:txBody>
-                    <a:bodyPr/>
-                    <a:lstStyle/>
-                    <a:p>
-                      <a:pPr algn="ctr"/>
-                      <a:r>
-                        <a:rPr lang="en-US" dirty="0"/>
-                        <a:t>3</a:t>
-                      </a:r>
-                    </a:p>
-                  </a:txBody>
-                  <a:tcPr/>
-                </a:tc>
-                <a:tc>
-                  <a:txBody>
-                    <a:bodyPr/>
-                    <a:lstStyle/>
-                    <a:p>
-                      <a:pPr algn="ctr"/>
-                      <a:r>
-                        <a:rPr lang="en-US" dirty="0"/>
-                        <a:t>4</a:t>
-                      </a:r>
-                    </a:p>
-                  </a:txBody>
-                  <a:tcPr/>
-                </a:tc>
-                <a:tc>
-                  <a:txBody>
-                    <a:bodyPr/>
-                    <a:lstStyle/>
-                    <a:p>
-                      <a:pPr algn="ctr"/>
-                      <a:r>
-                        <a:rPr lang="en-US" dirty="0"/>
-                        <a:t>5</a:t>
-                      </a:r>
-                    </a:p>
-                  </a:txBody>
-                  <a:tcPr/>
-                </a:tc>
-                <a:tc>
-                  <a:txBody>
-                    <a:bodyPr/>
-                    <a:lstStyle/>
-                    <a:p>
-                      <a:r>
-                        <a:rPr lang="en-US" dirty="0"/>
-                        <a:t>Scalene</a:t>
-                      </a:r>
-                    </a:p>
-                  </a:txBody>
-                  <a:tcPr/>
-                </a:tc>
-                <a:extLst>
-                  <a:ext uri="{0D108BD9-81ED-4DB2-BD59-A6C34878D82A}">
-                    <a16:rowId xmlns:a16="http://schemas.microsoft.com/office/drawing/2014/main" val="10009"/>
-                  </a:ext>
-                </a:extLst>
-              </a:tr>
-            </a:tbl>
-          </a:graphicData>
-        </a:graphic>
-      </p:graphicFrame>
+        </p:nvPicPr>
+        <p:blipFill>
+          <a:blip r:embed="rId1"/>
+          <a:stretch>
+            <a:fillRect/>
+          </a:stretch>
+        </p:blipFill>
+        <p:spPr>
+          <a:xfrm>
+            <a:off x="2057401" y="2209800"/>
+            <a:ext cx="8054975" cy="3733800"/>
+          </a:xfrm>
+          <a:prstGeom prst="rect">
+            <a:avLst/>
+          </a:prstGeom>
+          <a:noFill/>
+          <a:ln w="9525">
+            <a:noFill/>
+          </a:ln>
+        </p:spPr>
+      </p:pic>
     </p:spTree>
   </p:cSld>
   <p:clrMapOvr>
@@ -9686,8 +9796,6 @@
       </a:bgFillStyleLst>
     </a:fmtScheme>
   </a:themeElements>
-  <a:objectDefaults/>
-  <a:extraClrSchemeLst/>
   <a:extLst>
     <a:ext uri="{05A4C25C-085E-4340-85A3-A5531E510DB2}">
       <thm15:themeFamily xmlns:thm15="http://schemas.microsoft.com/office/thememl/2012/main" name="Office Theme" id="{62F939B6-93AF-4DB8-9C6B-D6C7DFDC589F}" vid="{4A3C46E8-61CC-4603-A589-7422A47A8E4A}"/>
@@ -9974,8 +10082,6 @@
       </a:bgFillStyleLst>
     </a:fmtScheme>
   </a:themeElements>
-  <a:objectDefaults/>
-  <a:extraClrSchemeLst/>
   <a:extLst>
     <a:ext uri="{05A4C25C-085E-4340-85A3-A5531E510DB2}">
       <thm15:themeFamily xmlns:thm15="http://schemas.microsoft.com/office/thememl/2012/main" name="Office Theme" id="{62F939B6-93AF-4DB8-9C6B-D6C7DFDC589F}" vid="{4A3C46E8-61CC-4603-A589-7422A47A8E4A}"/>
@@ -10027,7 +10133,7 @@
     </a:clrScheme>
     <a:fontScheme name="Office">
       <a:majorFont>
-        <a:latin typeface="Calibri Light" panose="020F0302020204030204"/>
+        <a:latin typeface="Calibri Light"/>
         <a:ea typeface=""/>
         <a:cs typeface=""/>
         <a:font script="Jpan" typeface="游ゴシック Light"/>
@@ -10060,26 +10166,9 @@
         <a:font script="Viet" typeface="Times New Roman"/>
         <a:font script="Uigh" typeface="Microsoft Uighur"/>
         <a:font script="Geor" typeface="Sylfaen"/>
-        <a:font script="Armn" typeface="Arial"/>
-        <a:font script="Bugi" typeface="Leelawadee UI"/>
-        <a:font script="Bopo" typeface="Microsoft JhengHei"/>
-        <a:font script="Java" typeface="Javanese Text"/>
-        <a:font script="Lisu" typeface="Segoe UI"/>
-        <a:font script="Mymr" typeface="Myanmar Text"/>
-        <a:font script="Nkoo" typeface="Ebrima"/>
-        <a:font script="Olck" typeface="Nirmala UI"/>
-        <a:font script="Osma" typeface="Ebrima"/>
-        <a:font script="Phag" typeface="Phagspa"/>
-        <a:font script="Syrn" typeface="Estrangelo Edessa"/>
-        <a:font script="Syrj" typeface="Estrangelo Edessa"/>
-        <a:font script="Syre" typeface="Estrangelo Edessa"/>
-        <a:font script="Sora" typeface="Nirmala UI"/>
-        <a:font script="Tale" typeface="Microsoft Tai Le"/>
-        <a:font script="Talu" typeface="Microsoft New Tai Lue"/>
-        <a:font script="Tfng" typeface="Ebrima"/>
       </a:majorFont>
       <a:minorFont>
-        <a:latin typeface="Calibri" panose="020F0502020204030204"/>
+        <a:latin typeface="Calibri"/>
         <a:ea typeface=""/>
         <a:cs typeface=""/>
         <a:font script="Jpan" typeface="游ゴシック"/>
@@ -10112,23 +10201,6 @@
         <a:font script="Viet" typeface="Arial"/>
         <a:font script="Uigh" typeface="Microsoft Uighur"/>
         <a:font script="Geor" typeface="Sylfaen"/>
-        <a:font script="Armn" typeface="Arial"/>
-        <a:font script="Bugi" typeface="Leelawadee UI"/>
-        <a:font script="Bopo" typeface="Microsoft JhengHei"/>
-        <a:font script="Java" typeface="Javanese Text"/>
-        <a:font script="Lisu" typeface="Segoe UI"/>
-        <a:font script="Mymr" typeface="Myanmar Text"/>
-        <a:font script="Nkoo" typeface="Ebrima"/>
-        <a:font script="Olck" typeface="Nirmala UI"/>
-        <a:font script="Osma" typeface="Ebrima"/>
-        <a:font script="Phag" typeface="Phagspa"/>
-        <a:font script="Syrn" typeface="Estrangelo Edessa"/>
-        <a:font script="Syrj" typeface="Estrangelo Edessa"/>
-        <a:font script="Syre" typeface="Estrangelo Edessa"/>
-        <a:font script="Sora" typeface="Nirmala UI"/>
-        <a:font script="Tale" typeface="Microsoft Tai Le"/>
-        <a:font script="Talu" typeface="Microsoft New Tai Lue"/>
-        <a:font script="Tfng" typeface="Ebrima"/>
       </a:minorFont>
     </a:fontScheme>
     <a:fmtScheme name="Office">
@@ -10269,8 +10341,6 @@
       </a:bgFillStyleLst>
     </a:fmtScheme>
   </a:themeElements>
-  <a:objectDefaults/>
-  <a:extraClrSchemeLst/>
   <a:extLst>
     <a:ext uri="{05A4C25C-085E-4340-85A3-A5531E510DB2}">
       <thm15:themeFamily xmlns:thm15="http://schemas.microsoft.com/office/thememl/2012/main" name="Office Theme" id="{62F939B6-93AF-4DB8-9C6B-D6C7DFDC589F}" vid="{4A3C46E8-61CC-4603-A589-7422A47A8E4A}"/>

--- a/slides/L10 Decision_Table.pptx
+++ b/slides/L10 Decision_Table.pptx
@@ -9295,7 +9295,7 @@
                   <a:srgbClr val="FF0000"/>
                 </a:solidFill>
               </a:rPr>
-              <a:t>Write the junit testing implementation</a:t>
+              <a:t>Write the JUnit testing implementation</a:t>
             </a:r>
             <a:endParaRPr lang="en-US" sz="2000">
               <a:solidFill>
